--- a/SW선도교원 연수.pptx
+++ b/SW선도교원 연수.pptx
@@ -11,11 +11,14 @@
     <p:sldId id="259" r:id="rId5"/>
     <p:sldId id="260" r:id="rId6"/>
     <p:sldId id="261" r:id="rId7"/>
-    <p:sldId id="262" r:id="rId8"/>
-    <p:sldId id="263" r:id="rId9"/>
-    <p:sldId id="264" r:id="rId10"/>
-    <p:sldId id="265" r:id="rId11"/>
-    <p:sldId id="266" r:id="rId12"/>
+    <p:sldId id="263" r:id="rId8"/>
+    <p:sldId id="264" r:id="rId9"/>
+    <p:sldId id="265" r:id="rId10"/>
+    <p:sldId id="266" r:id="rId11"/>
+    <p:sldId id="267" r:id="rId12"/>
+    <p:sldId id="268" r:id="rId13"/>
+    <p:sldId id="269" r:id="rId14"/>
+    <p:sldId id="270" r:id="rId15"/>
   </p:sldIdLst>
   <p:sldSz cx="12192000" cy="6858000"/>
   <p:notesSz cx="6858000" cy="9144000"/>
@@ -114,6 +117,11 @@
       </a:defRPr>
     </a:lvl9pPr>
   </p:defaultTextStyle>
+  <p:extLst>
+    <p:ext uri="{EFAFB233-063F-42B5-8137-9DF3F51BA10A}">
+      <p15:sldGuideLst xmlns:p15="http://schemas.microsoft.com/office/powerpoint/2012/main"/>
+    </p:ext>
+  </p:extLst>
 </p:presentation>
 </file>
 
@@ -288,7 +296,7 @@
           <a:p>
             <a:fld id="{48A87A34-81AB-432B-8DAE-1953F412C126}" type="datetimeFigureOut">
               <a:rPr lang="en-US" dirty="0"/>
-              <a:t>10/10/2020</a:t>
+              <a:t>10/11/2020</a:t>
             </a:fld>
             <a:endParaRPr lang="en-US" dirty="0"/>
           </a:p>
@@ -595,7 +603,7 @@
           <a:p>
             <a:fld id="{48A87A34-81AB-432B-8DAE-1953F412C126}" type="datetimeFigureOut">
               <a:rPr lang="en-US" dirty="0"/>
-              <a:t>10/10/2020</a:t>
+              <a:t>10/11/2020</a:t>
             </a:fld>
             <a:endParaRPr lang="en-US" dirty="0"/>
           </a:p>
@@ -812,7 +820,7 @@
           <a:p>
             <a:fld id="{48A87A34-81AB-432B-8DAE-1953F412C126}" type="datetimeFigureOut">
               <a:rPr lang="en-US" dirty="0"/>
-              <a:t>10/10/2020</a:t>
+              <a:t>10/11/2020</a:t>
             </a:fld>
             <a:endParaRPr lang="en-US" dirty="0"/>
           </a:p>
@@ -1098,7 +1106,7 @@
           <a:p>
             <a:fld id="{48A87A34-81AB-432B-8DAE-1953F412C126}" type="datetimeFigureOut">
               <a:rPr lang="en-US" dirty="0"/>
-              <a:t>10/10/2020</a:t>
+              <a:t>10/11/2020</a:t>
             </a:fld>
             <a:endParaRPr lang="en-US" dirty="0"/>
           </a:p>
@@ -1547,7 +1555,7 @@
           <a:p>
             <a:fld id="{48A87A34-81AB-432B-8DAE-1953F412C126}" type="datetimeFigureOut">
               <a:rPr lang="en-US" dirty="0"/>
-              <a:t>10/10/2020</a:t>
+              <a:t>10/11/2020</a:t>
             </a:fld>
             <a:endParaRPr lang="en-US" dirty="0"/>
           </a:p>
@@ -2118,7 +2126,7 @@
           <a:p>
             <a:fld id="{48A87A34-81AB-432B-8DAE-1953F412C126}" type="datetimeFigureOut">
               <a:rPr lang="en-US" dirty="0"/>
-              <a:t>10/10/2020</a:t>
+              <a:t>10/11/2020</a:t>
             </a:fld>
             <a:endParaRPr lang="en-US" dirty="0"/>
           </a:p>
@@ -2965,7 +2973,7 @@
           <a:p>
             <a:fld id="{48A87A34-81AB-432B-8DAE-1953F412C126}" type="datetimeFigureOut">
               <a:rPr lang="en-US" dirty="0"/>
-              <a:t>10/10/2020</a:t>
+              <a:t>10/11/2020</a:t>
             </a:fld>
             <a:endParaRPr lang="en-US" dirty="0"/>
           </a:p>
@@ -3165,7 +3173,7 @@
           <a:p>
             <a:fld id="{48A87A34-81AB-432B-8DAE-1953F412C126}" type="datetimeFigureOut">
               <a:rPr lang="en-US" dirty="0"/>
-              <a:t>10/10/2020</a:t>
+              <a:t>10/11/2020</a:t>
             </a:fld>
             <a:endParaRPr lang="en-US" dirty="0"/>
           </a:p>
@@ -3374,7 +3382,7 @@
           <a:p>
             <a:fld id="{48A87A34-81AB-432B-8DAE-1953F412C126}" type="datetimeFigureOut">
               <a:rPr lang="en-US" dirty="0"/>
-              <a:t>10/10/2020</a:t>
+              <a:t>10/11/2020</a:t>
             </a:fld>
             <a:endParaRPr lang="en-US" dirty="0"/>
           </a:p>
@@ -3574,7 +3582,7 @@
           <a:p>
             <a:fld id="{48A87A34-81AB-432B-8DAE-1953F412C126}" type="datetimeFigureOut">
               <a:rPr lang="en-US" dirty="0"/>
-              <a:t>10/10/2020</a:t>
+              <a:t>10/11/2020</a:t>
             </a:fld>
             <a:endParaRPr lang="en-US" dirty="0"/>
           </a:p>
@@ -3849,7 +3857,7 @@
           <a:p>
             <a:fld id="{48A87A34-81AB-432B-8DAE-1953F412C126}" type="datetimeFigureOut">
               <a:rPr lang="en-US" dirty="0"/>
-              <a:t>10/10/2020</a:t>
+              <a:t>10/11/2020</a:t>
             </a:fld>
             <a:endParaRPr lang="en-US" dirty="0"/>
           </a:p>
@@ -4111,7 +4119,7 @@
           <a:p>
             <a:fld id="{48A87A34-81AB-432B-8DAE-1953F412C126}" type="datetimeFigureOut">
               <a:rPr lang="en-US" dirty="0"/>
-              <a:t>10/10/2020</a:t>
+              <a:t>10/11/2020</a:t>
             </a:fld>
             <a:endParaRPr lang="en-US" dirty="0"/>
           </a:p>
@@ -4521,7 +4529,7 @@
           <a:p>
             <a:fld id="{48A87A34-81AB-432B-8DAE-1953F412C126}" type="datetimeFigureOut">
               <a:rPr lang="en-US" dirty="0"/>
-              <a:t>10/10/2020</a:t>
+              <a:t>10/11/2020</a:t>
             </a:fld>
             <a:endParaRPr lang="en-US" dirty="0"/>
           </a:p>
@@ -4664,7 +4672,7 @@
           <a:p>
             <a:fld id="{48A87A34-81AB-432B-8DAE-1953F412C126}" type="datetimeFigureOut">
               <a:rPr lang="en-US" dirty="0"/>
-              <a:t>10/10/2020</a:t>
+              <a:t>10/11/2020</a:t>
             </a:fld>
             <a:endParaRPr lang="en-US" dirty="0"/>
           </a:p>
@@ -4784,7 +4792,7 @@
           <a:p>
             <a:fld id="{48A87A34-81AB-432B-8DAE-1953F412C126}" type="datetimeFigureOut">
               <a:rPr lang="en-US" dirty="0"/>
-              <a:t>10/10/2020</a:t>
+              <a:t>10/11/2020</a:t>
             </a:fld>
             <a:endParaRPr lang="en-US" dirty="0"/>
           </a:p>
@@ -5058,7 +5066,7 @@
           <a:p>
             <a:fld id="{48A87A34-81AB-432B-8DAE-1953F412C126}" type="datetimeFigureOut">
               <a:rPr lang="en-US" dirty="0"/>
-              <a:t>10/10/2020</a:t>
+              <a:t>10/11/2020</a:t>
             </a:fld>
             <a:endParaRPr lang="en-US" dirty="0"/>
           </a:p>
@@ -5365,7 +5373,7 @@
           <a:p>
             <a:fld id="{48A87A34-81AB-432B-8DAE-1953F412C126}" type="datetimeFigureOut">
               <a:rPr lang="en-US" dirty="0"/>
-              <a:t>10/10/2020</a:t>
+              <a:t>10/11/2020</a:t>
             </a:fld>
             <a:endParaRPr lang="en-US" dirty="0"/>
           </a:p>
@@ -5614,7 +5622,7 @@
             <a:fld id="{48A87A34-81AB-432B-8DAE-1953F412C126}" type="datetimeFigureOut">
               <a:rPr lang="en-US" dirty="0"/>
               <a:pPr/>
-              <a:t>10/10/2020</a:t>
+              <a:t>10/11/2020</a:t>
             </a:fld>
             <a:endParaRPr lang="en-US" dirty="0"/>
           </a:p>
@@ -6162,7 +6170,7 @@
           <a:p>
             <a:r>
               <a:rPr lang="en-US" altLang="ko-KR" b="1" dirty="0" smtClean="0"/>
-              <a:t>Use Point Class</a:t>
+              <a:t>requests</a:t>
             </a:r>
             <a:endParaRPr lang="ko-KR" altLang="en-US" b="1" dirty="0"/>
           </a:p>
@@ -6185,106 +6193,50 @@
           </a:bodyPr>
           <a:lstStyle/>
           <a:p>
-            <a:r>
-              <a:rPr lang="en-US" altLang="ko-KR" dirty="0" smtClean="0"/>
-              <a:t>From </a:t>
-            </a:r>
-            <a:r>
-              <a:rPr lang="en-US" altLang="ko-KR" dirty="0" err="1" smtClean="0"/>
-              <a:t>pointclass</a:t>
-            </a:r>
-            <a:r>
-              <a:rPr lang="en-US" altLang="ko-KR" dirty="0" smtClean="0"/>
-              <a:t> import </a:t>
-            </a:r>
-            <a:r>
-              <a:rPr lang="en-US" altLang="ko-KR" dirty="0" err="1" smtClean="0"/>
-              <a:t>pipoint</a:t>
-            </a:r>
-            <a:endParaRPr lang="en-US" altLang="ko-KR" dirty="0" smtClean="0"/>
-          </a:p>
-          <a:p>
-            <a:r>
-              <a:rPr lang="en-US" altLang="ko-KR" dirty="0" smtClean="0"/>
-              <a:t>Origin = </a:t>
-            </a:r>
-            <a:r>
-              <a:rPr lang="en-US" altLang="ko-KR" dirty="0" err="1" smtClean="0"/>
-              <a:t>pipoint</a:t>
-            </a:r>
-            <a:r>
-              <a:rPr lang="en-US" altLang="ko-KR" dirty="0" smtClean="0"/>
-              <a:t>()</a:t>
-            </a:r>
-          </a:p>
-          <a:p>
-            <a:r>
-              <a:rPr lang="en-US" altLang="ko-KR" dirty="0" smtClean="0"/>
-              <a:t>P = </a:t>
-            </a:r>
-            <a:r>
-              <a:rPr lang="en-US" altLang="ko-KR" dirty="0" err="1" smtClean="0"/>
-              <a:t>pipoint</a:t>
-            </a:r>
-            <a:r>
-              <a:rPr lang="en-US" altLang="ko-KR" dirty="0" smtClean="0"/>
-              <a:t>(</a:t>
-            </a:r>
-            <a:r>
-              <a:rPr lang="en-US" altLang="ko-KR" dirty="0" err="1" smtClean="0"/>
-              <a:t>random.random</a:t>
-            </a:r>
-            <a:r>
-              <a:rPr lang="en-US" altLang="ko-KR" dirty="0" smtClean="0"/>
-              <a:t>()*100, </a:t>
-            </a:r>
-            <a:r>
-              <a:rPr lang="en-US" altLang="ko-KR" dirty="0" err="1" smtClean="0"/>
-              <a:t>random.random</a:t>
-            </a:r>
-            <a:r>
-              <a:rPr lang="en-US" altLang="ko-KR" dirty="0" smtClean="0"/>
-              <a:t>()*100)</a:t>
-            </a:r>
-          </a:p>
-          <a:p>
-            <a:r>
-              <a:rPr lang="en-US" altLang="ko-KR" dirty="0" smtClean="0"/>
-              <a:t>For I in range(100):</a:t>
-            </a:r>
-          </a:p>
-          <a:p>
-            <a:r>
-              <a:rPr lang="en-US" altLang="ko-KR" dirty="0"/>
-              <a:t> </a:t>
-            </a:r>
-            <a:r>
-              <a:rPr lang="en-US" altLang="ko-KR" dirty="0" smtClean="0"/>
-              <a:t>   print(</a:t>
-            </a:r>
-            <a:r>
-              <a:rPr lang="en-US" altLang="ko-KR" dirty="0" err="1" smtClean="0"/>
-              <a:t>p.dist</a:t>
-            </a:r>
-            <a:r>
-              <a:rPr lang="en-US" altLang="ko-KR" dirty="0" smtClean="0"/>
-              <a:t>(origin))</a:t>
-            </a:r>
-          </a:p>
-          <a:p>
-            <a:endParaRPr lang="en-US" altLang="ko-KR" dirty="0"/>
-          </a:p>
-          <a:p>
-            <a:r>
-              <a:rPr lang="en-US" altLang="ko-KR" dirty="0" smtClean="0"/>
-              <a:t>----</a:t>
-            </a:r>
-            <a:endParaRPr lang="en-US" altLang="ko-KR" dirty="0"/>
-          </a:p>
-          <a:p>
-            <a:endParaRPr lang="en-US" altLang="ko-KR" dirty="0"/>
-          </a:p>
-          <a:p>
+            <a:pPr marL="0" indent="0">
+              <a:buNone/>
+            </a:pPr>
+            <a:r>
+              <a:rPr lang="en-US" altLang="ko-KR" smtClean="0"/>
+              <a:t>% pip </a:t>
+            </a:r>
+            <a:r>
+              <a:rPr lang="en-US" altLang="ko-KR" smtClean="0"/>
+              <a:t>requests</a:t>
+            </a:r>
+          </a:p>
+          <a:p>
+            <a:pPr marL="0" indent="0">
+              <a:buNone/>
+            </a:pPr>
+            <a:endParaRPr lang="en-US" altLang="ko-KR"/>
+          </a:p>
+          <a:p>
+            <a:pPr marL="0" indent="0">
+              <a:buNone/>
+            </a:pPr>
+            <a:r>
+              <a:rPr lang="en-US" altLang="ko-KR" smtClean="0"/>
+              <a:t>import requests</a:t>
+            </a:r>
+          </a:p>
+          <a:p>
+            <a:pPr marL="0" indent="0">
+              <a:buNone/>
+            </a:pPr>
+            <a:r>
+              <a:rPr lang="en-US" altLang="ko-KR" smtClean="0"/>
+              <a:t>resp = requests.get(‘http://www.google.com’)</a:t>
+            </a:r>
+          </a:p>
+          <a:p>
+            <a:pPr marL="0" indent="0">
+              <a:buNone/>
+            </a:pPr>
+            <a:r>
+              <a:rPr lang="en-US" altLang="ko-KR" smtClean="0"/>
+              <a:t>print(resp.text)</a:t>
+            </a:r>
             <a:endParaRPr lang="ko-KR" altLang="en-US" dirty="0"/>
           </a:p>
         </p:txBody>
@@ -6292,7 +6244,7 @@
     </p:spTree>
     <p:extLst>
       <p:ext uri="{BB962C8B-B14F-4D97-AF65-F5344CB8AC3E}">
-        <p14:creationId xmlns:p14="http://schemas.microsoft.com/office/powerpoint/2010/main" val="1404406894"/>
+        <p14:creationId xmlns:p14="http://schemas.microsoft.com/office/powerpoint/2010/main" val="3302144318"/>
       </p:ext>
     </p:extLst>
   </p:cSld>
@@ -6335,8 +6287,8 @@
           <a:lstStyle/>
           <a:p>
             <a:r>
-              <a:rPr lang="en-US" altLang="ko-KR" b="1" dirty="0" smtClean="0"/>
-              <a:t>requests</a:t>
+              <a:rPr lang="en-US" altLang="ko-KR" b="1" smtClean="0"/>
+              <a:t>rest api</a:t>
             </a:r>
             <a:endParaRPr lang="ko-KR" altLang="en-US" b="1" dirty="0"/>
           </a:p>
@@ -6355,10 +6307,143 @@
         <p:spPr/>
         <p:txBody>
           <a:bodyPr>
-            <a:normAutofit/>
+            <a:normAutofit fontScale="92500" lnSpcReduction="10000"/>
           </a:bodyPr>
           <a:lstStyle/>
           <a:p>
+            <a:pPr marL="0" indent="0">
+              <a:buNone/>
+            </a:pPr>
+            <a:r>
+              <a:rPr lang="en-US" altLang="ko-KR" smtClean="0"/>
+              <a:t>representational state transfer</a:t>
+            </a:r>
+          </a:p>
+          <a:p>
+            <a:pPr marL="0" indent="0">
+              <a:buNone/>
+            </a:pPr>
+            <a:r>
+              <a:rPr lang="en-US" altLang="ko-KR" smtClean="0"/>
+              <a:t>Application programming interface</a:t>
+            </a:r>
+          </a:p>
+          <a:p>
+            <a:pPr marL="0" indent="0">
+              <a:buNone/>
+            </a:pPr>
+            <a:endParaRPr lang="en-US" altLang="ko-KR"/>
+          </a:p>
+          <a:p>
+            <a:pPr marL="0" indent="0">
+              <a:buNone/>
+            </a:pPr>
+            <a:r>
+              <a:rPr lang="en-US" altLang="ko-KR" smtClean="0"/>
+              <a:t>data.go.kr </a:t>
+            </a:r>
+            <a:r>
+              <a:rPr lang="ko-KR" altLang="en-US" smtClean="0"/>
+              <a:t>공공데이터포털</a:t>
+            </a:r>
+            <a:r>
+              <a:rPr lang="en-US" altLang="ko-KR" smtClean="0"/>
+              <a:t>, </a:t>
+            </a:r>
+            <a:r>
+              <a:rPr lang="ko-KR" altLang="en-US" smtClean="0"/>
+              <a:t>네이버</a:t>
+            </a:r>
+            <a:r>
+              <a:rPr lang="en-US" altLang="ko-KR" smtClean="0"/>
+              <a:t>, </a:t>
+            </a:r>
+            <a:r>
+              <a:rPr lang="ko-KR" altLang="en-US" smtClean="0"/>
+              <a:t>카카오</a:t>
+            </a:r>
+            <a:r>
+              <a:rPr lang="en-US" altLang="ko-KR" smtClean="0"/>
+              <a:t>, </a:t>
+            </a:r>
+            <a:r>
+              <a:rPr lang="ko-KR" altLang="en-US" smtClean="0"/>
+              <a:t>구글</a:t>
+            </a:r>
+            <a:r>
+              <a:rPr lang="en-US" altLang="ko-KR" smtClean="0"/>
+              <a:t>, </a:t>
+            </a:r>
+            <a:r>
+              <a:rPr lang="ko-KR" altLang="en-US" smtClean="0"/>
+              <a:t>주식업체 등 </a:t>
+            </a:r>
+            <a:r>
+              <a:rPr lang="en-US" altLang="ko-KR" smtClean="0"/>
+              <a:t>bigdata</a:t>
+            </a:r>
+            <a:r>
+              <a:rPr lang="ko-KR" altLang="en-US" smtClean="0"/>
+              <a:t>를 처리하는 단체에서 공개할 가치가 있는 데이터를 제공함</a:t>
+            </a:r>
+            <a:endParaRPr lang="en-US" altLang="ko-KR" smtClean="0"/>
+          </a:p>
+          <a:p>
+            <a:pPr marL="0" indent="0">
+              <a:buNone/>
+            </a:pPr>
+            <a:endParaRPr lang="en-US" altLang="ko-KR"/>
+          </a:p>
+          <a:p>
+            <a:pPr marL="0" indent="0">
+              <a:buNone/>
+            </a:pPr>
+            <a:r>
+              <a:rPr lang="ko-KR" altLang="en-US" smtClean="0"/>
+              <a:t>아무나 가져다쓰지 않도록 </a:t>
+            </a:r>
+            <a:r>
+              <a:rPr lang="en-US" altLang="ko-KR" smtClean="0"/>
+              <a:t>key</a:t>
+            </a:r>
+            <a:r>
+              <a:rPr lang="ko-KR" altLang="en-US" smtClean="0"/>
+              <a:t>값을 제공하는데</a:t>
+            </a:r>
+            <a:r>
+              <a:rPr lang="en-US" altLang="ko-KR" smtClean="0"/>
+              <a:t>…</a:t>
+            </a:r>
+            <a:endParaRPr lang="en-US" altLang="ko-KR"/>
+          </a:p>
+          <a:p>
+            <a:pPr marL="0" indent="0">
+              <a:buNone/>
+            </a:pPr>
+            <a:r>
+              <a:rPr lang="ko-KR" altLang="en-US" smtClean="0"/>
+              <a:t>일단 </a:t>
+            </a:r>
+            <a:r>
+              <a:rPr lang="en-US" altLang="ko-KR" smtClean="0"/>
+              <a:t>key</a:t>
+            </a:r>
+            <a:r>
+              <a:rPr lang="ko-KR" altLang="en-US" smtClean="0"/>
+              <a:t>값 없이도 쓸 수 있는 </a:t>
+            </a:r>
+            <a:r>
+              <a:rPr lang="en-US" altLang="ko-KR" smtClean="0"/>
+              <a:t>manana</a:t>
+            </a:r>
+            <a:r>
+              <a:rPr lang="ko-KR" altLang="en-US" smtClean="0"/>
+              <a:t>부터 시작하자</a:t>
+            </a:r>
+            <a:r>
+              <a:rPr lang="en-US" altLang="ko-KR" smtClean="0"/>
+              <a:t>!!</a:t>
+            </a:r>
             <a:endParaRPr lang="ko-KR" altLang="en-US" dirty="0"/>
           </a:p>
         </p:txBody>
@@ -6366,7 +6451,660 @@
     </p:spTree>
     <p:extLst>
       <p:ext uri="{BB962C8B-B14F-4D97-AF65-F5344CB8AC3E}">
-        <p14:creationId xmlns:p14="http://schemas.microsoft.com/office/powerpoint/2010/main" val="3302144318"/>
+        <p14:creationId xmlns:p14="http://schemas.microsoft.com/office/powerpoint/2010/main" val="1942419634"/>
+      </p:ext>
+    </p:extLst>
+  </p:cSld>
+  <p:clrMapOvr>
+    <a:masterClrMapping/>
+  </p:clrMapOvr>
+</p:sld>
+</file>
+
+<file path=ppt/slides/slide12.xml><?xml version="1.0" encoding="utf-8"?>
+<p:sld xmlns:a="http://schemas.openxmlformats.org/drawingml/2006/main" xmlns:r="http://schemas.openxmlformats.org/officeDocument/2006/relationships" xmlns:p="http://schemas.openxmlformats.org/presentationml/2006/main">
+  <p:cSld>
+    <p:spTree>
+      <p:nvGrpSpPr>
+        <p:cNvPr id="1" name=""/>
+        <p:cNvGrpSpPr/>
+        <p:nvPr/>
+      </p:nvGrpSpPr>
+      <p:grpSpPr>
+        <a:xfrm>
+          <a:off x="0" y="0"/>
+          <a:ext cx="0" cy="0"/>
+          <a:chOff x="0" y="0"/>
+          <a:chExt cx="0" cy="0"/>
+        </a:xfrm>
+      </p:grpSpPr>
+      <p:sp>
+        <p:nvSpPr>
+          <p:cNvPr id="2" name="제목 1"/>
+          <p:cNvSpPr>
+            <a:spLocks noGrp="1"/>
+          </p:cNvSpPr>
+          <p:nvPr>
+            <p:ph type="title"/>
+          </p:nvPr>
+        </p:nvSpPr>
+        <p:spPr/>
+        <p:txBody>
+          <a:bodyPr/>
+          <a:lstStyle/>
+          <a:p>
+            <a:r>
+              <a:rPr lang="en-US" altLang="ko-KR" b="1" smtClean="0"/>
+              <a:t>api.</a:t>
+            </a:r>
+            <a:r>
+              <a:rPr lang="en-US" altLang="ko-KR" b="1" smtClean="0"/>
+              <a:t>manana.kr</a:t>
+            </a:r>
+            <a:endParaRPr lang="ko-KR" altLang="en-US" b="1" dirty="0"/>
+          </a:p>
+        </p:txBody>
+      </p:sp>
+      <p:pic>
+        <p:nvPicPr>
+          <p:cNvPr id="4" name="내용 개체 틀 3"/>
+          <p:cNvPicPr>
+            <a:picLocks noGrp="1" noChangeAspect="1"/>
+          </p:cNvPicPr>
+          <p:nvPr>
+            <p:ph sz="quarter" idx="13"/>
+          </p:nvPr>
+        </p:nvPicPr>
+        <p:blipFill rotWithShape="1">
+          <a:blip r:embed="rId2">
+            <a:extLst>
+              <a:ext uri="{28A0092B-C50C-407E-A947-70E740481C1C}">
+                <a14:useLocalDpi xmlns:a14="http://schemas.microsoft.com/office/drawing/2010/main" val="0"/>
+              </a:ext>
+            </a:extLst>
+          </a:blip>
+          <a:srcRect b="30470"/>
+          <a:stretch/>
+        </p:blipFill>
+        <p:spPr>
+          <a:xfrm>
+            <a:off x="1572959" y="2366963"/>
+            <a:ext cx="8731626" cy="3724347"/>
+          </a:xfrm>
+        </p:spPr>
+      </p:pic>
+      <p:sp>
+        <p:nvSpPr>
+          <p:cNvPr id="5" name="TextBox 4"/>
+          <p:cNvSpPr txBox="1"/>
+          <p:nvPr/>
+        </p:nvSpPr>
+        <p:spPr>
+          <a:xfrm>
+            <a:off x="1572959" y="1905298"/>
+            <a:ext cx="2984278" cy="461665"/>
+          </a:xfrm>
+          <a:prstGeom prst="rect">
+            <a:avLst/>
+          </a:prstGeom>
+          <a:noFill/>
+        </p:spPr>
+        <p:txBody>
+          <a:bodyPr wrap="none" rtlCol="0">
+            <a:spAutoFit/>
+          </a:bodyPr>
+          <a:lstStyle/>
+          <a:p>
+            <a:r>
+              <a:rPr lang="en-US" altLang="ko-KR" sz="2400" smtClean="0"/>
+              <a:t>http://www.manana.kr</a:t>
+            </a:r>
+            <a:endParaRPr lang="ko-KR" altLang="en-US" sz="2400"/>
+          </a:p>
+        </p:txBody>
+      </p:sp>
+    </p:spTree>
+    <p:extLst>
+      <p:ext uri="{BB962C8B-B14F-4D97-AF65-F5344CB8AC3E}">
+        <p14:creationId xmlns:p14="http://schemas.microsoft.com/office/powerpoint/2010/main" val="3837311588"/>
+      </p:ext>
+    </p:extLst>
+  </p:cSld>
+  <p:clrMapOvr>
+    <a:masterClrMapping/>
+  </p:clrMapOvr>
+</p:sld>
+</file>
+
+<file path=ppt/slides/slide13.xml><?xml version="1.0" encoding="utf-8"?>
+<p:sld xmlns:a="http://schemas.openxmlformats.org/drawingml/2006/main" xmlns:r="http://schemas.openxmlformats.org/officeDocument/2006/relationships" xmlns:p="http://schemas.openxmlformats.org/presentationml/2006/main">
+  <p:cSld>
+    <p:spTree>
+      <p:nvGrpSpPr>
+        <p:cNvPr id="1" name=""/>
+        <p:cNvGrpSpPr/>
+        <p:nvPr/>
+      </p:nvGrpSpPr>
+      <p:grpSpPr>
+        <a:xfrm>
+          <a:off x="0" y="0"/>
+          <a:ext cx="0" cy="0"/>
+          <a:chOff x="0" y="0"/>
+          <a:chExt cx="0" cy="0"/>
+        </a:xfrm>
+      </p:grpSpPr>
+      <p:sp>
+        <p:nvSpPr>
+          <p:cNvPr id="2" name="제목 1"/>
+          <p:cNvSpPr>
+            <a:spLocks noGrp="1"/>
+          </p:cNvSpPr>
+          <p:nvPr>
+            <p:ph type="title"/>
+          </p:nvPr>
+        </p:nvSpPr>
+        <p:spPr/>
+        <p:txBody>
+          <a:bodyPr/>
+          <a:lstStyle/>
+          <a:p>
+            <a:r>
+              <a:rPr lang="en-US" altLang="ko-KR" b="1" smtClean="0"/>
+              <a:t>json</a:t>
+            </a:r>
+            <a:endParaRPr lang="ko-KR" altLang="en-US" b="1" dirty="0"/>
+          </a:p>
+        </p:txBody>
+      </p:sp>
+      <p:sp>
+        <p:nvSpPr>
+          <p:cNvPr id="3" name="내용 개체 틀 2"/>
+          <p:cNvSpPr>
+            <a:spLocks noGrp="1"/>
+          </p:cNvSpPr>
+          <p:nvPr>
+            <p:ph sz="quarter" idx="13"/>
+          </p:nvPr>
+        </p:nvSpPr>
+        <p:spPr/>
+        <p:txBody>
+          <a:bodyPr>
+            <a:normAutofit fontScale="62500" lnSpcReduction="20000"/>
+          </a:bodyPr>
+          <a:lstStyle/>
+          <a:p>
+            <a:pPr marL="0" indent="0">
+              <a:buNone/>
+            </a:pPr>
+            <a:r>
+              <a:rPr lang="en-US" altLang="ko-KR" smtClean="0"/>
+              <a:t>javascript object notation </a:t>
+            </a:r>
+          </a:p>
+          <a:p>
+            <a:pPr marL="0" indent="0">
+              <a:buNone/>
+            </a:pPr>
+            <a:r>
+              <a:rPr lang="ko-KR" altLang="en-US" smtClean="0"/>
+              <a:t>인터넷 상에서 자료를 전송하는 표준포맷으로 </a:t>
+            </a:r>
+            <a:r>
+              <a:rPr lang="en-US" altLang="ko-KR" smtClean="0"/>
+              <a:t>xml</a:t>
+            </a:r>
+            <a:r>
+              <a:rPr lang="ko-KR" altLang="en-US" smtClean="0"/>
+              <a:t>과 더불어 가장 많이 사용된다</a:t>
+            </a:r>
+            <a:r>
+              <a:rPr lang="en-US" altLang="ko-KR" smtClean="0"/>
+              <a:t>.</a:t>
+            </a:r>
+            <a:endParaRPr lang="en-US" altLang="ko-KR"/>
+          </a:p>
+          <a:p>
+            <a:pPr marL="0" indent="0">
+              <a:buNone/>
+            </a:pPr>
+            <a:r>
+              <a:rPr lang="en-US" altLang="ko-KR" smtClean="0"/>
+              <a:t>key</a:t>
+            </a:r>
+            <a:r>
+              <a:rPr lang="ko-KR" altLang="en-US" smtClean="0"/>
+              <a:t>와 </a:t>
+            </a:r>
+            <a:r>
+              <a:rPr lang="en-US" altLang="ko-KR" smtClean="0"/>
+              <a:t>value</a:t>
+            </a:r>
+            <a:r>
+              <a:rPr lang="ko-KR" altLang="en-US" smtClean="0"/>
+              <a:t>의 쌍으로 이루어져 있어 </a:t>
+            </a:r>
+            <a:r>
+              <a:rPr lang="en-US" altLang="ko-KR" smtClean="0"/>
+              <a:t>pytho</a:t>
+            </a:r>
+            <a:r>
+              <a:rPr lang="ko-KR" altLang="en-US" smtClean="0"/>
+              <a:t>의 </a:t>
+            </a:r>
+            <a:r>
+              <a:rPr lang="en-US" altLang="ko-KR" smtClean="0"/>
+              <a:t>dict</a:t>
+            </a:r>
+            <a:r>
+              <a:rPr lang="ko-KR" altLang="en-US" smtClean="0"/>
+              <a:t>형과 일맥상통한다</a:t>
+            </a:r>
+            <a:r>
+              <a:rPr lang="en-US" altLang="ko-KR" smtClean="0"/>
+              <a:t>.</a:t>
+            </a:r>
+          </a:p>
+          <a:p>
+            <a:pPr marL="0" indent="0">
+              <a:buNone/>
+            </a:pPr>
+            <a:endParaRPr lang="en-US" altLang="ko-KR"/>
+          </a:p>
+          <a:p>
+            <a:pPr marL="0" indent="0">
+              <a:buNone/>
+            </a:pPr>
+            <a:r>
+              <a:rPr lang="en-US" altLang="ko-KR" i="1" smtClean="0"/>
+              <a:t>import</a:t>
+            </a:r>
+            <a:r>
+              <a:rPr lang="en-US" altLang="ko-KR" smtClean="0"/>
+              <a:t> requests</a:t>
+            </a:r>
+            <a:br>
+              <a:rPr lang="en-US" altLang="ko-KR" smtClean="0"/>
+            </a:br>
+            <a:r>
+              <a:rPr lang="en-US" altLang="ko-KR" smtClean="0"/>
+              <a:t>reurl = 'https://api.manana.kr/exchange.json‘</a:t>
+            </a:r>
+          </a:p>
+          <a:p>
+            <a:pPr marL="0" indent="0">
+              <a:buNone/>
+            </a:pPr>
+            <a:r>
+              <a:rPr lang="en-US" altLang="ko-KR"/>
+              <a:t>jresp = requests.get(reurl)</a:t>
+            </a:r>
+          </a:p>
+          <a:p>
+            <a:pPr marL="0" indent="0">
+              <a:buNone/>
+            </a:pPr>
+            <a:r>
+              <a:rPr lang="en-US" altLang="ko-KR"/>
+              <a:t>jdata = </a:t>
+            </a:r>
+            <a:r>
+              <a:rPr lang="en-US" altLang="ko-KR"/>
+              <a:t>jresp.json</a:t>
+            </a:r>
+            <a:r>
+              <a:rPr lang="en-US" altLang="ko-KR" smtClean="0"/>
+              <a:t>()</a:t>
+            </a:r>
+          </a:p>
+          <a:p>
+            <a:pPr marL="0" indent="0">
+              <a:buNone/>
+            </a:pPr>
+            <a:r>
+              <a:rPr lang="en-US" altLang="ko-KR"/>
+              <a:t>print(type(jdata</a:t>
+            </a:r>
+            <a:r>
+              <a:rPr lang="en-US" altLang="ko-KR" smtClean="0"/>
+              <a:t>))</a:t>
+            </a:r>
+          </a:p>
+          <a:p>
+            <a:pPr marL="0" indent="0">
+              <a:buNone/>
+            </a:pPr>
+            <a:r>
+              <a:rPr lang="en-US" altLang="ko-KR" smtClean="0"/>
+              <a:t>print(type(jdata[0]))</a:t>
+            </a:r>
+          </a:p>
+          <a:p>
+            <a:pPr marL="0" indent="0">
+              <a:buNone/>
+            </a:pPr>
+            <a:r>
+              <a:rPr lang="en-US" altLang="ko-KR"/>
+              <a:t>print(jdata[0</a:t>
+            </a:r>
+            <a:r>
+              <a:rPr lang="en-US" altLang="ko-KR" smtClean="0"/>
+              <a:t>])          # dict</a:t>
+            </a:r>
+            <a:r>
+              <a:rPr lang="ko-KR" altLang="en-US" smtClean="0"/>
+              <a:t>형 이므로 사용하면됨</a:t>
+            </a:r>
+            <a:r>
+              <a:rPr lang="en-US" altLang="ko-KR" smtClean="0"/>
+              <a:t>…</a:t>
+            </a:r>
+            <a:endParaRPr lang="en-US" altLang="ko-KR"/>
+          </a:p>
+          <a:p>
+            <a:pPr marL="0" indent="0">
+              <a:buNone/>
+            </a:pPr>
+            <a:endParaRPr lang="en-US" altLang="ko-KR"/>
+          </a:p>
+          <a:p>
+            <a:pPr marL="0" indent="0">
+              <a:buNone/>
+            </a:pPr>
+            <a:endParaRPr lang="en-US" altLang="ko-KR" smtClean="0"/>
+          </a:p>
+          <a:p>
+            <a:pPr marL="0" indent="0">
+              <a:buNone/>
+            </a:pPr>
+            <a:endParaRPr lang="en-US" altLang="ko-KR"/>
+          </a:p>
+          <a:p>
+            <a:pPr marL="0" indent="0">
+              <a:buNone/>
+            </a:pPr>
+            <a:endParaRPr lang="en-US" altLang="ko-KR" smtClean="0"/>
+          </a:p>
+          <a:p>
+            <a:pPr marL="0" indent="0">
+              <a:buNone/>
+            </a:pPr>
+            <a:endParaRPr lang="ko-KR" altLang="en-US" dirty="0"/>
+          </a:p>
+        </p:txBody>
+      </p:sp>
+    </p:spTree>
+    <p:extLst>
+      <p:ext uri="{BB962C8B-B14F-4D97-AF65-F5344CB8AC3E}">
+        <p14:creationId xmlns:p14="http://schemas.microsoft.com/office/powerpoint/2010/main" val="625063641"/>
+      </p:ext>
+    </p:extLst>
+  </p:cSld>
+  <p:clrMapOvr>
+    <a:masterClrMapping/>
+  </p:clrMapOvr>
+</p:sld>
+</file>
+
+<file path=ppt/slides/slide14.xml><?xml version="1.0" encoding="utf-8"?>
+<p:sld xmlns:a="http://schemas.openxmlformats.org/drawingml/2006/main" xmlns:r="http://schemas.openxmlformats.org/officeDocument/2006/relationships" xmlns:p="http://schemas.openxmlformats.org/presentationml/2006/main">
+  <p:cSld>
+    <p:spTree>
+      <p:nvGrpSpPr>
+        <p:cNvPr id="1" name=""/>
+        <p:cNvGrpSpPr/>
+        <p:nvPr/>
+      </p:nvGrpSpPr>
+      <p:grpSpPr>
+        <a:xfrm>
+          <a:off x="0" y="0"/>
+          <a:ext cx="0" cy="0"/>
+          <a:chOff x="0" y="0"/>
+          <a:chExt cx="0" cy="0"/>
+        </a:xfrm>
+      </p:grpSpPr>
+      <p:sp>
+        <p:nvSpPr>
+          <p:cNvPr id="2" name="제목 1"/>
+          <p:cNvSpPr>
+            <a:spLocks noGrp="1"/>
+          </p:cNvSpPr>
+          <p:nvPr>
+            <p:ph type="title"/>
+          </p:nvPr>
+        </p:nvSpPr>
+        <p:spPr/>
+        <p:txBody>
+          <a:bodyPr/>
+          <a:lstStyle/>
+          <a:p>
+            <a:r>
+              <a:rPr lang="en-US" altLang="ko-KR" b="1" smtClean="0"/>
+              <a:t>json</a:t>
+            </a:r>
+            <a:endParaRPr lang="ko-KR" altLang="en-US" b="1" dirty="0"/>
+          </a:p>
+        </p:txBody>
+      </p:sp>
+      <p:sp>
+        <p:nvSpPr>
+          <p:cNvPr id="3" name="내용 개체 틀 2"/>
+          <p:cNvSpPr>
+            <a:spLocks noGrp="1"/>
+          </p:cNvSpPr>
+          <p:nvPr>
+            <p:ph sz="quarter" idx="13"/>
+          </p:nvPr>
+        </p:nvSpPr>
+        <p:spPr/>
+        <p:txBody>
+          <a:bodyPr>
+            <a:normAutofit fontScale="62500" lnSpcReduction="20000"/>
+          </a:bodyPr>
+          <a:lstStyle/>
+          <a:p>
+            <a:pPr marL="0" indent="0">
+              <a:buNone/>
+            </a:pPr>
+            <a:r>
+              <a:rPr lang="en-US" altLang="ko-KR" smtClean="0"/>
+              <a:t>javascript object notation </a:t>
+            </a:r>
+          </a:p>
+          <a:p>
+            <a:pPr marL="0" indent="0">
+              <a:buNone/>
+            </a:pPr>
+            <a:r>
+              <a:rPr lang="ko-KR" altLang="en-US" smtClean="0"/>
+              <a:t>인터넷 상에서 자료를 전송하는 표준포맷으로 </a:t>
+            </a:r>
+            <a:r>
+              <a:rPr lang="en-US" altLang="ko-KR" smtClean="0"/>
+              <a:t>xml</a:t>
+            </a:r>
+            <a:r>
+              <a:rPr lang="ko-KR" altLang="en-US" smtClean="0"/>
+              <a:t>과 더불어 가장 많이 사용된다</a:t>
+            </a:r>
+            <a:r>
+              <a:rPr lang="en-US" altLang="ko-KR" smtClean="0"/>
+              <a:t>.</a:t>
+            </a:r>
+            <a:endParaRPr lang="en-US" altLang="ko-KR"/>
+          </a:p>
+          <a:p>
+            <a:pPr marL="0" indent="0">
+              <a:buNone/>
+            </a:pPr>
+            <a:r>
+              <a:rPr lang="en-US" altLang="ko-KR" smtClean="0"/>
+              <a:t>key</a:t>
+            </a:r>
+            <a:r>
+              <a:rPr lang="ko-KR" altLang="en-US" smtClean="0"/>
+              <a:t>와 </a:t>
+            </a:r>
+            <a:r>
+              <a:rPr lang="en-US" altLang="ko-KR" smtClean="0"/>
+              <a:t>value</a:t>
+            </a:r>
+            <a:r>
+              <a:rPr lang="ko-KR" altLang="en-US" smtClean="0"/>
+              <a:t>의 쌍으로 이루어져 있어 </a:t>
+            </a:r>
+            <a:r>
+              <a:rPr lang="en-US" altLang="ko-KR" smtClean="0"/>
+              <a:t>pytho</a:t>
+            </a:r>
+            <a:r>
+              <a:rPr lang="ko-KR" altLang="en-US" smtClean="0"/>
+              <a:t>의 </a:t>
+            </a:r>
+            <a:r>
+              <a:rPr lang="en-US" altLang="ko-KR" smtClean="0"/>
+              <a:t>dict</a:t>
+            </a:r>
+            <a:r>
+              <a:rPr lang="ko-KR" altLang="en-US" smtClean="0"/>
+              <a:t>형과 일맥상통한다</a:t>
+            </a:r>
+            <a:r>
+              <a:rPr lang="en-US" altLang="ko-KR" smtClean="0"/>
+              <a:t>.</a:t>
+            </a:r>
+          </a:p>
+          <a:p>
+            <a:pPr marL="0" indent="0">
+              <a:buNone/>
+            </a:pPr>
+            <a:endParaRPr lang="en-US" altLang="ko-KR"/>
+          </a:p>
+          <a:p>
+            <a:pPr marL="0" indent="0">
+              <a:buNone/>
+            </a:pPr>
+            <a:r>
+              <a:rPr lang="en-US" altLang="ko-KR" i="1" smtClean="0"/>
+              <a:t>import</a:t>
+            </a:r>
+            <a:r>
+              <a:rPr lang="en-US" altLang="ko-KR" smtClean="0"/>
+              <a:t> requests</a:t>
+            </a:r>
+            <a:br>
+              <a:rPr lang="en-US" altLang="ko-KR" smtClean="0"/>
+            </a:br>
+            <a:r>
+              <a:rPr lang="en-US" altLang="ko-KR" smtClean="0"/>
+              <a:t>reurl = 'https://api.manana.kr/exchange.json‘</a:t>
+            </a:r>
+          </a:p>
+          <a:p>
+            <a:pPr marL="0" indent="0">
+              <a:buNone/>
+            </a:pPr>
+            <a:r>
+              <a:rPr lang="en-US" altLang="ko-KR"/>
+              <a:t>jresp = requests.get(reurl)</a:t>
+            </a:r>
+          </a:p>
+          <a:p>
+            <a:pPr marL="0" indent="0">
+              <a:buNone/>
+            </a:pPr>
+            <a:r>
+              <a:rPr lang="en-US" altLang="ko-KR"/>
+              <a:t>jdata = </a:t>
+            </a:r>
+            <a:r>
+              <a:rPr lang="en-US" altLang="ko-KR"/>
+              <a:t>jresp.json</a:t>
+            </a:r>
+            <a:r>
+              <a:rPr lang="en-US" altLang="ko-KR" smtClean="0"/>
+              <a:t>()</a:t>
+            </a:r>
+          </a:p>
+          <a:p>
+            <a:pPr marL="0" indent="0">
+              <a:buNone/>
+            </a:pPr>
+            <a:r>
+              <a:rPr lang="en-US" altLang="ko-KR"/>
+              <a:t>print(type(jdata</a:t>
+            </a:r>
+            <a:r>
+              <a:rPr lang="en-US" altLang="ko-KR" smtClean="0"/>
+              <a:t>))</a:t>
+            </a:r>
+          </a:p>
+          <a:p>
+            <a:pPr marL="0" indent="0">
+              <a:buNone/>
+            </a:pPr>
+            <a:r>
+              <a:rPr lang="en-US" altLang="ko-KR" smtClean="0"/>
+              <a:t>print(type(jdata[0]))</a:t>
+            </a:r>
+          </a:p>
+          <a:p>
+            <a:pPr marL="0" indent="0">
+              <a:buNone/>
+            </a:pPr>
+            <a:r>
+              <a:rPr lang="en-US" altLang="ko-KR"/>
+              <a:t>print(jdata[0</a:t>
+            </a:r>
+            <a:r>
+              <a:rPr lang="en-US" altLang="ko-KR" smtClean="0"/>
+              <a:t>])          # dict</a:t>
+            </a:r>
+            <a:r>
+              <a:rPr lang="ko-KR" altLang="en-US" smtClean="0"/>
+              <a:t>형 이므로 사용하면됨</a:t>
+            </a:r>
+            <a:r>
+              <a:rPr lang="en-US" altLang="ko-KR" smtClean="0"/>
+              <a:t>…</a:t>
+            </a:r>
+            <a:endParaRPr lang="en-US" altLang="ko-KR"/>
+          </a:p>
+          <a:p>
+            <a:pPr marL="0" indent="0">
+              <a:buNone/>
+            </a:pPr>
+            <a:endParaRPr lang="en-US" altLang="ko-KR"/>
+          </a:p>
+          <a:p>
+            <a:pPr marL="0" indent="0">
+              <a:buNone/>
+            </a:pPr>
+            <a:endParaRPr lang="en-US" altLang="ko-KR" smtClean="0"/>
+          </a:p>
+          <a:p>
+            <a:pPr marL="0" indent="0">
+              <a:buNone/>
+            </a:pPr>
+            <a:endParaRPr lang="en-US" altLang="ko-KR"/>
+          </a:p>
+          <a:p>
+            <a:pPr marL="0" indent="0">
+              <a:buNone/>
+            </a:pPr>
+            <a:endParaRPr lang="en-US" altLang="ko-KR" smtClean="0"/>
+          </a:p>
+          <a:p>
+            <a:pPr marL="0" indent="0">
+              <a:buNone/>
+            </a:pPr>
+            <a:endParaRPr lang="ko-KR" altLang="en-US" dirty="0"/>
+          </a:p>
+        </p:txBody>
+      </p:sp>
+    </p:spTree>
+    <p:extLst>
+      <p:ext uri="{BB962C8B-B14F-4D97-AF65-F5344CB8AC3E}">
+        <p14:creationId xmlns:p14="http://schemas.microsoft.com/office/powerpoint/2010/main" val="140297757"/>
       </p:ext>
     </p:extLst>
   </p:cSld>
@@ -7165,202 +7903,6 @@
 </file>
 
 <file path=ppt/slides/slide7.xml><?xml version="1.0" encoding="utf-8"?>
-<p:sld xmlns:a="http://schemas.openxmlformats.org/drawingml/2006/main" xmlns:r="http://schemas.openxmlformats.org/officeDocument/2006/relationships" xmlns:p="http://schemas.openxmlformats.org/presentationml/2006/main">
-  <p:cSld>
-    <p:spTree>
-      <p:nvGrpSpPr>
-        <p:cNvPr id="1" name=""/>
-        <p:cNvGrpSpPr/>
-        <p:nvPr/>
-      </p:nvGrpSpPr>
-      <p:grpSpPr>
-        <a:xfrm>
-          <a:off x="0" y="0"/>
-          <a:ext cx="0" cy="0"/>
-          <a:chOff x="0" y="0"/>
-          <a:chExt cx="0" cy="0"/>
-        </a:xfrm>
-      </p:grpSpPr>
-      <p:sp>
-        <p:nvSpPr>
-          <p:cNvPr id="2" name="제목 1"/>
-          <p:cNvSpPr>
-            <a:spLocks noGrp="1"/>
-          </p:cNvSpPr>
-          <p:nvPr>
-            <p:ph type="title"/>
-          </p:nvPr>
-        </p:nvSpPr>
-        <p:spPr/>
-        <p:txBody>
-          <a:bodyPr/>
-          <a:lstStyle/>
-          <a:p>
-            <a:r>
-              <a:rPr lang="en-US" altLang="ko-KR" b="1" dirty="0" smtClean="0"/>
-              <a:t>One line list(</a:t>
-            </a:r>
-            <a:r>
-              <a:rPr lang="en-US" altLang="ko-KR" b="1" dirty="0" err="1" smtClean="0"/>
-              <a:t>iterables</a:t>
-            </a:r>
-            <a:r>
-              <a:rPr lang="en-US" altLang="ko-KR" b="1" dirty="0" smtClean="0"/>
-              <a:t>)</a:t>
-            </a:r>
-            <a:endParaRPr lang="ko-KR" altLang="en-US" b="1" dirty="0"/>
-          </a:p>
-        </p:txBody>
-      </p:sp>
-      <p:sp>
-        <p:nvSpPr>
-          <p:cNvPr id="3" name="내용 개체 틀 2"/>
-          <p:cNvSpPr>
-            <a:spLocks noGrp="1"/>
-          </p:cNvSpPr>
-          <p:nvPr>
-            <p:ph sz="quarter" idx="13"/>
-          </p:nvPr>
-        </p:nvSpPr>
-        <p:spPr/>
-        <p:txBody>
-          <a:bodyPr>
-            <a:normAutofit fontScale="77500" lnSpcReduction="20000"/>
-          </a:bodyPr>
-          <a:lstStyle/>
-          <a:p>
-            <a:r>
-              <a:rPr lang="en-US" altLang="ko-KR" dirty="0" smtClean="0"/>
-              <a:t>n</a:t>
-            </a:r>
-            <a:r>
-              <a:rPr lang="en-US" altLang="ko-KR" dirty="0"/>
-              <a:t> = </a:t>
-            </a:r>
-            <a:r>
-              <a:rPr lang="en-US" altLang="ko-KR" dirty="0" err="1"/>
-              <a:t>int</a:t>
-            </a:r>
-            <a:r>
-              <a:rPr lang="en-US" altLang="ko-KR" dirty="0"/>
-              <a:t>(input('Input a integer : '))</a:t>
-            </a:r>
-          </a:p>
-          <a:p>
-            <a:r>
-              <a:rPr lang="en-US" altLang="ko-KR" dirty="0" smtClean="0"/>
-              <a:t>simple</a:t>
-            </a:r>
-            <a:r>
-              <a:rPr lang="en-US" altLang="ko-KR" dirty="0"/>
-              <a:t> = [a for a in range(1, n+1)]</a:t>
-            </a:r>
-          </a:p>
-          <a:p>
-            <a:r>
-              <a:rPr lang="en-US" altLang="ko-KR" dirty="0" err="1" smtClean="0"/>
-              <a:t>simpleif</a:t>
-            </a:r>
-            <a:r>
-              <a:rPr lang="en-US" altLang="ko-KR" dirty="0"/>
-              <a:t> = [a for a in range(1, n+1) if not a%3]</a:t>
-            </a:r>
-          </a:p>
-          <a:p>
-            <a:r>
-              <a:rPr lang="en-US" altLang="ko-KR" dirty="0" err="1" smtClean="0"/>
-              <a:t>calclist</a:t>
-            </a:r>
-            <a:r>
-              <a:rPr lang="en-US" altLang="ko-KR" dirty="0"/>
-              <a:t> = [a**2 for a in range(1, n+1)]</a:t>
-            </a:r>
-          </a:p>
-          <a:p>
-            <a:r>
-              <a:rPr lang="en-US" altLang="ko-KR" dirty="0" smtClean="0"/>
-              <a:t>times3true</a:t>
-            </a:r>
-            <a:r>
-              <a:rPr lang="en-US" altLang="ko-KR" dirty="0"/>
-              <a:t> = [not </a:t>
-            </a:r>
-            <a:r>
-              <a:rPr lang="en-US" altLang="ko-KR" dirty="0" err="1"/>
-              <a:t>n%a</a:t>
-            </a:r>
-            <a:r>
-              <a:rPr lang="en-US" altLang="ko-KR" dirty="0"/>
-              <a:t>==0 for a in range(1, n+1)]</a:t>
-            </a:r>
-          </a:p>
-          <a:p>
-            <a:r>
-              <a:rPr lang="en-US" altLang="ko-KR" dirty="0" smtClean="0"/>
-              <a:t>times3truebinary</a:t>
-            </a:r>
-            <a:r>
-              <a:rPr lang="en-US" altLang="ko-KR" dirty="0"/>
-              <a:t> = [1 if not </a:t>
-            </a:r>
-            <a:r>
-              <a:rPr lang="en-US" altLang="ko-KR" dirty="0" err="1"/>
-              <a:t>n%a</a:t>
-            </a:r>
-            <a:r>
-              <a:rPr lang="en-US" altLang="ko-KR" dirty="0"/>
-              <a:t>==0 else 0 for a in range(1, n+1)]</a:t>
-            </a:r>
-          </a:p>
-          <a:p>
-            <a:r>
-              <a:rPr lang="en-US" altLang="ko-KR" dirty="0" err="1" smtClean="0"/>
-              <a:t>simplemultilist</a:t>
-            </a:r>
-            <a:r>
-              <a:rPr lang="en-US" altLang="ko-KR" dirty="0"/>
-              <a:t> = [[a, a+5, a*3] for a in range(1, n+1)]</a:t>
-            </a:r>
-          </a:p>
-          <a:p>
-            <a:r>
-              <a:rPr lang="en-US" altLang="ko-KR" dirty="0" err="1" smtClean="0"/>
-              <a:t>complexmultilist</a:t>
-            </a:r>
-            <a:r>
-              <a:rPr lang="en-US" altLang="ko-KR" dirty="0"/>
-              <a:t> = [[a*b for a in range(1, n+1)]  for b in range(3)]</a:t>
-            </a:r>
-          </a:p>
-          <a:p>
-            <a:r>
-              <a:rPr lang="en-US" altLang="ko-KR" dirty="0" err="1" smtClean="0"/>
-              <a:t>allpath</a:t>
-            </a:r>
-            <a:r>
-              <a:rPr lang="en-US" altLang="ko-KR" dirty="0"/>
-              <a:t> = [[1 if (2**a)&amp;b==0 else 0 for a in range(n)]for b in range(2**n)]</a:t>
-            </a:r>
-          </a:p>
-          <a:p>
-            <a:endParaRPr lang="ko-KR" altLang="en-US" dirty="0"/>
-          </a:p>
-        </p:txBody>
-      </p:sp>
-    </p:spTree>
-    <p:extLst>
-      <p:ext uri="{BB962C8B-B14F-4D97-AF65-F5344CB8AC3E}">
-        <p14:creationId xmlns:p14="http://schemas.microsoft.com/office/powerpoint/2010/main" val="1265301291"/>
-      </p:ext>
-    </p:extLst>
-  </p:cSld>
-  <p:clrMapOvr>
-    <a:masterClrMapping/>
-  </p:clrMapOvr>
-</p:sld>
-</file>
-
-<file path=ppt/slides/slide8.xml><?xml version="1.0" encoding="utf-8"?>
 <p:sld xmlns:a="http://schemas.openxmlformats.org/drawingml/2006/main" xmlns:r="http://schemas.openxmlformats.org/officeDocument/2006/relationships" xmlns:p="http://schemas.openxmlformats.org/presentationml/2006/main">
   <p:cSld>
     <p:spTree>
@@ -7437,6 +7979,235 @@
 </p:sld>
 </file>
 
+<file path=ppt/slides/slide8.xml><?xml version="1.0" encoding="utf-8"?>
+<p:sld xmlns:a="http://schemas.openxmlformats.org/drawingml/2006/main" xmlns:r="http://schemas.openxmlformats.org/officeDocument/2006/relationships" xmlns:p="http://schemas.openxmlformats.org/presentationml/2006/main">
+  <p:cSld>
+    <p:spTree>
+      <p:nvGrpSpPr>
+        <p:cNvPr id="1" name=""/>
+        <p:cNvGrpSpPr/>
+        <p:nvPr/>
+      </p:nvGrpSpPr>
+      <p:grpSpPr>
+        <a:xfrm>
+          <a:off x="0" y="0"/>
+          <a:ext cx="0" cy="0"/>
+          <a:chOff x="0" y="0"/>
+          <a:chExt cx="0" cy="0"/>
+        </a:xfrm>
+      </p:grpSpPr>
+      <p:sp>
+        <p:nvSpPr>
+          <p:cNvPr id="2" name="제목 1"/>
+          <p:cNvSpPr>
+            <a:spLocks noGrp="1"/>
+          </p:cNvSpPr>
+          <p:nvPr>
+            <p:ph type="title"/>
+          </p:nvPr>
+        </p:nvSpPr>
+        <p:spPr/>
+        <p:txBody>
+          <a:bodyPr/>
+          <a:lstStyle/>
+          <a:p>
+            <a:r>
+              <a:rPr lang="en-US" altLang="ko-KR" b="1" dirty="0" smtClean="0"/>
+              <a:t>Point Class</a:t>
+            </a:r>
+            <a:endParaRPr lang="ko-KR" altLang="en-US" b="1" dirty="0"/>
+          </a:p>
+        </p:txBody>
+      </p:sp>
+      <p:sp>
+        <p:nvSpPr>
+          <p:cNvPr id="3" name="내용 개체 틀 2"/>
+          <p:cNvSpPr>
+            <a:spLocks noGrp="1"/>
+          </p:cNvSpPr>
+          <p:nvPr>
+            <p:ph sz="quarter" idx="13"/>
+          </p:nvPr>
+        </p:nvSpPr>
+        <p:spPr/>
+        <p:txBody>
+          <a:bodyPr>
+            <a:normAutofit fontScale="92500" lnSpcReduction="20000"/>
+          </a:bodyPr>
+          <a:lstStyle/>
+          <a:p>
+            <a:r>
+              <a:rPr lang="en-US" altLang="ko-KR" dirty="0"/>
+              <a:t>class </a:t>
+            </a:r>
+            <a:r>
+              <a:rPr lang="en-US" altLang="ko-KR" dirty="0" err="1"/>
+              <a:t>piPoint</a:t>
+            </a:r>
+            <a:r>
+              <a:rPr lang="en-US" altLang="ko-KR" dirty="0"/>
+              <a:t>:</a:t>
+            </a:r>
+          </a:p>
+          <a:p>
+            <a:r>
+              <a:rPr lang="en-US" altLang="ko-KR" dirty="0"/>
+              <a:t>    </a:t>
+            </a:r>
+            <a:r>
+              <a:rPr lang="en-US" altLang="ko-KR" dirty="0" err="1"/>
+              <a:t>def</a:t>
+            </a:r>
+            <a:r>
+              <a:rPr lang="en-US" altLang="ko-KR" dirty="0"/>
+              <a:t> __</a:t>
+            </a:r>
+            <a:r>
+              <a:rPr lang="en-US" altLang="ko-KR" dirty="0" err="1"/>
+              <a:t>init</a:t>
+            </a:r>
+            <a:r>
+              <a:rPr lang="en-US" altLang="ko-KR" dirty="0"/>
+              <a:t>__(self, x=0.0, y=0.0):</a:t>
+            </a:r>
+          </a:p>
+          <a:p>
+            <a:r>
+              <a:rPr lang="en-US" altLang="ko-KR" dirty="0"/>
+              <a:t>        </a:t>
+            </a:r>
+            <a:r>
+              <a:rPr lang="en-US" altLang="ko-KR" dirty="0" err="1"/>
+              <a:t>self.x</a:t>
+            </a:r>
+            <a:r>
+              <a:rPr lang="en-US" altLang="ko-KR" dirty="0"/>
+              <a:t> = float(x)</a:t>
+            </a:r>
+          </a:p>
+          <a:p>
+            <a:r>
+              <a:rPr lang="en-US" altLang="ko-KR" dirty="0"/>
+              <a:t>        </a:t>
+            </a:r>
+            <a:r>
+              <a:rPr lang="en-US" altLang="ko-KR" dirty="0" err="1"/>
+              <a:t>self.y</a:t>
+            </a:r>
+            <a:r>
+              <a:rPr lang="en-US" altLang="ko-KR" dirty="0"/>
+              <a:t> = float(y)</a:t>
+            </a:r>
+          </a:p>
+          <a:p>
+            <a:r>
+              <a:rPr lang="en-US" altLang="ko-KR" dirty="0"/>
+              <a:t>    </a:t>
+            </a:r>
+            <a:r>
+              <a:rPr lang="en-US" altLang="ko-KR" dirty="0" err="1"/>
+              <a:t>def</a:t>
+            </a:r>
+            <a:r>
+              <a:rPr lang="en-US" altLang="ko-KR" dirty="0"/>
+              <a:t> __</a:t>
+            </a:r>
+            <a:r>
+              <a:rPr lang="en-US" altLang="ko-KR" dirty="0" err="1"/>
+              <a:t>str</a:t>
+            </a:r>
+            <a:r>
+              <a:rPr lang="en-US" altLang="ko-KR" dirty="0"/>
+              <a:t>__(self):</a:t>
+            </a:r>
+          </a:p>
+          <a:p>
+            <a:r>
+              <a:rPr lang="en-US" altLang="ko-KR" dirty="0"/>
+              <a:t>        return f'[{</a:t>
+            </a:r>
+            <a:r>
+              <a:rPr lang="en-US" altLang="ko-KR" dirty="0" err="1"/>
+              <a:t>self.x</a:t>
+            </a:r>
+            <a:r>
+              <a:rPr lang="en-US" altLang="ko-KR" dirty="0"/>
+              <a:t>}, {</a:t>
+            </a:r>
+            <a:r>
+              <a:rPr lang="en-US" altLang="ko-KR" dirty="0" err="1"/>
+              <a:t>self.y</a:t>
+            </a:r>
+            <a:r>
+              <a:rPr lang="en-US" altLang="ko-KR" dirty="0"/>
+              <a:t>}]'</a:t>
+            </a:r>
+          </a:p>
+          <a:p>
+            <a:r>
+              <a:rPr lang="en-US" altLang="ko-KR" dirty="0"/>
+              <a:t>    </a:t>
+            </a:r>
+            <a:r>
+              <a:rPr lang="en-US" altLang="ko-KR" dirty="0" err="1"/>
+              <a:t>def</a:t>
+            </a:r>
+            <a:r>
+              <a:rPr lang="en-US" altLang="ko-KR" dirty="0"/>
+              <a:t> </a:t>
+            </a:r>
+            <a:r>
+              <a:rPr lang="en-US" altLang="ko-KR" dirty="0" err="1"/>
+              <a:t>dist</a:t>
+            </a:r>
+            <a:r>
+              <a:rPr lang="en-US" altLang="ko-KR" dirty="0"/>
+              <a:t>(self, other):</a:t>
+            </a:r>
+          </a:p>
+          <a:p>
+            <a:r>
+              <a:rPr lang="en-US" altLang="ko-KR" dirty="0"/>
+              <a:t>        return ((</a:t>
+            </a:r>
+            <a:r>
+              <a:rPr lang="en-US" altLang="ko-KR" dirty="0" err="1"/>
+              <a:t>other.x-self.x</a:t>
+            </a:r>
+            <a:r>
+              <a:rPr lang="en-US" altLang="ko-KR" dirty="0"/>
+              <a:t>)**2+(</a:t>
+            </a:r>
+            <a:r>
+              <a:rPr lang="en-US" altLang="ko-KR" dirty="0" err="1"/>
+              <a:t>other.y-self.y</a:t>
+            </a:r>
+            <a:r>
+              <a:rPr lang="en-US" altLang="ko-KR" dirty="0"/>
+              <a:t>)**2)**0.5</a:t>
+            </a:r>
+          </a:p>
+          <a:p>
+            <a:endParaRPr lang="en-US" altLang="ko-KR" dirty="0"/>
+          </a:p>
+          <a:p>
+            <a:endParaRPr lang="ko-KR" altLang="en-US" dirty="0"/>
+          </a:p>
+        </p:txBody>
+      </p:sp>
+    </p:spTree>
+    <p:extLst>
+      <p:ext uri="{BB962C8B-B14F-4D97-AF65-F5344CB8AC3E}">
+        <p14:creationId xmlns:p14="http://schemas.microsoft.com/office/powerpoint/2010/main" val="438572382"/>
+      </p:ext>
+    </p:extLst>
+  </p:cSld>
+  <p:clrMapOvr>
+    <a:masterClrMapping/>
+  </p:clrMapOvr>
+</p:sld>
+</file>
+
 <file path=ppt/slides/slide9.xml><?xml version="1.0" encoding="utf-8"?>
 <p:sld xmlns:a="http://schemas.openxmlformats.org/drawingml/2006/main" xmlns:r="http://schemas.openxmlformats.org/officeDocument/2006/relationships" xmlns:p="http://schemas.openxmlformats.org/presentationml/2006/main">
   <p:cSld>
@@ -7471,7 +8242,7 @@
           <a:p>
             <a:r>
               <a:rPr lang="en-US" altLang="ko-KR" b="1" dirty="0" smtClean="0"/>
-              <a:t>Point Class</a:t>
+              <a:t>Use Point Class</a:t>
             </a:r>
             <a:endParaRPr lang="ko-KR" altLang="en-US" b="1" dirty="0"/>
           </a:p>
@@ -7490,160 +8261,105 @@
         <p:spPr/>
         <p:txBody>
           <a:bodyPr>
-            <a:normAutofit fontScale="92500" lnSpcReduction="20000"/>
+            <a:normAutofit/>
           </a:bodyPr>
           <a:lstStyle/>
           <a:p>
             <a:r>
+              <a:rPr lang="en-US" altLang="ko-KR" dirty="0" smtClean="0"/>
+              <a:t>From </a:t>
+            </a:r>
+            <a:r>
+              <a:rPr lang="en-US" altLang="ko-KR" dirty="0" err="1" smtClean="0"/>
+              <a:t>pointclass</a:t>
+            </a:r>
+            <a:r>
+              <a:rPr lang="en-US" altLang="ko-KR" dirty="0" smtClean="0"/>
+              <a:t> import </a:t>
+            </a:r>
+            <a:r>
+              <a:rPr lang="en-US" altLang="ko-KR" dirty="0" err="1" smtClean="0"/>
+              <a:t>pipoint</a:t>
+            </a:r>
+            <a:endParaRPr lang="en-US" altLang="ko-KR" dirty="0" smtClean="0"/>
+          </a:p>
+          <a:p>
+            <a:r>
+              <a:rPr lang="en-US" altLang="ko-KR" dirty="0" smtClean="0"/>
+              <a:t>Origin = </a:t>
+            </a:r>
+            <a:r>
+              <a:rPr lang="en-US" altLang="ko-KR" dirty="0" err="1" smtClean="0"/>
+              <a:t>pipoint</a:t>
+            </a:r>
+            <a:r>
+              <a:rPr lang="en-US" altLang="ko-KR" dirty="0" smtClean="0"/>
+              <a:t>()</a:t>
+            </a:r>
+          </a:p>
+          <a:p>
+            <a:r>
+              <a:rPr lang="en-US" altLang="ko-KR" dirty="0" smtClean="0"/>
+              <a:t>P = </a:t>
+            </a:r>
+            <a:r>
+              <a:rPr lang="en-US" altLang="ko-KR" dirty="0" err="1" smtClean="0"/>
+              <a:t>pipoint</a:t>
+            </a:r>
+            <a:r>
+              <a:rPr lang="en-US" altLang="ko-KR" dirty="0" smtClean="0"/>
+              <a:t>(</a:t>
+            </a:r>
+            <a:r>
+              <a:rPr lang="en-US" altLang="ko-KR" dirty="0" err="1" smtClean="0"/>
+              <a:t>random.random</a:t>
+            </a:r>
+            <a:r>
+              <a:rPr lang="en-US" altLang="ko-KR" dirty="0" smtClean="0"/>
+              <a:t>()*100, </a:t>
+            </a:r>
+            <a:r>
+              <a:rPr lang="en-US" altLang="ko-KR" dirty="0" err="1" smtClean="0"/>
+              <a:t>random.random</a:t>
+            </a:r>
+            <a:r>
+              <a:rPr lang="en-US" altLang="ko-KR" dirty="0" smtClean="0"/>
+              <a:t>()*100)</a:t>
+            </a:r>
+          </a:p>
+          <a:p>
+            <a:r>
+              <a:rPr lang="en-US" altLang="ko-KR" dirty="0" smtClean="0"/>
+              <a:t>For I in range(100):</a:t>
+            </a:r>
+          </a:p>
+          <a:p>
+            <a:r>
               <a:rPr lang="en-US" altLang="ko-KR" dirty="0"/>
-              <a:t>class </a:t>
-            </a:r>
-            <a:r>
-              <a:rPr lang="en-US" altLang="ko-KR" dirty="0" err="1"/>
-              <a:t>piPoint</a:t>
-            </a:r>
-            <a:r>
-              <a:rPr lang="en-US" altLang="ko-KR" dirty="0"/>
-              <a:t>:</a:t>
-            </a:r>
-          </a:p>
-          <a:p>
-            <a:r>
-              <a:rPr lang="en-US" altLang="ko-KR" dirty="0"/>
-              <a:t>    </a:t>
-            </a:r>
-            <a:r>
-              <a:rPr lang="en-US" altLang="ko-KR" dirty="0" err="1"/>
-              <a:t>def</a:t>
-            </a:r>
-            <a:r>
-              <a:rPr lang="en-US" altLang="ko-KR" dirty="0"/>
-              <a:t> __</a:t>
-            </a:r>
-            <a:r>
-              <a:rPr lang="en-US" altLang="ko-KR" dirty="0" err="1"/>
-              <a:t>init</a:t>
-            </a:r>
-            <a:r>
-              <a:rPr lang="en-US" altLang="ko-KR" dirty="0"/>
-              <a:t>__(self, x=0.0, y=0.0):</a:t>
-            </a:r>
-          </a:p>
-          <a:p>
-            <a:r>
-              <a:rPr lang="en-US" altLang="ko-KR" dirty="0"/>
-              <a:t>        </a:t>
-            </a:r>
-            <a:r>
-              <a:rPr lang="en-US" altLang="ko-KR" dirty="0" err="1"/>
-              <a:t>self.x</a:t>
-            </a:r>
-            <a:r>
-              <a:rPr lang="en-US" altLang="ko-KR" dirty="0"/>
-              <a:t> = float(x)</a:t>
-            </a:r>
-          </a:p>
-          <a:p>
-            <a:r>
-              <a:rPr lang="en-US" altLang="ko-KR" dirty="0"/>
-              <a:t>        </a:t>
-            </a:r>
-            <a:r>
-              <a:rPr lang="en-US" altLang="ko-KR" dirty="0" err="1"/>
-              <a:t>self.y</a:t>
-            </a:r>
-            <a:r>
-              <a:rPr lang="en-US" altLang="ko-KR" dirty="0"/>
-              <a:t> = float(y)</a:t>
-            </a:r>
-          </a:p>
-          <a:p>
-            <a:r>
-              <a:rPr lang="en-US" altLang="ko-KR" dirty="0"/>
-              <a:t>    </a:t>
-            </a:r>
-            <a:r>
-              <a:rPr lang="en-US" altLang="ko-KR" dirty="0" err="1"/>
-              <a:t>def</a:t>
-            </a:r>
-            <a:r>
-              <a:rPr lang="en-US" altLang="ko-KR" dirty="0"/>
-              <a:t> __</a:t>
-            </a:r>
-            <a:r>
-              <a:rPr lang="en-US" altLang="ko-KR" dirty="0" err="1"/>
-              <a:t>str</a:t>
-            </a:r>
-            <a:r>
-              <a:rPr lang="en-US" altLang="ko-KR" dirty="0"/>
-              <a:t>__(self):</a:t>
-            </a:r>
-          </a:p>
-          <a:p>
-            <a:r>
-              <a:rPr lang="en-US" altLang="ko-KR" dirty="0"/>
-              <a:t>        return f'[{</a:t>
-            </a:r>
-            <a:r>
-              <a:rPr lang="en-US" altLang="ko-KR" dirty="0" err="1"/>
-              <a:t>self.x</a:t>
-            </a:r>
-            <a:r>
-              <a:rPr lang="en-US" altLang="ko-KR" dirty="0"/>
-              <a:t>}, {</a:t>
-            </a:r>
-            <a:r>
-              <a:rPr lang="en-US" altLang="ko-KR" dirty="0" err="1"/>
-              <a:t>self.y</a:t>
-            </a:r>
-            <a:r>
-              <a:rPr lang="en-US" altLang="ko-KR" dirty="0"/>
-              <a:t>}]'</a:t>
-            </a:r>
-          </a:p>
-          <a:p>
-            <a:r>
-              <a:rPr lang="en-US" altLang="ko-KR" dirty="0"/>
-              <a:t>    </a:t>
-            </a:r>
-            <a:r>
-              <a:rPr lang="en-US" altLang="ko-KR" dirty="0" err="1"/>
-              <a:t>def</a:t>
-            </a:r>
-            <a:r>
-              <a:rPr lang="en-US" altLang="ko-KR" dirty="0"/>
-              <a:t> </a:t>
-            </a:r>
-            <a:r>
-              <a:rPr lang="en-US" altLang="ko-KR" dirty="0" err="1"/>
-              <a:t>dist</a:t>
-            </a:r>
-            <a:r>
-              <a:rPr lang="en-US" altLang="ko-KR" dirty="0"/>
-              <a:t>(self, other):</a:t>
-            </a:r>
-          </a:p>
-          <a:p>
-            <a:r>
-              <a:rPr lang="en-US" altLang="ko-KR" dirty="0"/>
-              <a:t>        return ((</a:t>
-            </a:r>
-            <a:r>
-              <a:rPr lang="en-US" altLang="ko-KR" dirty="0" err="1"/>
-              <a:t>other.x-self.x</a:t>
-            </a:r>
-            <a:r>
-              <a:rPr lang="en-US" altLang="ko-KR" dirty="0"/>
-              <a:t>)**2+(</a:t>
-            </a:r>
-            <a:r>
-              <a:rPr lang="en-US" altLang="ko-KR" dirty="0" err="1"/>
-              <a:t>other.y-self.y</a:t>
-            </a:r>
-            <a:r>
-              <a:rPr lang="en-US" altLang="ko-KR" dirty="0"/>
-              <a:t>)**2)**0.5</a:t>
-            </a:r>
+              <a:t> </a:t>
+            </a:r>
+            <a:r>
+              <a:rPr lang="en-US" altLang="ko-KR" dirty="0" smtClean="0"/>
+              <a:t>   print(</a:t>
+            </a:r>
+            <a:r>
+              <a:rPr lang="en-US" altLang="ko-KR" dirty="0" err="1" smtClean="0"/>
+              <a:t>p.dist</a:t>
+            </a:r>
+            <a:r>
+              <a:rPr lang="en-US" altLang="ko-KR" dirty="0" smtClean="0"/>
+              <a:t>(origin))</a:t>
+            </a:r>
+          </a:p>
+          <a:p>
+            <a:endParaRPr lang="en-US" altLang="ko-KR" dirty="0"/>
+          </a:p>
+          <a:p>
+            <a:r>
+              <a:rPr lang="en-US" altLang="ko-KR" dirty="0" smtClean="0"/>
+              <a:t>----</a:t>
+            </a:r>
+            <a:endParaRPr lang="en-US" altLang="ko-KR" dirty="0"/>
           </a:p>
           <a:p>
             <a:endParaRPr lang="en-US" altLang="ko-KR" dirty="0"/>
@@ -7656,7 +8372,7 @@
     </p:spTree>
     <p:extLst>
       <p:ext uri="{BB962C8B-B14F-4D97-AF65-F5344CB8AC3E}">
-        <p14:creationId xmlns:p14="http://schemas.microsoft.com/office/powerpoint/2010/main" val="438572382"/>
+        <p14:creationId xmlns:p14="http://schemas.microsoft.com/office/powerpoint/2010/main" val="1404406894"/>
       </p:ext>
     </p:extLst>
   </p:cSld>

--- a/SW선도교원 연수.pptx
+++ b/SW선도교원 연수.pptx
@@ -19,6 +19,17 @@
     <p:sldId id="268" r:id="rId13"/>
     <p:sldId id="269" r:id="rId14"/>
     <p:sldId id="270" r:id="rId15"/>
+    <p:sldId id="271" r:id="rId16"/>
+    <p:sldId id="272" r:id="rId17"/>
+    <p:sldId id="273" r:id="rId18"/>
+    <p:sldId id="274" r:id="rId19"/>
+    <p:sldId id="275" r:id="rId20"/>
+    <p:sldId id="276" r:id="rId21"/>
+    <p:sldId id="277" r:id="rId22"/>
+    <p:sldId id="278" r:id="rId23"/>
+    <p:sldId id="279" r:id="rId24"/>
+    <p:sldId id="281" r:id="rId25"/>
+    <p:sldId id="280" r:id="rId26"/>
   </p:sldIdLst>
   <p:sldSz cx="12192000" cy="6858000"/>
   <p:notesSz cx="6858000" cy="9144000"/>
@@ -296,7 +307,7 @@
           <a:p>
             <a:fld id="{48A87A34-81AB-432B-8DAE-1953F412C126}" type="datetimeFigureOut">
               <a:rPr lang="en-US" dirty="0"/>
-              <a:t>10/11/2020</a:t>
+              <a:t>10/12/2020</a:t>
             </a:fld>
             <a:endParaRPr lang="en-US" dirty="0"/>
           </a:p>
@@ -603,7 +614,7 @@
           <a:p>
             <a:fld id="{48A87A34-81AB-432B-8DAE-1953F412C126}" type="datetimeFigureOut">
               <a:rPr lang="en-US" dirty="0"/>
-              <a:t>10/11/2020</a:t>
+              <a:t>10/12/2020</a:t>
             </a:fld>
             <a:endParaRPr lang="en-US" dirty="0"/>
           </a:p>
@@ -820,7 +831,7 @@
           <a:p>
             <a:fld id="{48A87A34-81AB-432B-8DAE-1953F412C126}" type="datetimeFigureOut">
               <a:rPr lang="en-US" dirty="0"/>
-              <a:t>10/11/2020</a:t>
+              <a:t>10/12/2020</a:t>
             </a:fld>
             <a:endParaRPr lang="en-US" dirty="0"/>
           </a:p>
@@ -1106,7 +1117,7 @@
           <a:p>
             <a:fld id="{48A87A34-81AB-432B-8DAE-1953F412C126}" type="datetimeFigureOut">
               <a:rPr lang="en-US" dirty="0"/>
-              <a:t>10/11/2020</a:t>
+              <a:t>10/12/2020</a:t>
             </a:fld>
             <a:endParaRPr lang="en-US" dirty="0"/>
           </a:p>
@@ -1555,7 +1566,7 @@
           <a:p>
             <a:fld id="{48A87A34-81AB-432B-8DAE-1953F412C126}" type="datetimeFigureOut">
               <a:rPr lang="en-US" dirty="0"/>
-              <a:t>10/11/2020</a:t>
+              <a:t>10/12/2020</a:t>
             </a:fld>
             <a:endParaRPr lang="en-US" dirty="0"/>
           </a:p>
@@ -2126,7 +2137,7 @@
           <a:p>
             <a:fld id="{48A87A34-81AB-432B-8DAE-1953F412C126}" type="datetimeFigureOut">
               <a:rPr lang="en-US" dirty="0"/>
-              <a:t>10/11/2020</a:t>
+              <a:t>10/12/2020</a:t>
             </a:fld>
             <a:endParaRPr lang="en-US" dirty="0"/>
           </a:p>
@@ -2973,7 +2984,7 @@
           <a:p>
             <a:fld id="{48A87A34-81AB-432B-8DAE-1953F412C126}" type="datetimeFigureOut">
               <a:rPr lang="en-US" dirty="0"/>
-              <a:t>10/11/2020</a:t>
+              <a:t>10/12/2020</a:t>
             </a:fld>
             <a:endParaRPr lang="en-US" dirty="0"/>
           </a:p>
@@ -3173,7 +3184,7 @@
           <a:p>
             <a:fld id="{48A87A34-81AB-432B-8DAE-1953F412C126}" type="datetimeFigureOut">
               <a:rPr lang="en-US" dirty="0"/>
-              <a:t>10/11/2020</a:t>
+              <a:t>10/12/2020</a:t>
             </a:fld>
             <a:endParaRPr lang="en-US" dirty="0"/>
           </a:p>
@@ -3382,7 +3393,7 @@
           <a:p>
             <a:fld id="{48A87A34-81AB-432B-8DAE-1953F412C126}" type="datetimeFigureOut">
               <a:rPr lang="en-US" dirty="0"/>
-              <a:t>10/11/2020</a:t>
+              <a:t>10/12/2020</a:t>
             </a:fld>
             <a:endParaRPr lang="en-US" dirty="0"/>
           </a:p>
@@ -3582,7 +3593,7 @@
           <a:p>
             <a:fld id="{48A87A34-81AB-432B-8DAE-1953F412C126}" type="datetimeFigureOut">
               <a:rPr lang="en-US" dirty="0"/>
-              <a:t>10/11/2020</a:t>
+              <a:t>10/12/2020</a:t>
             </a:fld>
             <a:endParaRPr lang="en-US" dirty="0"/>
           </a:p>
@@ -3857,7 +3868,7 @@
           <a:p>
             <a:fld id="{48A87A34-81AB-432B-8DAE-1953F412C126}" type="datetimeFigureOut">
               <a:rPr lang="en-US" dirty="0"/>
-              <a:t>10/11/2020</a:t>
+              <a:t>10/12/2020</a:t>
             </a:fld>
             <a:endParaRPr lang="en-US" dirty="0"/>
           </a:p>
@@ -4119,7 +4130,7 @@
           <a:p>
             <a:fld id="{48A87A34-81AB-432B-8DAE-1953F412C126}" type="datetimeFigureOut">
               <a:rPr lang="en-US" dirty="0"/>
-              <a:t>10/11/2020</a:t>
+              <a:t>10/12/2020</a:t>
             </a:fld>
             <a:endParaRPr lang="en-US" dirty="0"/>
           </a:p>
@@ -4529,7 +4540,7 @@
           <a:p>
             <a:fld id="{48A87A34-81AB-432B-8DAE-1953F412C126}" type="datetimeFigureOut">
               <a:rPr lang="en-US" dirty="0"/>
-              <a:t>10/11/2020</a:t>
+              <a:t>10/12/2020</a:t>
             </a:fld>
             <a:endParaRPr lang="en-US" dirty="0"/>
           </a:p>
@@ -4672,7 +4683,7 @@
           <a:p>
             <a:fld id="{48A87A34-81AB-432B-8DAE-1953F412C126}" type="datetimeFigureOut">
               <a:rPr lang="en-US" dirty="0"/>
-              <a:t>10/11/2020</a:t>
+              <a:t>10/12/2020</a:t>
             </a:fld>
             <a:endParaRPr lang="en-US" dirty="0"/>
           </a:p>
@@ -4792,7 +4803,7 @@
           <a:p>
             <a:fld id="{48A87A34-81AB-432B-8DAE-1953F412C126}" type="datetimeFigureOut">
               <a:rPr lang="en-US" dirty="0"/>
-              <a:t>10/11/2020</a:t>
+              <a:t>10/12/2020</a:t>
             </a:fld>
             <a:endParaRPr lang="en-US" dirty="0"/>
           </a:p>
@@ -5066,7 +5077,7 @@
           <a:p>
             <a:fld id="{48A87A34-81AB-432B-8DAE-1953F412C126}" type="datetimeFigureOut">
               <a:rPr lang="en-US" dirty="0"/>
-              <a:t>10/11/2020</a:t>
+              <a:t>10/12/2020</a:t>
             </a:fld>
             <a:endParaRPr lang="en-US" dirty="0"/>
           </a:p>
@@ -5373,7 +5384,7 @@
           <a:p>
             <a:fld id="{48A87A34-81AB-432B-8DAE-1953F412C126}" type="datetimeFigureOut">
               <a:rPr lang="en-US" dirty="0"/>
-              <a:t>10/11/2020</a:t>
+              <a:t>10/12/2020</a:t>
             </a:fld>
             <a:endParaRPr lang="en-US" dirty="0"/>
           </a:p>
@@ -5622,7 +5633,7 @@
             <a:fld id="{48A87A34-81AB-432B-8DAE-1953F412C126}" type="datetimeFigureOut">
               <a:rPr lang="en-US" dirty="0"/>
               <a:pPr/>
-              <a:t>10/11/2020</a:t>
+              <a:t>10/12/2020</a:t>
             </a:fld>
             <a:endParaRPr lang="en-US" dirty="0"/>
           </a:p>
@@ -6198,11 +6209,7 @@
             </a:pPr>
             <a:r>
               <a:rPr lang="en-US" altLang="ko-KR" smtClean="0"/>
-              <a:t>% pip </a:t>
-            </a:r>
-            <a:r>
-              <a:rPr lang="en-US" altLang="ko-KR" smtClean="0"/>
-              <a:t>requests</a:t>
+              <a:t>% pip requests</a:t>
             </a:r>
           </a:p>
           <a:p>
@@ -6238,6 +6245,40 @@
               <a:t>print(resp.text)</a:t>
             </a:r>
             <a:endParaRPr lang="ko-KR" altLang="en-US" dirty="0"/>
+          </a:p>
+        </p:txBody>
+      </p:sp>
+      <p:sp>
+        <p:nvSpPr>
+          <p:cNvPr id="4" name="TextBox 3"/>
+          <p:cNvSpPr txBox="1"/>
+          <p:nvPr/>
+        </p:nvSpPr>
+        <p:spPr>
+          <a:xfrm>
+            <a:off x="10504631" y="618517"/>
+            <a:ext cx="772969" cy="369332"/>
+          </a:xfrm>
+          <a:prstGeom prst="rect">
+            <a:avLst/>
+          </a:prstGeom>
+          <a:noFill/>
+        </p:spPr>
+        <p:txBody>
+          <a:bodyPr wrap="none" rtlCol="0">
+            <a:spAutoFit/>
+          </a:bodyPr>
+          <a:lstStyle/>
+          <a:p>
+            <a:r>
+              <a:rPr lang="en-US" altLang="ko-KR" smtClean="0"/>
+              <a:t>2</a:t>
+            </a:r>
+            <a:r>
+              <a:rPr lang="ko-KR" altLang="en-US" smtClean="0"/>
+              <a:t>차시</a:t>
+            </a:r>
+            <a:endParaRPr lang="ko-KR" altLang="en-US"/>
           </a:p>
         </p:txBody>
       </p:sp>
@@ -6448,6 +6489,40 @@
           </a:p>
         </p:txBody>
       </p:sp>
+      <p:sp>
+        <p:nvSpPr>
+          <p:cNvPr id="4" name="TextBox 3"/>
+          <p:cNvSpPr txBox="1"/>
+          <p:nvPr/>
+        </p:nvSpPr>
+        <p:spPr>
+          <a:xfrm>
+            <a:off x="10504631" y="618517"/>
+            <a:ext cx="772969" cy="369332"/>
+          </a:xfrm>
+          <a:prstGeom prst="rect">
+            <a:avLst/>
+          </a:prstGeom>
+          <a:noFill/>
+        </p:spPr>
+        <p:txBody>
+          <a:bodyPr wrap="none" rtlCol="0">
+            <a:spAutoFit/>
+          </a:bodyPr>
+          <a:lstStyle/>
+          <a:p>
+            <a:r>
+              <a:rPr lang="en-US" altLang="ko-KR" smtClean="0"/>
+              <a:t>2</a:t>
+            </a:r>
+            <a:r>
+              <a:rPr lang="ko-KR" altLang="en-US" smtClean="0"/>
+              <a:t>차시</a:t>
+            </a:r>
+            <a:endParaRPr lang="ko-KR" altLang="en-US"/>
+          </a:p>
+        </p:txBody>
+      </p:sp>
     </p:spTree>
     <p:extLst>
       <p:ext uri="{BB962C8B-B14F-4D97-AF65-F5344CB8AC3E}">
@@ -6495,11 +6570,7 @@
           <a:p>
             <a:r>
               <a:rPr lang="en-US" altLang="ko-KR" b="1" smtClean="0"/>
-              <a:t>api.</a:t>
-            </a:r>
-            <a:r>
-              <a:rPr lang="en-US" altLang="ko-KR" b="1" smtClean="0"/>
-              <a:t>manana.kr</a:t>
+              <a:t>api.manana.kr</a:t>
             </a:r>
             <a:endParaRPr lang="ko-KR" altLang="en-US" b="1" dirty="0"/>
           </a:p>
@@ -6560,6 +6631,40 @@
               <a:t>http://www.manana.kr</a:t>
             </a:r>
             <a:endParaRPr lang="ko-KR" altLang="en-US" sz="2400"/>
+          </a:p>
+        </p:txBody>
+      </p:sp>
+      <p:sp>
+        <p:nvSpPr>
+          <p:cNvPr id="6" name="TextBox 5"/>
+          <p:cNvSpPr txBox="1"/>
+          <p:nvPr/>
+        </p:nvSpPr>
+        <p:spPr>
+          <a:xfrm>
+            <a:off x="10504631" y="618517"/>
+            <a:ext cx="772969" cy="369332"/>
+          </a:xfrm>
+          <a:prstGeom prst="rect">
+            <a:avLst/>
+          </a:prstGeom>
+          <a:noFill/>
+        </p:spPr>
+        <p:txBody>
+          <a:bodyPr wrap="none" rtlCol="0">
+            <a:spAutoFit/>
+          </a:bodyPr>
+          <a:lstStyle/>
+          <a:p>
+            <a:r>
+              <a:rPr lang="en-US" altLang="ko-KR" smtClean="0"/>
+              <a:t>2</a:t>
+            </a:r>
+            <a:r>
+              <a:rPr lang="ko-KR" altLang="en-US" smtClean="0"/>
+              <a:t>차시</a:t>
+            </a:r>
+            <a:endParaRPr lang="ko-KR" altLang="en-US"/>
           </a:p>
         </p:txBody>
       </p:sp>
@@ -6745,11 +6850,7 @@
             </a:pPr>
             <a:r>
               <a:rPr lang="en-US" altLang="ko-KR"/>
-              <a:t>jdata = </a:t>
-            </a:r>
-            <a:r>
-              <a:rPr lang="en-US" altLang="ko-KR"/>
-              <a:t>jresp.json</a:t>
+              <a:t>jdata = jresp.json</a:t>
             </a:r>
             <a:r>
               <a:rPr lang="en-US" altLang="ko-KR" smtClean="0"/>
@@ -6829,6 +6930,40 @@
               <a:buNone/>
             </a:pPr>
             <a:endParaRPr lang="ko-KR" altLang="en-US" dirty="0"/>
+          </a:p>
+        </p:txBody>
+      </p:sp>
+      <p:sp>
+        <p:nvSpPr>
+          <p:cNvPr id="4" name="TextBox 3"/>
+          <p:cNvSpPr txBox="1"/>
+          <p:nvPr/>
+        </p:nvSpPr>
+        <p:spPr>
+          <a:xfrm>
+            <a:off x="10504631" y="618517"/>
+            <a:ext cx="772969" cy="369332"/>
+          </a:xfrm>
+          <a:prstGeom prst="rect">
+            <a:avLst/>
+          </a:prstGeom>
+          <a:noFill/>
+        </p:spPr>
+        <p:txBody>
+          <a:bodyPr wrap="none" rtlCol="0">
+            <a:spAutoFit/>
+          </a:bodyPr>
+          <a:lstStyle/>
+          <a:p>
+            <a:r>
+              <a:rPr lang="en-US" altLang="ko-KR" smtClean="0"/>
+              <a:t>2</a:t>
+            </a:r>
+            <a:r>
+              <a:rPr lang="ko-KR" altLang="en-US" smtClean="0"/>
+              <a:t>차시</a:t>
+            </a:r>
+            <a:endParaRPr lang="ko-KR" altLang="en-US"/>
           </a:p>
         </p:txBody>
       </p:sp>
@@ -7014,11 +7149,7 @@
             </a:pPr>
             <a:r>
               <a:rPr lang="en-US" altLang="ko-KR"/>
-              <a:t>jdata = </a:t>
-            </a:r>
-            <a:r>
-              <a:rPr lang="en-US" altLang="ko-KR"/>
-              <a:t>jresp.json</a:t>
+              <a:t>jdata = jresp.json</a:t>
             </a:r>
             <a:r>
               <a:rPr lang="en-US" altLang="ko-KR" smtClean="0"/>
@@ -7098,6 +7229,40 @@
               <a:buNone/>
             </a:pPr>
             <a:endParaRPr lang="ko-KR" altLang="en-US" dirty="0"/>
+          </a:p>
+        </p:txBody>
+      </p:sp>
+      <p:sp>
+        <p:nvSpPr>
+          <p:cNvPr id="4" name="TextBox 3"/>
+          <p:cNvSpPr txBox="1"/>
+          <p:nvPr/>
+        </p:nvSpPr>
+        <p:spPr>
+          <a:xfrm>
+            <a:off x="10504631" y="618517"/>
+            <a:ext cx="772969" cy="369332"/>
+          </a:xfrm>
+          <a:prstGeom prst="rect">
+            <a:avLst/>
+          </a:prstGeom>
+          <a:noFill/>
+        </p:spPr>
+        <p:txBody>
+          <a:bodyPr wrap="none" rtlCol="0">
+            <a:spAutoFit/>
+          </a:bodyPr>
+          <a:lstStyle/>
+          <a:p>
+            <a:r>
+              <a:rPr lang="en-US" altLang="ko-KR" smtClean="0"/>
+              <a:t>2</a:t>
+            </a:r>
+            <a:r>
+              <a:rPr lang="ko-KR" altLang="en-US" smtClean="0"/>
+              <a:t>차시</a:t>
+            </a:r>
+            <a:endParaRPr lang="ko-KR" altLang="en-US"/>
           </a:p>
         </p:txBody>
       </p:sp>
@@ -7111,6 +7276,1295 @@
   <p:clrMapOvr>
     <a:masterClrMapping/>
   </p:clrMapOvr>
+</p:sld>
+</file>
+
+<file path=ppt/slides/slide15.xml><?xml version="1.0" encoding="utf-8"?>
+<p:sld xmlns:a="http://schemas.openxmlformats.org/drawingml/2006/main" xmlns:r="http://schemas.openxmlformats.org/officeDocument/2006/relationships" xmlns:p="http://schemas.openxmlformats.org/presentationml/2006/main">
+  <p:cSld>
+    <p:spTree>
+      <p:nvGrpSpPr>
+        <p:cNvPr id="1" name=""/>
+        <p:cNvGrpSpPr/>
+        <p:nvPr/>
+      </p:nvGrpSpPr>
+      <p:grpSpPr>
+        <a:xfrm>
+          <a:off x="0" y="0"/>
+          <a:ext cx="0" cy="0"/>
+          <a:chOff x="0" y="0"/>
+          <a:chExt cx="0" cy="0"/>
+        </a:xfrm>
+      </p:grpSpPr>
+      <p:sp>
+        <p:nvSpPr>
+          <p:cNvPr id="2" name="제목 1"/>
+          <p:cNvSpPr>
+            <a:spLocks noGrp="1"/>
+          </p:cNvSpPr>
+          <p:nvPr>
+            <p:ph type="title"/>
+          </p:nvPr>
+        </p:nvSpPr>
+        <p:spPr/>
+        <p:txBody>
+          <a:bodyPr/>
+          <a:lstStyle/>
+          <a:p>
+            <a:r>
+              <a:rPr lang="en-US" altLang="ko-KR" b="1" smtClean="0"/>
+              <a:t>XML</a:t>
+            </a:r>
+            <a:endParaRPr lang="ko-KR" altLang="en-US" b="1" dirty="0"/>
+          </a:p>
+        </p:txBody>
+      </p:sp>
+      <p:sp>
+        <p:nvSpPr>
+          <p:cNvPr id="3" name="내용 개체 틀 2"/>
+          <p:cNvSpPr>
+            <a:spLocks noGrp="1"/>
+          </p:cNvSpPr>
+          <p:nvPr>
+            <p:ph sz="quarter" idx="13"/>
+          </p:nvPr>
+        </p:nvSpPr>
+        <p:spPr/>
+        <p:txBody>
+          <a:bodyPr>
+            <a:normAutofit fontScale="62500" lnSpcReduction="20000"/>
+          </a:bodyPr>
+          <a:lstStyle/>
+          <a:p>
+            <a:pPr marL="0" indent="0">
+              <a:buNone/>
+            </a:pPr>
+            <a:r>
+              <a:rPr lang="en-US" altLang="ko-KR" i="1" smtClean="0"/>
+              <a:t>extended Markup language</a:t>
+            </a:r>
+          </a:p>
+          <a:p>
+            <a:pPr marL="0" indent="0">
+              <a:buNone/>
+            </a:pPr>
+            <a:endParaRPr lang="en-US" altLang="ko-KR" i="1" smtClean="0"/>
+          </a:p>
+          <a:p>
+            <a:pPr marL="0" indent="0">
+              <a:buNone/>
+            </a:pPr>
+            <a:r>
+              <a:rPr lang="en-US" altLang="ko-KR" i="1"/>
+              <a:t>from</a:t>
+            </a:r>
+            <a:r>
+              <a:rPr lang="en-US" altLang="ko-KR"/>
+              <a:t> xml.etree </a:t>
+            </a:r>
+            <a:r>
+              <a:rPr lang="en-US" altLang="ko-KR" i="1"/>
+              <a:t>import</a:t>
+            </a:r>
+            <a:r>
+              <a:rPr lang="en-US" altLang="ko-KR"/>
+              <a:t> ElementTree</a:t>
+            </a:r>
+          </a:p>
+          <a:p>
+            <a:pPr marL="0" indent="0">
+              <a:buNone/>
+            </a:pPr>
+            <a:r>
+              <a:rPr lang="en-US" altLang="ko-KR" smtClean="0"/>
+              <a:t/>
+            </a:r>
+            <a:br>
+              <a:rPr lang="en-US" altLang="ko-KR" smtClean="0"/>
+            </a:br>
+            <a:r>
+              <a:rPr lang="en-US" altLang="ko-KR" smtClean="0"/>
+              <a:t>reurl = </a:t>
+            </a:r>
+            <a:r>
+              <a:rPr lang="en-US" altLang="ko-KR" smtClean="0"/>
+              <a:t>’</a:t>
+            </a:r>
+            <a:r>
+              <a:rPr lang="en-US" altLang="ko-KR" smtClean="0"/>
+              <a:t>https</a:t>
+            </a:r>
+            <a:r>
+              <a:rPr lang="en-US" altLang="ko-KR"/>
+              <a:t>://</a:t>
+            </a:r>
+            <a:r>
+              <a:rPr lang="en-US" altLang="ko-KR" smtClean="0"/>
+              <a:t>api.manana.kr/exchange/rate/KRW/KRW,USD,JPY.xml</a:t>
+            </a:r>
+            <a:r>
+              <a:rPr lang="en-US" altLang="ko-KR" smtClean="0"/>
+              <a:t>’</a:t>
+            </a:r>
+          </a:p>
+          <a:p>
+            <a:pPr marL="0" indent="0">
+              <a:buNone/>
+            </a:pPr>
+            <a:r>
+              <a:rPr lang="en-US" altLang="ko-KR" smtClean="0"/>
+              <a:t>xmlresp = requests.get(reurl)</a:t>
+            </a:r>
+          </a:p>
+          <a:p>
+            <a:pPr marL="0" indent="0">
+              <a:buNone/>
+            </a:pPr>
+            <a:r>
+              <a:rPr lang="en-US" altLang="ko-KR" smtClean="0"/>
+              <a:t>if xmlresp.ok:</a:t>
+            </a:r>
+          </a:p>
+          <a:p>
+            <a:pPr marL="0" indent="0">
+              <a:buNone/>
+            </a:pPr>
+            <a:r>
+              <a:rPr lang="en-US" altLang="ko-KR"/>
+              <a:t> </a:t>
+            </a:r>
+            <a:r>
+              <a:rPr lang="en-US" altLang="ko-KR" smtClean="0"/>
+              <a:t>   print(xmlresp.text)</a:t>
+            </a:r>
+          </a:p>
+          <a:p>
+            <a:pPr marL="0" indent="0">
+              <a:buNone/>
+            </a:pPr>
+            <a:endParaRPr lang="en-US" altLang="ko-KR"/>
+          </a:p>
+          <a:p>
+            <a:pPr marL="0" indent="0">
+              <a:buNone/>
+            </a:pPr>
+            <a:r>
+              <a:rPr lang="en-US" altLang="ko-KR" smtClean="0"/>
+              <a:t>root = </a:t>
+            </a:r>
+            <a:r>
+              <a:rPr lang="en-US" altLang="ko-KR"/>
+              <a:t>ElementTree.fromstring(xmlresp.content</a:t>
+            </a:r>
+            <a:r>
+              <a:rPr lang="en-US" altLang="ko-KR" smtClean="0"/>
+              <a:t>)</a:t>
+            </a:r>
+          </a:p>
+          <a:p>
+            <a:pPr marL="0" indent="0">
+              <a:buNone/>
+            </a:pPr>
+            <a:r>
+              <a:rPr lang="en-US" altLang="ko-KR" smtClean="0"/>
+              <a:t>items = root.findall('item')</a:t>
+            </a:r>
+          </a:p>
+          <a:p>
+            <a:pPr marL="0" indent="0">
+              <a:buNone/>
+            </a:pPr>
+            <a:endParaRPr lang="en-US" altLang="ko-KR"/>
+          </a:p>
+          <a:p>
+            <a:pPr marL="0" indent="0">
+              <a:buNone/>
+            </a:pPr>
+            <a:endParaRPr lang="en-US" altLang="ko-KR" smtClean="0"/>
+          </a:p>
+          <a:p>
+            <a:pPr marL="0" indent="0">
+              <a:buNone/>
+            </a:pPr>
+            <a:endParaRPr lang="en-US" altLang="ko-KR"/>
+          </a:p>
+          <a:p>
+            <a:pPr marL="0" indent="0">
+              <a:buNone/>
+            </a:pPr>
+            <a:endParaRPr lang="en-US" altLang="ko-KR" smtClean="0"/>
+          </a:p>
+          <a:p>
+            <a:pPr marL="0" indent="0">
+              <a:buNone/>
+            </a:pPr>
+            <a:endParaRPr lang="ko-KR" altLang="en-US" dirty="0"/>
+          </a:p>
+        </p:txBody>
+      </p:sp>
+      <p:sp>
+        <p:nvSpPr>
+          <p:cNvPr id="4" name="TextBox 3"/>
+          <p:cNvSpPr txBox="1"/>
+          <p:nvPr/>
+        </p:nvSpPr>
+        <p:spPr>
+          <a:xfrm>
+            <a:off x="10504631" y="618517"/>
+            <a:ext cx="772969" cy="369332"/>
+          </a:xfrm>
+          <a:prstGeom prst="rect">
+            <a:avLst/>
+          </a:prstGeom>
+          <a:noFill/>
+        </p:spPr>
+        <p:txBody>
+          <a:bodyPr wrap="none" rtlCol="0">
+            <a:spAutoFit/>
+          </a:bodyPr>
+          <a:lstStyle/>
+          <a:p>
+            <a:r>
+              <a:rPr lang="en-US" altLang="ko-KR" smtClean="0"/>
+              <a:t>2</a:t>
+            </a:r>
+            <a:r>
+              <a:rPr lang="ko-KR" altLang="en-US" smtClean="0"/>
+              <a:t>차시</a:t>
+            </a:r>
+            <a:endParaRPr lang="ko-KR" altLang="en-US"/>
+          </a:p>
+        </p:txBody>
+      </p:sp>
+    </p:spTree>
+    <p:extLst>
+      <p:ext uri="{BB962C8B-B14F-4D97-AF65-F5344CB8AC3E}">
+        <p14:creationId xmlns:p14="http://schemas.microsoft.com/office/powerpoint/2010/main" val="3852885742"/>
+      </p:ext>
+    </p:extLst>
+  </p:cSld>
+  <p:clrMapOvr>
+    <a:masterClrMapping/>
+  </p:clrMapOvr>
+</p:sld>
+</file>
+
+<file path=ppt/slides/slide16.xml><?xml version="1.0" encoding="utf-8"?>
+<p:sld xmlns:a="http://schemas.openxmlformats.org/drawingml/2006/main" xmlns:r="http://schemas.openxmlformats.org/officeDocument/2006/relationships" xmlns:p="http://schemas.openxmlformats.org/presentationml/2006/main">
+  <p:cSld>
+    <p:spTree>
+      <p:nvGrpSpPr>
+        <p:cNvPr id="1" name=""/>
+        <p:cNvGrpSpPr/>
+        <p:nvPr/>
+      </p:nvGrpSpPr>
+      <p:grpSpPr>
+        <a:xfrm>
+          <a:off x="0" y="0"/>
+          <a:ext cx="0" cy="0"/>
+          <a:chOff x="0" y="0"/>
+          <a:chExt cx="0" cy="0"/>
+        </a:xfrm>
+      </p:grpSpPr>
+      <p:sp>
+        <p:nvSpPr>
+          <p:cNvPr id="2" name="제목 1"/>
+          <p:cNvSpPr>
+            <a:spLocks noGrp="1"/>
+          </p:cNvSpPr>
+          <p:nvPr>
+            <p:ph type="title"/>
+          </p:nvPr>
+        </p:nvSpPr>
+        <p:spPr/>
+        <p:txBody>
+          <a:bodyPr/>
+          <a:lstStyle/>
+          <a:p>
+            <a:r>
+              <a:rPr lang="en-US" altLang="ko-KR" b="1" smtClean="0"/>
+              <a:t>beautifulsoup4</a:t>
+            </a:r>
+            <a:endParaRPr lang="ko-KR" altLang="en-US" b="1" dirty="0"/>
+          </a:p>
+        </p:txBody>
+      </p:sp>
+      <p:sp>
+        <p:nvSpPr>
+          <p:cNvPr id="3" name="내용 개체 틀 2"/>
+          <p:cNvSpPr>
+            <a:spLocks noGrp="1"/>
+          </p:cNvSpPr>
+          <p:nvPr>
+            <p:ph sz="quarter" idx="13"/>
+          </p:nvPr>
+        </p:nvSpPr>
+        <p:spPr/>
+        <p:txBody>
+          <a:bodyPr>
+            <a:normAutofit fontScale="55000" lnSpcReduction="20000"/>
+          </a:bodyPr>
+          <a:lstStyle/>
+          <a:p>
+            <a:pPr marL="0" indent="0">
+              <a:buNone/>
+            </a:pPr>
+            <a:r>
+              <a:rPr lang="en-US" altLang="ko-KR" smtClean="0"/>
+              <a:t>% pip install bs4</a:t>
+            </a:r>
+          </a:p>
+          <a:p>
+            <a:pPr marL="0" indent="0">
+              <a:buNone/>
+            </a:pPr>
+            <a:r>
+              <a:rPr lang="en-US" altLang="ko-KR" smtClean="0"/>
+              <a:t>xml.elementTree </a:t>
+            </a:r>
+            <a:r>
+              <a:rPr lang="ko-KR" altLang="en-US" smtClean="0"/>
+              <a:t>가 쓰기가 불편하다</a:t>
+            </a:r>
+            <a:r>
+              <a:rPr lang="en-US" altLang="ko-KR" smtClean="0"/>
+              <a:t>.. </a:t>
+            </a:r>
+            <a:r>
+              <a:rPr lang="ko-KR" altLang="en-US" smtClean="0"/>
+              <a:t>그래서 개선한 것이</a:t>
+            </a:r>
+            <a:r>
+              <a:rPr lang="en-US" altLang="ko-KR" smtClean="0"/>
+              <a:t>.. bs</a:t>
+            </a:r>
+          </a:p>
+          <a:p>
+            <a:pPr marL="0" indent="0">
+              <a:buNone/>
+            </a:pPr>
+            <a:endParaRPr lang="en-US" altLang="ko-KR"/>
+          </a:p>
+          <a:p>
+            <a:pPr marL="0" indent="0">
+              <a:buNone/>
+            </a:pPr>
+            <a:r>
+              <a:rPr lang="en-US" altLang="ko-KR" smtClean="0"/>
+              <a:t>from bs4 import beautifulsoup</a:t>
+            </a:r>
+          </a:p>
+          <a:p>
+            <a:pPr marL="0" indent="0">
+              <a:buNone/>
+            </a:pPr>
+            <a:r>
+              <a:rPr lang="en-US" altLang="ko-KR" smtClean="0"/>
+              <a:t>…</a:t>
+            </a:r>
+          </a:p>
+          <a:p>
+            <a:pPr marL="0" indent="0">
+              <a:buNone/>
+            </a:pPr>
+            <a:r>
+              <a:rPr lang="en-US" altLang="ko-KR" smtClean="0"/>
+              <a:t>soup = beautifulsoup(xmlresp.content, ‘html.parser')</a:t>
+            </a:r>
+          </a:p>
+          <a:p>
+            <a:pPr marL="0" indent="0">
+              <a:buNone/>
+            </a:pPr>
+            <a:endParaRPr lang="en-US" altLang="ko-KR"/>
+          </a:p>
+          <a:p>
+            <a:pPr marL="0" indent="0">
+              <a:buNone/>
+            </a:pPr>
+            <a:r>
+              <a:rPr lang="en-US" altLang="ko-KR" smtClean="0"/>
+              <a:t>items = soup.find_all('item')</a:t>
+            </a:r>
+          </a:p>
+          <a:p>
+            <a:pPr marL="0" indent="0">
+              <a:buNone/>
+            </a:pPr>
+            <a:r>
+              <a:rPr lang="en-US" altLang="ko-KR" smtClean="0"/>
+              <a:t>for item in items:</a:t>
+            </a:r>
+          </a:p>
+          <a:p>
+            <a:pPr marL="0" indent="0">
+              <a:buNone/>
+            </a:pPr>
+            <a:r>
+              <a:rPr lang="en-US" altLang="ko-KR"/>
+              <a:t> </a:t>
+            </a:r>
+            <a:r>
+              <a:rPr lang="en-US" altLang="ko-KR" smtClean="0"/>
+              <a:t>   print(item.find(‘name’).text)</a:t>
+            </a:r>
+          </a:p>
+          <a:p>
+            <a:pPr marL="0" indent="0">
+              <a:buNone/>
+            </a:pPr>
+            <a:r>
+              <a:rPr lang="en-US" altLang="ko-KR"/>
+              <a:t> </a:t>
+            </a:r>
+            <a:r>
+              <a:rPr lang="en-US" altLang="ko-KR" smtClean="0"/>
+              <a:t>   print(item.find(‘rate’).text)</a:t>
+            </a:r>
+            <a:endParaRPr lang="en-US" altLang="ko-KR"/>
+          </a:p>
+          <a:p>
+            <a:pPr marL="0" indent="0">
+              <a:buNone/>
+            </a:pPr>
+            <a:endParaRPr lang="en-US" altLang="ko-KR" smtClean="0"/>
+          </a:p>
+          <a:p>
+            <a:pPr marL="0" indent="0">
+              <a:buNone/>
+            </a:pPr>
+            <a:endParaRPr lang="en-US" altLang="ko-KR"/>
+          </a:p>
+          <a:p>
+            <a:pPr marL="0" indent="0">
+              <a:buNone/>
+            </a:pPr>
+            <a:endParaRPr lang="en-US" altLang="ko-KR" smtClean="0"/>
+          </a:p>
+          <a:p>
+            <a:pPr marL="0" indent="0">
+              <a:buNone/>
+            </a:pPr>
+            <a:endParaRPr lang="ko-KR" altLang="en-US" dirty="0"/>
+          </a:p>
+        </p:txBody>
+      </p:sp>
+      <p:sp>
+        <p:nvSpPr>
+          <p:cNvPr id="4" name="TextBox 3"/>
+          <p:cNvSpPr txBox="1"/>
+          <p:nvPr/>
+        </p:nvSpPr>
+        <p:spPr>
+          <a:xfrm>
+            <a:off x="10504631" y="618517"/>
+            <a:ext cx="772969" cy="369332"/>
+          </a:xfrm>
+          <a:prstGeom prst="rect">
+            <a:avLst/>
+          </a:prstGeom>
+          <a:noFill/>
+        </p:spPr>
+        <p:txBody>
+          <a:bodyPr wrap="none" rtlCol="0">
+            <a:spAutoFit/>
+          </a:bodyPr>
+          <a:lstStyle/>
+          <a:p>
+            <a:r>
+              <a:rPr lang="en-US" altLang="ko-KR" smtClean="0"/>
+              <a:t>2</a:t>
+            </a:r>
+            <a:r>
+              <a:rPr lang="ko-KR" altLang="en-US" smtClean="0"/>
+              <a:t>차시</a:t>
+            </a:r>
+            <a:endParaRPr lang="ko-KR" altLang="en-US"/>
+          </a:p>
+        </p:txBody>
+      </p:sp>
+    </p:spTree>
+    <p:extLst>
+      <p:ext uri="{BB962C8B-B14F-4D97-AF65-F5344CB8AC3E}">
+        <p14:creationId xmlns:p14="http://schemas.microsoft.com/office/powerpoint/2010/main" val="1630489719"/>
+      </p:ext>
+    </p:extLst>
+  </p:cSld>
+  <p:clrMapOvr>
+    <a:masterClrMapping/>
+  </p:clrMapOvr>
+</p:sld>
+</file>
+
+<file path=ppt/slides/slide17.xml><?xml version="1.0" encoding="utf-8"?>
+<p:sld xmlns:a="http://schemas.openxmlformats.org/drawingml/2006/main" xmlns:r="http://schemas.openxmlformats.org/officeDocument/2006/relationships" xmlns:p="http://schemas.openxmlformats.org/presentationml/2006/main">
+  <p:cSld>
+    <p:spTree>
+      <p:nvGrpSpPr>
+        <p:cNvPr id="1" name=""/>
+        <p:cNvGrpSpPr/>
+        <p:nvPr/>
+      </p:nvGrpSpPr>
+      <p:grpSpPr>
+        <a:xfrm>
+          <a:off x="0" y="0"/>
+          <a:ext cx="0" cy="0"/>
+          <a:chOff x="0" y="0"/>
+          <a:chExt cx="0" cy="0"/>
+        </a:xfrm>
+      </p:grpSpPr>
+      <p:sp>
+        <p:nvSpPr>
+          <p:cNvPr id="2" name="제목 1"/>
+          <p:cNvSpPr>
+            <a:spLocks noGrp="1"/>
+          </p:cNvSpPr>
+          <p:nvPr>
+            <p:ph type="title"/>
+          </p:nvPr>
+        </p:nvSpPr>
+        <p:spPr/>
+        <p:txBody>
+          <a:bodyPr/>
+          <a:lstStyle/>
+          <a:p>
+            <a:r>
+              <a:rPr lang="ko-KR" altLang="en-US" b="1" smtClean="0"/>
+              <a:t>같은 방법으로 </a:t>
+            </a:r>
+            <a:r>
+              <a:rPr lang="en-US" altLang="ko-KR" b="1" smtClean="0"/>
+              <a:t>web</a:t>
+            </a:r>
+            <a:r>
+              <a:rPr lang="ko-KR" altLang="en-US" b="1" smtClean="0"/>
+              <a:t>크롤링</a:t>
+            </a:r>
+            <a:endParaRPr lang="ko-KR" altLang="en-US" b="1" dirty="0"/>
+          </a:p>
+        </p:txBody>
+      </p:sp>
+      <p:sp>
+        <p:nvSpPr>
+          <p:cNvPr id="3" name="내용 개체 틀 2"/>
+          <p:cNvSpPr>
+            <a:spLocks noGrp="1"/>
+          </p:cNvSpPr>
+          <p:nvPr>
+            <p:ph sz="quarter" idx="13"/>
+          </p:nvPr>
+        </p:nvSpPr>
+        <p:spPr/>
+        <p:txBody>
+          <a:bodyPr>
+            <a:normAutofit fontScale="77500" lnSpcReduction="20000"/>
+          </a:bodyPr>
+          <a:lstStyle/>
+          <a:p>
+            <a:pPr marL="0" indent="0">
+              <a:buNone/>
+            </a:pPr>
+            <a:r>
+              <a:rPr lang="en-US" altLang="ko-KR" smtClean="0"/>
+              <a:t>local = input(‘</a:t>
+            </a:r>
+            <a:r>
+              <a:rPr lang="ko-KR" altLang="en-US" smtClean="0"/>
+              <a:t>지역 </a:t>
+            </a:r>
+            <a:r>
+              <a:rPr lang="en-US" altLang="ko-KR" smtClean="0"/>
+              <a:t>: ')</a:t>
+            </a:r>
+          </a:p>
+          <a:p>
+            <a:pPr marL="0" indent="0">
+              <a:buNone/>
+            </a:pPr>
+            <a:r>
+              <a:rPr lang="ko-KR" altLang="en-US" smtClean="0"/>
+              <a:t>네이버검색 </a:t>
+            </a:r>
+            <a:r>
+              <a:rPr lang="en-US" altLang="ko-KR" smtClean="0"/>
+              <a:t>query</a:t>
+            </a:r>
+            <a:r>
+              <a:rPr lang="ko-KR" altLang="en-US" smtClean="0"/>
+              <a:t>에 원하는값 넣고 </a:t>
+            </a:r>
+            <a:r>
+              <a:rPr lang="en-US" altLang="ko-KR" smtClean="0"/>
+              <a:t>[F12] </a:t>
+            </a:r>
+            <a:r>
+              <a:rPr lang="ko-KR" altLang="en-US" smtClean="0"/>
+              <a:t>개발자 도구</a:t>
+            </a:r>
+            <a:endParaRPr lang="en-US" altLang="ko-KR" smtClean="0"/>
+          </a:p>
+          <a:p>
+            <a:pPr marL="0" indent="0">
+              <a:buNone/>
+            </a:pPr>
+            <a:endParaRPr lang="en-US" altLang="ko-KR"/>
+          </a:p>
+          <a:p>
+            <a:pPr marL="0" indent="0">
+              <a:buNone/>
+            </a:pPr>
+            <a:r>
+              <a:rPr lang="ko-KR" altLang="en-US" smtClean="0"/>
+              <a:t>한글이 깨지는 경우가 있으니</a:t>
+            </a:r>
+            <a:r>
+              <a:rPr lang="en-US" altLang="ko-KR" smtClean="0"/>
+              <a:t>…</a:t>
+            </a:r>
+          </a:p>
+          <a:p>
+            <a:pPr marL="0" indent="0">
+              <a:buNone/>
+            </a:pPr>
+            <a:r>
+              <a:rPr lang="en-US" altLang="ko-KR" smtClean="0"/>
+              <a:t>soup = bs(webresp.content.decode(‘utf-8’), ‘html.parser')</a:t>
+            </a:r>
+          </a:p>
+          <a:p>
+            <a:pPr marL="0" indent="0">
+              <a:buNone/>
+            </a:pPr>
+            <a:r>
+              <a:rPr lang="en-US" altLang="ko-KR" smtClean="0"/>
+              <a:t>wedata = soup.find(‘div’, 'main_info')</a:t>
+            </a:r>
+          </a:p>
+          <a:p>
+            <a:pPr marL="0" indent="0">
+              <a:buNone/>
+            </a:pPr>
+            <a:r>
+              <a:rPr lang="en-US" altLang="ko-KR" smtClean="0"/>
+              <a:t>dustdata = soup.find(‘div’, 'sub_info')</a:t>
+            </a:r>
+          </a:p>
+          <a:p>
+            <a:pPr marL="0" indent="0">
+              <a:buNone/>
+            </a:pPr>
+            <a:endParaRPr lang="en-US" altLang="ko-KR" smtClean="0"/>
+          </a:p>
+          <a:p>
+            <a:pPr marL="0" indent="0">
+              <a:buNone/>
+            </a:pPr>
+            <a:r>
+              <a:rPr lang="en-US" altLang="ko-KR" smtClean="0"/>
+              <a:t>print(wedata.prettify()) # </a:t>
+            </a:r>
+            <a:r>
+              <a:rPr lang="ko-KR" altLang="en-US" smtClean="0"/>
+              <a:t>로 보면서 </a:t>
+            </a:r>
+            <a:r>
+              <a:rPr lang="en-US" altLang="ko-KR" smtClean="0"/>
+              <a:t>find</a:t>
+            </a:r>
+            <a:r>
+              <a:rPr lang="ko-KR" altLang="en-US" smtClean="0"/>
+              <a:t>하시면 땡</a:t>
+            </a:r>
+            <a:r>
+              <a:rPr lang="en-US" altLang="ko-KR" smtClean="0"/>
+              <a:t>!!</a:t>
+            </a:r>
+            <a:endParaRPr lang="en-US" altLang="ko-KR" smtClean="0"/>
+          </a:p>
+          <a:p>
+            <a:pPr marL="0" indent="0">
+              <a:buNone/>
+            </a:pPr>
+            <a:endParaRPr lang="en-US" altLang="ko-KR"/>
+          </a:p>
+          <a:p>
+            <a:pPr marL="0" indent="0">
+              <a:buNone/>
+            </a:pPr>
+            <a:endParaRPr lang="en-US" altLang="ko-KR" smtClean="0"/>
+          </a:p>
+          <a:p>
+            <a:pPr marL="0" indent="0">
+              <a:buNone/>
+            </a:pPr>
+            <a:endParaRPr lang="ko-KR" altLang="en-US" dirty="0"/>
+          </a:p>
+        </p:txBody>
+      </p:sp>
+      <p:sp>
+        <p:nvSpPr>
+          <p:cNvPr id="4" name="TextBox 3"/>
+          <p:cNvSpPr txBox="1"/>
+          <p:nvPr/>
+        </p:nvSpPr>
+        <p:spPr>
+          <a:xfrm>
+            <a:off x="10504631" y="618517"/>
+            <a:ext cx="772969" cy="369332"/>
+          </a:xfrm>
+          <a:prstGeom prst="rect">
+            <a:avLst/>
+          </a:prstGeom>
+          <a:noFill/>
+        </p:spPr>
+        <p:txBody>
+          <a:bodyPr wrap="none" rtlCol="0">
+            <a:spAutoFit/>
+          </a:bodyPr>
+          <a:lstStyle/>
+          <a:p>
+            <a:r>
+              <a:rPr lang="en-US" altLang="ko-KR" smtClean="0"/>
+              <a:t>3</a:t>
+            </a:r>
+            <a:r>
+              <a:rPr lang="ko-KR" altLang="en-US" smtClean="0"/>
+              <a:t>차시</a:t>
+            </a:r>
+            <a:endParaRPr lang="ko-KR" altLang="en-US"/>
+          </a:p>
+        </p:txBody>
+      </p:sp>
+    </p:spTree>
+    <p:extLst>
+      <p:ext uri="{BB962C8B-B14F-4D97-AF65-F5344CB8AC3E}">
+        <p14:creationId xmlns:p14="http://schemas.microsoft.com/office/powerpoint/2010/main" val="3845848150"/>
+      </p:ext>
+    </p:extLst>
+  </p:cSld>
+  <p:clrMapOvr>
+    <a:masterClrMapping/>
+  </p:clrMapOvr>
+  <p:timing>
+    <p:tnLst>
+      <p:par>
+        <p:cTn id="1" dur="indefinite" restart="never" nodeType="tmRoot"/>
+      </p:par>
+    </p:tnLst>
+  </p:timing>
+</p:sld>
+</file>
+
+<file path=ppt/slides/slide18.xml><?xml version="1.0" encoding="utf-8"?>
+<p:sld xmlns:a="http://schemas.openxmlformats.org/drawingml/2006/main" xmlns:r="http://schemas.openxmlformats.org/officeDocument/2006/relationships" xmlns:p="http://schemas.openxmlformats.org/presentationml/2006/main">
+  <p:cSld>
+    <p:spTree>
+      <p:nvGrpSpPr>
+        <p:cNvPr id="1" name=""/>
+        <p:cNvGrpSpPr/>
+        <p:nvPr/>
+      </p:nvGrpSpPr>
+      <p:grpSpPr>
+        <a:xfrm>
+          <a:off x="0" y="0"/>
+          <a:ext cx="0" cy="0"/>
+          <a:chOff x="0" y="0"/>
+          <a:chExt cx="0" cy="0"/>
+        </a:xfrm>
+      </p:grpSpPr>
+      <p:sp>
+        <p:nvSpPr>
+          <p:cNvPr id="2" name="제목 1"/>
+          <p:cNvSpPr>
+            <a:spLocks noGrp="1"/>
+          </p:cNvSpPr>
+          <p:nvPr>
+            <p:ph type="title"/>
+          </p:nvPr>
+        </p:nvSpPr>
+        <p:spPr/>
+        <p:txBody>
+          <a:bodyPr/>
+          <a:lstStyle/>
+          <a:p>
+            <a:r>
+              <a:rPr lang="en-US" altLang="ko-KR" b="1" smtClean="0"/>
+              <a:t>NAVER API</a:t>
+            </a:r>
+            <a:r>
+              <a:rPr lang="ko-KR" altLang="en-US" b="1" smtClean="0"/>
+              <a:t>사용하기</a:t>
+            </a:r>
+            <a:r>
+              <a:rPr lang="en-US" altLang="ko-KR" b="1" smtClean="0"/>
+              <a:t>..(json)</a:t>
+            </a:r>
+            <a:endParaRPr lang="ko-KR" altLang="en-US" b="1" dirty="0"/>
+          </a:p>
+        </p:txBody>
+      </p:sp>
+      <p:sp>
+        <p:nvSpPr>
+          <p:cNvPr id="3" name="내용 개체 틀 2"/>
+          <p:cNvSpPr>
+            <a:spLocks noGrp="1"/>
+          </p:cNvSpPr>
+          <p:nvPr>
+            <p:ph sz="quarter" idx="13"/>
+          </p:nvPr>
+        </p:nvSpPr>
+        <p:spPr/>
+        <p:txBody>
+          <a:bodyPr>
+            <a:normAutofit fontScale="77500" lnSpcReduction="20000"/>
+          </a:bodyPr>
+          <a:lstStyle/>
+          <a:p>
+            <a:pPr marL="0" indent="0">
+              <a:buNone/>
+            </a:pPr>
+            <a:r>
+              <a:rPr lang="ko-KR" altLang="en-US" smtClean="0"/>
+              <a:t>네이버 개발자센터</a:t>
+            </a:r>
+            <a:r>
+              <a:rPr lang="en-US" altLang="ko-KR" smtClean="0"/>
+              <a:t>..</a:t>
+            </a:r>
+          </a:p>
+          <a:p>
+            <a:pPr marL="0" indent="0">
+              <a:buNone/>
+            </a:pPr>
+            <a:r>
+              <a:rPr lang="en-US" altLang="ko-KR" b="1" u="sng"/>
+              <a:t>https://developers.naver.com/main/</a:t>
+            </a:r>
+            <a:endParaRPr lang="en-US" altLang="ko-KR" b="1"/>
+          </a:p>
+          <a:p>
+            <a:pPr marL="0" indent="0">
+              <a:buNone/>
+            </a:pPr>
+            <a:endParaRPr lang="en-US" altLang="ko-KR" smtClean="0"/>
+          </a:p>
+          <a:p>
+            <a:pPr marL="0" indent="0">
+              <a:buNone/>
+            </a:pPr>
+            <a:r>
+              <a:rPr lang="ko-KR" altLang="en-US" smtClean="0"/>
+              <a:t>애플리케이션등록</a:t>
+            </a:r>
+            <a:r>
+              <a:rPr lang="en-US" altLang="ko-KR" smtClean="0"/>
+              <a:t>(API</a:t>
+            </a:r>
+            <a:r>
+              <a:rPr lang="ko-KR" altLang="en-US" smtClean="0"/>
+              <a:t>이용 신청</a:t>
+            </a:r>
+            <a:r>
+              <a:rPr lang="en-US" altLang="ko-KR" smtClean="0"/>
+              <a:t>)</a:t>
+            </a:r>
+          </a:p>
+          <a:p>
+            <a:pPr fontAlgn="base"/>
+            <a:r>
+              <a:rPr lang="ko-KR" altLang="en-US" b="1"/>
+              <a:t>애플리케이션 이름정해주고</a:t>
+            </a:r>
+            <a:endParaRPr lang="ko-KR" altLang="en-US"/>
+          </a:p>
+          <a:p>
+            <a:pPr fontAlgn="base"/>
+            <a:r>
+              <a:rPr lang="ko-KR" altLang="en-US" b="1"/>
+              <a:t>사용</a:t>
+            </a:r>
+            <a:r>
+              <a:rPr lang="en-US" altLang="ko-KR" b="1"/>
+              <a:t>API</a:t>
+            </a:r>
+            <a:r>
+              <a:rPr lang="ko-KR" altLang="en-US" b="1"/>
+              <a:t>는 검색으로 해주고</a:t>
+            </a:r>
+            <a:endParaRPr lang="ko-KR" altLang="en-US"/>
+          </a:p>
+          <a:p>
+            <a:pPr fontAlgn="base"/>
+            <a:r>
+              <a:rPr lang="ko-KR" altLang="en-US" b="1"/>
+              <a:t>환경은 </a:t>
+            </a:r>
+            <a:r>
+              <a:rPr lang="en-US" altLang="ko-KR" b="1"/>
+              <a:t>WEB</a:t>
+            </a:r>
+            <a:r>
+              <a:rPr lang="ko-KR" altLang="en-US" b="1"/>
+              <a:t>정도로</a:t>
+            </a:r>
+            <a:r>
+              <a:rPr lang="en-US" altLang="ko-KR" b="1"/>
+              <a:t>...(</a:t>
+            </a:r>
+            <a:r>
+              <a:rPr lang="ko-KR" altLang="en-US" b="1"/>
+              <a:t>딴거하면 머 </a:t>
+            </a:r>
+            <a:r>
+              <a:rPr lang="ko-KR" altLang="en-US" b="1"/>
+              <a:t>설정이 </a:t>
+            </a:r>
+            <a:r>
+              <a:rPr lang="ko-KR" altLang="en-US" b="1" smtClean="0"/>
+              <a:t>많아짐</a:t>
+            </a:r>
+            <a:r>
+              <a:rPr lang="en-US" altLang="ko-KR" b="1" smtClean="0"/>
+              <a:t>...)</a:t>
+            </a:r>
+          </a:p>
+          <a:p>
+            <a:pPr fontAlgn="base"/>
+            <a:endParaRPr lang="en-US" altLang="ko-KR" b="1"/>
+          </a:p>
+          <a:p>
+            <a:pPr fontAlgn="base"/>
+            <a:r>
+              <a:rPr lang="en-US" altLang="ko-KR" smtClean="0"/>
+              <a:t>client id, client secret</a:t>
+            </a:r>
+            <a:r>
+              <a:rPr lang="ko-KR" altLang="en-US" smtClean="0"/>
+              <a:t>을 잘</a:t>
+            </a:r>
+            <a:r>
+              <a:rPr lang="en-US" altLang="ko-KR" smtClean="0"/>
+              <a:t>~ </a:t>
+            </a:r>
+            <a:r>
+              <a:rPr lang="ko-KR" altLang="en-US" smtClean="0"/>
+              <a:t>적어두자</a:t>
+            </a:r>
+            <a:r>
+              <a:rPr lang="en-US" altLang="ko-KR" smtClean="0"/>
+              <a:t>!!</a:t>
+            </a:r>
+          </a:p>
+          <a:p>
+            <a:pPr fontAlgn="base"/>
+            <a:endParaRPr lang="ko-KR" altLang="en-US"/>
+          </a:p>
+          <a:p>
+            <a:pPr marL="0" indent="0">
+              <a:buNone/>
+            </a:pPr>
+            <a:endParaRPr lang="en-US" altLang="ko-KR"/>
+          </a:p>
+          <a:p>
+            <a:pPr marL="0" indent="0">
+              <a:buNone/>
+            </a:pPr>
+            <a:endParaRPr lang="en-US" altLang="ko-KR" smtClean="0"/>
+          </a:p>
+          <a:p>
+            <a:pPr marL="0" indent="0">
+              <a:buNone/>
+            </a:pPr>
+            <a:endParaRPr lang="ko-KR" altLang="en-US" dirty="0"/>
+          </a:p>
+        </p:txBody>
+      </p:sp>
+      <p:sp>
+        <p:nvSpPr>
+          <p:cNvPr id="4" name="TextBox 3"/>
+          <p:cNvSpPr txBox="1"/>
+          <p:nvPr/>
+        </p:nvSpPr>
+        <p:spPr>
+          <a:xfrm>
+            <a:off x="10504631" y="618517"/>
+            <a:ext cx="772969" cy="369332"/>
+          </a:xfrm>
+          <a:prstGeom prst="rect">
+            <a:avLst/>
+          </a:prstGeom>
+          <a:noFill/>
+        </p:spPr>
+        <p:txBody>
+          <a:bodyPr wrap="none" rtlCol="0">
+            <a:spAutoFit/>
+          </a:bodyPr>
+          <a:lstStyle/>
+          <a:p>
+            <a:r>
+              <a:rPr lang="en-US" altLang="ko-KR" smtClean="0"/>
+              <a:t>3</a:t>
+            </a:r>
+            <a:r>
+              <a:rPr lang="ko-KR" altLang="en-US" smtClean="0"/>
+              <a:t>차시</a:t>
+            </a:r>
+            <a:endParaRPr lang="ko-KR" altLang="en-US"/>
+          </a:p>
+        </p:txBody>
+      </p:sp>
+    </p:spTree>
+    <p:extLst>
+      <p:ext uri="{BB962C8B-B14F-4D97-AF65-F5344CB8AC3E}">
+        <p14:creationId xmlns:p14="http://schemas.microsoft.com/office/powerpoint/2010/main" val="746697644"/>
+      </p:ext>
+    </p:extLst>
+  </p:cSld>
+  <p:clrMapOvr>
+    <a:masterClrMapping/>
+  </p:clrMapOvr>
+  <p:timing>
+    <p:tnLst>
+      <p:par>
+        <p:cTn id="1" dur="indefinite" restart="never" nodeType="tmRoot"/>
+      </p:par>
+    </p:tnLst>
+  </p:timing>
+</p:sld>
+</file>
+
+<file path=ppt/slides/slide19.xml><?xml version="1.0" encoding="utf-8"?>
+<p:sld xmlns:a="http://schemas.openxmlformats.org/drawingml/2006/main" xmlns:r="http://schemas.openxmlformats.org/officeDocument/2006/relationships" xmlns:p="http://schemas.openxmlformats.org/presentationml/2006/main">
+  <p:cSld>
+    <p:spTree>
+      <p:nvGrpSpPr>
+        <p:cNvPr id="1" name=""/>
+        <p:cNvGrpSpPr/>
+        <p:nvPr/>
+      </p:nvGrpSpPr>
+      <p:grpSpPr>
+        <a:xfrm>
+          <a:off x="0" y="0"/>
+          <a:ext cx="0" cy="0"/>
+          <a:chOff x="0" y="0"/>
+          <a:chExt cx="0" cy="0"/>
+        </a:xfrm>
+      </p:grpSpPr>
+      <p:sp>
+        <p:nvSpPr>
+          <p:cNvPr id="2" name="제목 1"/>
+          <p:cNvSpPr>
+            <a:spLocks noGrp="1"/>
+          </p:cNvSpPr>
+          <p:nvPr>
+            <p:ph type="title"/>
+          </p:nvPr>
+        </p:nvSpPr>
+        <p:spPr/>
+        <p:txBody>
+          <a:bodyPr/>
+          <a:lstStyle/>
+          <a:p>
+            <a:r>
+              <a:rPr lang="en-US" altLang="ko-KR" b="1" smtClean="0"/>
+              <a:t>NAVER API </a:t>
+            </a:r>
+            <a:r>
+              <a:rPr lang="ko-KR" altLang="en-US" b="1" smtClean="0"/>
+              <a:t>클래스 구축</a:t>
+            </a:r>
+            <a:endParaRPr lang="ko-KR" altLang="en-US" b="1" dirty="0"/>
+          </a:p>
+        </p:txBody>
+      </p:sp>
+      <p:sp>
+        <p:nvSpPr>
+          <p:cNvPr id="3" name="내용 개체 틀 2"/>
+          <p:cNvSpPr>
+            <a:spLocks noGrp="1"/>
+          </p:cNvSpPr>
+          <p:nvPr>
+            <p:ph sz="quarter" idx="13"/>
+          </p:nvPr>
+        </p:nvSpPr>
+        <p:spPr/>
+        <p:txBody>
+          <a:bodyPr>
+            <a:normAutofit/>
+          </a:bodyPr>
+          <a:lstStyle/>
+          <a:p>
+            <a:pPr fontAlgn="base"/>
+            <a:r>
+              <a:rPr lang="en-US" altLang="ko-KR" b="1"/>
+              <a:t>class NaverImage:</a:t>
+            </a:r>
+            <a:endParaRPr lang="en-US" altLang="ko-KR"/>
+          </a:p>
+          <a:p>
+            <a:pPr fontAlgn="base"/>
+            <a:r>
+              <a:rPr lang="en-US" altLang="ko-KR" b="1" smtClean="0"/>
+              <a:t>    def </a:t>
+            </a:r>
+            <a:r>
+              <a:rPr lang="en-US" altLang="ko-KR" b="1"/>
+              <a:t>__init__(self, naverid </a:t>
+            </a:r>
+            <a:r>
+              <a:rPr lang="en-US" altLang="ko-KR" b="1"/>
+              <a:t>= </a:t>
+            </a:r>
+            <a:r>
+              <a:rPr lang="en-US" altLang="ko-KR" b="1" smtClean="0"/>
+              <a:t>‘c_id', </a:t>
+            </a:r>
+            <a:r>
+              <a:rPr lang="en-US" altLang="ko-KR" b="1"/>
+              <a:t>naverpass </a:t>
+            </a:r>
+            <a:r>
+              <a:rPr lang="en-US" altLang="ko-KR" b="1"/>
+              <a:t>= </a:t>
+            </a:r>
+            <a:r>
+              <a:rPr lang="en-US" altLang="ko-KR" b="1" smtClean="0"/>
+              <a:t>'c_Secret'):</a:t>
+            </a:r>
+            <a:endParaRPr lang="en-US" altLang="ko-KR"/>
+          </a:p>
+          <a:p>
+            <a:pPr fontAlgn="base"/>
+            <a:r>
+              <a:rPr lang="en-US" altLang="ko-KR" b="1" smtClean="0"/>
+              <a:t>        self.naverid </a:t>
+            </a:r>
+            <a:r>
+              <a:rPr lang="en-US" altLang="ko-KR" b="1"/>
+              <a:t>= naverid</a:t>
+            </a:r>
+            <a:endParaRPr lang="en-US" altLang="ko-KR"/>
+          </a:p>
+          <a:p>
+            <a:pPr fontAlgn="base"/>
+            <a:r>
+              <a:rPr lang="en-US" altLang="ko-KR" b="1" smtClean="0"/>
+              <a:t>        self.naverpass </a:t>
+            </a:r>
+            <a:r>
+              <a:rPr lang="en-US" altLang="ko-KR" b="1"/>
+              <a:t>= </a:t>
+            </a:r>
+            <a:r>
+              <a:rPr lang="en-US" altLang="ko-KR" b="1" smtClean="0"/>
+              <a:t>naverpass</a:t>
+            </a:r>
+          </a:p>
+          <a:p>
+            <a:pPr fontAlgn="base"/>
+            <a:r>
+              <a:rPr lang="en-US" altLang="ko-KR" b="1"/>
+              <a:t> </a:t>
+            </a:r>
+            <a:r>
+              <a:rPr lang="en-US" altLang="ko-KR" b="1" smtClean="0"/>
+              <a:t>       self.requrl = '</a:t>
+            </a:r>
+            <a:r>
+              <a:rPr lang="en-US" altLang="ko-KR" b="1"/>
+              <a:t>https</a:t>
+            </a:r>
+            <a:r>
+              <a:rPr lang="en-US" altLang="ko-KR" b="1"/>
+              <a:t>://</a:t>
+            </a:r>
+            <a:r>
+              <a:rPr lang="en-US" altLang="ko-KR" b="1" smtClean="0"/>
+              <a:t>openapi.naver.com/v1/search/image'</a:t>
+            </a:r>
+            <a:endParaRPr lang="en-US" altLang="ko-KR"/>
+          </a:p>
+          <a:p>
+            <a:pPr fontAlgn="base"/>
+            <a:r>
+              <a:rPr lang="en-US" altLang="ko-KR" b="1" smtClean="0"/>
+              <a:t>    def __str__(self):</a:t>
+            </a:r>
+            <a:endParaRPr lang="en-US" altLang="ko-KR"/>
+          </a:p>
+          <a:p>
+            <a:pPr fontAlgn="base"/>
+            <a:r>
+              <a:rPr lang="en-US" altLang="ko-KR" b="1" smtClean="0"/>
+              <a:t>        return self.requrl</a:t>
+            </a:r>
+            <a:endParaRPr lang="en-US" altLang="ko-KR"/>
+          </a:p>
+          <a:p>
+            <a:pPr marL="0" indent="0">
+              <a:buNone/>
+            </a:pPr>
+            <a:endParaRPr lang="en-US" altLang="ko-KR" smtClean="0"/>
+          </a:p>
+          <a:p>
+            <a:pPr marL="0" indent="0">
+              <a:buNone/>
+            </a:pPr>
+            <a:endParaRPr lang="ko-KR" altLang="en-US" dirty="0"/>
+          </a:p>
+        </p:txBody>
+      </p:sp>
+      <p:sp>
+        <p:nvSpPr>
+          <p:cNvPr id="4" name="TextBox 3"/>
+          <p:cNvSpPr txBox="1"/>
+          <p:nvPr/>
+        </p:nvSpPr>
+        <p:spPr>
+          <a:xfrm>
+            <a:off x="10504631" y="618517"/>
+            <a:ext cx="772969" cy="369332"/>
+          </a:xfrm>
+          <a:prstGeom prst="rect">
+            <a:avLst/>
+          </a:prstGeom>
+          <a:noFill/>
+        </p:spPr>
+        <p:txBody>
+          <a:bodyPr wrap="none" rtlCol="0">
+            <a:spAutoFit/>
+          </a:bodyPr>
+          <a:lstStyle/>
+          <a:p>
+            <a:r>
+              <a:rPr lang="en-US" altLang="ko-KR" smtClean="0"/>
+              <a:t>3</a:t>
+            </a:r>
+            <a:r>
+              <a:rPr lang="ko-KR" altLang="en-US" smtClean="0"/>
+              <a:t>차시</a:t>
+            </a:r>
+            <a:endParaRPr lang="ko-KR" altLang="en-US"/>
+          </a:p>
+        </p:txBody>
+      </p:sp>
+    </p:spTree>
+    <p:extLst>
+      <p:ext uri="{BB962C8B-B14F-4D97-AF65-F5344CB8AC3E}">
+        <p14:creationId xmlns:p14="http://schemas.microsoft.com/office/powerpoint/2010/main" val="3825974221"/>
+      </p:ext>
+    </p:extLst>
+  </p:cSld>
+  <p:clrMapOvr>
+    <a:masterClrMapping/>
+  </p:clrMapOvr>
+  <p:timing>
+    <p:tnLst>
+      <p:par>
+        <p:cTn id="1" dur="indefinite" restart="never" nodeType="tmRoot"/>
+      </p:par>
+    </p:tnLst>
+  </p:timing>
 </p:sld>
 </file>
 
@@ -7258,6 +8712,1243 @@
   <p:clrMapOvr>
     <a:masterClrMapping/>
   </p:clrMapOvr>
+</p:sld>
+</file>
+
+<file path=ppt/slides/slide20.xml><?xml version="1.0" encoding="utf-8"?>
+<p:sld xmlns:a="http://schemas.openxmlformats.org/drawingml/2006/main" xmlns:r="http://schemas.openxmlformats.org/officeDocument/2006/relationships" xmlns:p="http://schemas.openxmlformats.org/presentationml/2006/main">
+  <p:cSld>
+    <p:spTree>
+      <p:nvGrpSpPr>
+        <p:cNvPr id="1" name=""/>
+        <p:cNvGrpSpPr/>
+        <p:nvPr/>
+      </p:nvGrpSpPr>
+      <p:grpSpPr>
+        <a:xfrm>
+          <a:off x="0" y="0"/>
+          <a:ext cx="0" cy="0"/>
+          <a:chOff x="0" y="0"/>
+          <a:chExt cx="0" cy="0"/>
+        </a:xfrm>
+      </p:grpSpPr>
+      <p:sp>
+        <p:nvSpPr>
+          <p:cNvPr id="2" name="제목 1"/>
+          <p:cNvSpPr>
+            <a:spLocks noGrp="1"/>
+          </p:cNvSpPr>
+          <p:nvPr>
+            <p:ph type="title"/>
+          </p:nvPr>
+        </p:nvSpPr>
+        <p:spPr/>
+        <p:txBody>
+          <a:bodyPr/>
+          <a:lstStyle/>
+          <a:p>
+            <a:r>
+              <a:rPr lang="ko-KR" altLang="en-US" b="1" smtClean="0"/>
+              <a:t>요청변수 확인</a:t>
+            </a:r>
+            <a:endParaRPr lang="ko-KR" altLang="en-US" b="1" dirty="0"/>
+          </a:p>
+        </p:txBody>
+      </p:sp>
+      <p:sp>
+        <p:nvSpPr>
+          <p:cNvPr id="4" name="TextBox 3"/>
+          <p:cNvSpPr txBox="1"/>
+          <p:nvPr/>
+        </p:nvSpPr>
+        <p:spPr>
+          <a:xfrm>
+            <a:off x="10504631" y="618517"/>
+            <a:ext cx="772969" cy="369332"/>
+          </a:xfrm>
+          <a:prstGeom prst="rect">
+            <a:avLst/>
+          </a:prstGeom>
+          <a:noFill/>
+        </p:spPr>
+        <p:txBody>
+          <a:bodyPr wrap="none" rtlCol="0">
+            <a:spAutoFit/>
+          </a:bodyPr>
+          <a:lstStyle/>
+          <a:p>
+            <a:r>
+              <a:rPr lang="en-US" altLang="ko-KR" smtClean="0"/>
+              <a:t>3</a:t>
+            </a:r>
+            <a:r>
+              <a:rPr lang="ko-KR" altLang="en-US" smtClean="0"/>
+              <a:t>차시</a:t>
+            </a:r>
+            <a:endParaRPr lang="ko-KR" altLang="en-US"/>
+          </a:p>
+        </p:txBody>
+      </p:sp>
+      <p:pic>
+        <p:nvPicPr>
+          <p:cNvPr id="1025" name="_x419918608" descr="EMB0000193010af"/>
+          <p:cNvPicPr>
+            <a:picLocks noChangeAspect="1" noChangeArrowheads="1"/>
+          </p:cNvPicPr>
+          <p:nvPr/>
+        </p:nvPicPr>
+        <p:blipFill>
+          <a:blip r:embed="rId2">
+            <a:extLst>
+              <a:ext uri="{28A0092B-C50C-407E-A947-70E740481C1C}">
+                <a14:useLocalDpi xmlns:a14="http://schemas.microsoft.com/office/drawing/2010/main" val="0"/>
+              </a:ext>
+            </a:extLst>
+          </a:blip>
+          <a:srcRect l="25505" t="46953"/>
+          <a:stretch>
+            <a:fillRect/>
+          </a:stretch>
+        </p:blipFill>
+        <p:spPr bwMode="auto">
+          <a:xfrm>
+            <a:off x="1037492" y="1925516"/>
+            <a:ext cx="9970477" cy="4339147"/>
+          </a:xfrm>
+          <a:prstGeom prst="rect">
+            <a:avLst/>
+          </a:prstGeom>
+          <a:noFill/>
+          <a:extLst>
+            <a:ext uri="{909E8E84-426E-40DD-AFC4-6F175D3DCCD1}">
+              <a14:hiddenFill xmlns:a14="http://schemas.microsoft.com/office/drawing/2010/main">
+                <a:solidFill>
+                  <a:srgbClr val="FFFFFF"/>
+                </a:solidFill>
+              </a14:hiddenFill>
+            </a:ext>
+          </a:extLst>
+        </p:spPr>
+      </p:pic>
+    </p:spTree>
+    <p:extLst>
+      <p:ext uri="{BB962C8B-B14F-4D97-AF65-F5344CB8AC3E}">
+        <p14:creationId xmlns:p14="http://schemas.microsoft.com/office/powerpoint/2010/main" val="3165832064"/>
+      </p:ext>
+    </p:extLst>
+  </p:cSld>
+  <p:clrMapOvr>
+    <a:masterClrMapping/>
+  </p:clrMapOvr>
+  <p:timing>
+    <p:tnLst>
+      <p:par>
+        <p:cTn id="1" dur="indefinite" restart="never" nodeType="tmRoot"/>
+      </p:par>
+    </p:tnLst>
+  </p:timing>
+</p:sld>
+</file>
+
+<file path=ppt/slides/slide21.xml><?xml version="1.0" encoding="utf-8"?>
+<p:sld xmlns:a="http://schemas.openxmlformats.org/drawingml/2006/main" xmlns:r="http://schemas.openxmlformats.org/officeDocument/2006/relationships" xmlns:p="http://schemas.openxmlformats.org/presentationml/2006/main">
+  <p:cSld>
+    <p:spTree>
+      <p:nvGrpSpPr>
+        <p:cNvPr id="1" name=""/>
+        <p:cNvGrpSpPr/>
+        <p:nvPr/>
+      </p:nvGrpSpPr>
+      <p:grpSpPr>
+        <a:xfrm>
+          <a:off x="0" y="0"/>
+          <a:ext cx="0" cy="0"/>
+          <a:chOff x="0" y="0"/>
+          <a:chExt cx="0" cy="0"/>
+        </a:xfrm>
+      </p:grpSpPr>
+      <p:sp>
+        <p:nvSpPr>
+          <p:cNvPr id="2" name="제목 1"/>
+          <p:cNvSpPr>
+            <a:spLocks noGrp="1"/>
+          </p:cNvSpPr>
+          <p:nvPr>
+            <p:ph type="title"/>
+          </p:nvPr>
+        </p:nvSpPr>
+        <p:spPr/>
+        <p:txBody>
+          <a:bodyPr/>
+          <a:lstStyle/>
+          <a:p>
+            <a:r>
+              <a:rPr lang="en-US" altLang="ko-KR" b="1" smtClean="0"/>
+              <a:t>request url</a:t>
+            </a:r>
+            <a:r>
+              <a:rPr lang="ko-KR" altLang="en-US" b="1" smtClean="0"/>
+              <a:t>생성</a:t>
+            </a:r>
+            <a:endParaRPr lang="ko-KR" altLang="en-US" b="1" dirty="0"/>
+          </a:p>
+        </p:txBody>
+      </p:sp>
+      <p:sp>
+        <p:nvSpPr>
+          <p:cNvPr id="3" name="내용 개체 틀 2"/>
+          <p:cNvSpPr>
+            <a:spLocks noGrp="1"/>
+          </p:cNvSpPr>
+          <p:nvPr>
+            <p:ph sz="quarter" idx="13"/>
+          </p:nvPr>
+        </p:nvSpPr>
+        <p:spPr/>
+        <p:txBody>
+          <a:bodyPr>
+            <a:normAutofit/>
+          </a:bodyPr>
+          <a:lstStyle/>
+          <a:p>
+            <a:pPr fontAlgn="base"/>
+            <a:r>
+              <a:rPr lang="en-US" altLang="ko-KR" b="1"/>
+              <a:t>def makeURL(self):</a:t>
+            </a:r>
+            <a:endParaRPr lang="en-US" altLang="ko-KR"/>
+          </a:p>
+          <a:p>
+            <a:pPr fontAlgn="base"/>
+            <a:r>
+              <a:rPr lang="en-US" altLang="ko-KR" b="1" smtClean="0"/>
+              <a:t>    self.requrl </a:t>
+            </a:r>
+            <a:r>
+              <a:rPr lang="en-US" altLang="ko-KR" b="1"/>
+              <a:t>= </a:t>
+            </a:r>
+            <a:r>
+              <a:rPr lang="en-US" altLang="ko-KR" b="1" smtClean="0"/>
+              <a:t>self.requrl </a:t>
+            </a:r>
+            <a:r>
+              <a:rPr lang="en-US" altLang="ko-KR" b="1"/>
+              <a:t>+ '?query='+self.query</a:t>
+            </a:r>
+            <a:endParaRPr lang="en-US" altLang="ko-KR"/>
+          </a:p>
+          <a:p>
+            <a:pPr fontAlgn="base"/>
+            <a:r>
+              <a:rPr lang="en-US" altLang="ko-KR" b="1"/>
+              <a:t>   </a:t>
+            </a:r>
+            <a:r>
+              <a:rPr lang="en-US" altLang="ko-KR" b="1"/>
+              <a:t> </a:t>
+            </a:r>
+            <a:r>
+              <a:rPr lang="en-US" altLang="ko-KR" b="1" smtClean="0"/>
+              <a:t>self.requrl </a:t>
+            </a:r>
+            <a:r>
+              <a:rPr lang="en-US" altLang="ko-KR" b="1"/>
+              <a:t>+= '&amp;display='+str(self.display)</a:t>
+            </a:r>
+            <a:endParaRPr lang="en-US" altLang="ko-KR"/>
+          </a:p>
+          <a:p>
+            <a:pPr fontAlgn="base"/>
+            <a:r>
+              <a:rPr lang="en-US" altLang="ko-KR" b="1" smtClean="0"/>
+              <a:t>    self.requrl </a:t>
+            </a:r>
+            <a:r>
+              <a:rPr lang="en-US" altLang="ko-KR" b="1"/>
+              <a:t>+= '&amp;start='+str(self.start)</a:t>
+            </a:r>
+            <a:endParaRPr lang="en-US" altLang="ko-KR"/>
+          </a:p>
+          <a:p>
+            <a:pPr fontAlgn="base"/>
+            <a:r>
+              <a:rPr lang="en-US" altLang="ko-KR" b="1" smtClean="0"/>
+              <a:t>    self.requrl </a:t>
+            </a:r>
+            <a:r>
+              <a:rPr lang="en-US" altLang="ko-KR" b="1"/>
+              <a:t>+= '&amp;sort='+self.sort</a:t>
+            </a:r>
+            <a:endParaRPr lang="en-US" altLang="ko-KR"/>
+          </a:p>
+          <a:p>
+            <a:pPr fontAlgn="base"/>
+            <a:r>
+              <a:rPr lang="en-US" altLang="ko-KR" b="1" smtClean="0"/>
+              <a:t>    self.requrl </a:t>
+            </a:r>
+            <a:r>
+              <a:rPr lang="en-US" altLang="ko-KR" b="1"/>
+              <a:t>+= '&amp;filter='+self.filter</a:t>
+            </a:r>
+            <a:endParaRPr lang="en-US" altLang="ko-KR"/>
+          </a:p>
+          <a:p>
+            <a:pPr marL="0" indent="0">
+              <a:buNone/>
+            </a:pPr>
+            <a:endParaRPr lang="en-US" altLang="ko-KR"/>
+          </a:p>
+          <a:p>
+            <a:pPr marL="0" indent="0">
+              <a:buNone/>
+            </a:pPr>
+            <a:endParaRPr lang="en-US" altLang="ko-KR" smtClean="0"/>
+          </a:p>
+          <a:p>
+            <a:pPr marL="0" indent="0">
+              <a:buNone/>
+            </a:pPr>
+            <a:endParaRPr lang="ko-KR" altLang="en-US" dirty="0"/>
+          </a:p>
+        </p:txBody>
+      </p:sp>
+      <p:sp>
+        <p:nvSpPr>
+          <p:cNvPr id="4" name="TextBox 3"/>
+          <p:cNvSpPr txBox="1"/>
+          <p:nvPr/>
+        </p:nvSpPr>
+        <p:spPr>
+          <a:xfrm>
+            <a:off x="10504631" y="618517"/>
+            <a:ext cx="772969" cy="369332"/>
+          </a:xfrm>
+          <a:prstGeom prst="rect">
+            <a:avLst/>
+          </a:prstGeom>
+          <a:noFill/>
+        </p:spPr>
+        <p:txBody>
+          <a:bodyPr wrap="none" rtlCol="0">
+            <a:spAutoFit/>
+          </a:bodyPr>
+          <a:lstStyle/>
+          <a:p>
+            <a:r>
+              <a:rPr lang="en-US" altLang="ko-KR" smtClean="0"/>
+              <a:t>3</a:t>
+            </a:r>
+            <a:r>
+              <a:rPr lang="ko-KR" altLang="en-US" smtClean="0"/>
+              <a:t>차시</a:t>
+            </a:r>
+            <a:endParaRPr lang="ko-KR" altLang="en-US"/>
+          </a:p>
+        </p:txBody>
+      </p:sp>
+    </p:spTree>
+    <p:extLst>
+      <p:ext uri="{BB962C8B-B14F-4D97-AF65-F5344CB8AC3E}">
+        <p14:creationId xmlns:p14="http://schemas.microsoft.com/office/powerpoint/2010/main" val="1890255987"/>
+      </p:ext>
+    </p:extLst>
+  </p:cSld>
+  <p:clrMapOvr>
+    <a:masterClrMapping/>
+  </p:clrMapOvr>
+  <p:timing>
+    <p:tnLst>
+      <p:par>
+        <p:cTn id="1" dur="indefinite" restart="never" nodeType="tmRoot"/>
+      </p:par>
+    </p:tnLst>
+  </p:timing>
+</p:sld>
+</file>
+
+<file path=ppt/slides/slide22.xml><?xml version="1.0" encoding="utf-8"?>
+<p:sld xmlns:a="http://schemas.openxmlformats.org/drawingml/2006/main" xmlns:r="http://schemas.openxmlformats.org/officeDocument/2006/relationships" xmlns:p="http://schemas.openxmlformats.org/presentationml/2006/main">
+  <p:cSld>
+    <p:spTree>
+      <p:nvGrpSpPr>
+        <p:cNvPr id="1" name=""/>
+        <p:cNvGrpSpPr/>
+        <p:nvPr/>
+      </p:nvGrpSpPr>
+      <p:grpSpPr>
+        <a:xfrm>
+          <a:off x="0" y="0"/>
+          <a:ext cx="0" cy="0"/>
+          <a:chOff x="0" y="0"/>
+          <a:chExt cx="0" cy="0"/>
+        </a:xfrm>
+      </p:grpSpPr>
+      <p:sp>
+        <p:nvSpPr>
+          <p:cNvPr id="2" name="제목 1"/>
+          <p:cNvSpPr>
+            <a:spLocks noGrp="1"/>
+          </p:cNvSpPr>
+          <p:nvPr>
+            <p:ph type="title"/>
+          </p:nvPr>
+        </p:nvSpPr>
+        <p:spPr/>
+        <p:txBody>
+          <a:bodyPr/>
+          <a:lstStyle/>
+          <a:p>
+            <a:r>
+              <a:rPr lang="ko-KR" altLang="en-US" b="1" smtClean="0"/>
+              <a:t>이미지 가져올 준비</a:t>
+            </a:r>
+            <a:r>
+              <a:rPr lang="en-US" altLang="ko-KR" b="1" smtClean="0"/>
+              <a:t>!!</a:t>
+            </a:r>
+            <a:endParaRPr lang="ko-KR" altLang="en-US" b="1" dirty="0"/>
+          </a:p>
+        </p:txBody>
+      </p:sp>
+      <p:sp>
+        <p:nvSpPr>
+          <p:cNvPr id="3" name="내용 개체 틀 2"/>
+          <p:cNvSpPr>
+            <a:spLocks noGrp="1"/>
+          </p:cNvSpPr>
+          <p:nvPr>
+            <p:ph sz="quarter" idx="13"/>
+          </p:nvPr>
+        </p:nvSpPr>
+        <p:spPr/>
+        <p:txBody>
+          <a:bodyPr>
+            <a:normAutofit fontScale="92500" lnSpcReduction="20000"/>
+          </a:bodyPr>
+          <a:lstStyle/>
+          <a:p>
+            <a:pPr fontAlgn="base"/>
+            <a:r>
+              <a:rPr lang="ko-KR" altLang="en-US" b="1" smtClean="0"/>
+              <a:t>헤더에 네이버아이디와 시크릿을 보내줘야 한다</a:t>
+            </a:r>
+            <a:r>
+              <a:rPr lang="en-US" altLang="ko-KR" b="1" smtClean="0"/>
+              <a:t>..</a:t>
+            </a:r>
+          </a:p>
+          <a:p>
+            <a:pPr fontAlgn="base"/>
+            <a:r>
+              <a:rPr lang="en-US" altLang="ko-KR" b="1" smtClean="0"/>
+              <a:t>def </a:t>
+            </a:r>
+            <a:r>
+              <a:rPr lang="en-US" altLang="ko-KR" b="1"/>
+              <a:t>get(self):</a:t>
+            </a:r>
+            <a:endParaRPr lang="en-US" altLang="ko-KR"/>
+          </a:p>
+          <a:p>
+            <a:pPr fontAlgn="base"/>
+            <a:r>
+              <a:rPr lang="en-US" altLang="ko-KR" b="1" smtClean="0"/>
+              <a:t>    headers </a:t>
+            </a:r>
+            <a:r>
+              <a:rPr lang="en-US" altLang="ko-KR" b="1"/>
+              <a:t>= {'X-Naver-Client-Id':self.naverid</a:t>
+            </a:r>
+            <a:r>
+              <a:rPr lang="en-US" altLang="ko-KR" b="1"/>
+              <a:t>, </a:t>
+            </a:r>
+            <a:r>
+              <a:rPr lang="en-US" altLang="ko-KR" b="1" smtClean="0"/>
+              <a:t>'X-Naver-Client-Secret</a:t>
+            </a:r>
+            <a:r>
+              <a:rPr lang="en-US" altLang="ko-KR" b="1"/>
+              <a:t>':self.naverpass}</a:t>
+            </a:r>
+            <a:endParaRPr lang="en-US" altLang="ko-KR"/>
+          </a:p>
+          <a:p>
+            <a:pPr fontAlgn="base"/>
+            <a:r>
+              <a:rPr lang="en-US" altLang="ko-KR" b="1" smtClean="0"/>
+              <a:t>    response </a:t>
+            </a:r>
+            <a:r>
+              <a:rPr lang="en-US" altLang="ko-KR" b="1"/>
+              <a:t>= requests.get(self.requrl, headers=headers)</a:t>
+            </a:r>
+            <a:endParaRPr lang="en-US" altLang="ko-KR"/>
+          </a:p>
+          <a:p>
+            <a:pPr fontAlgn="base"/>
+            <a:r>
+              <a:rPr lang="en-US" altLang="ko-KR" b="1" smtClean="0"/>
+              <a:t>    if </a:t>
+            </a:r>
+            <a:r>
+              <a:rPr lang="en-US" altLang="ko-KR" b="1"/>
+              <a:t>response.ok:</a:t>
+            </a:r>
+            <a:endParaRPr lang="en-US" altLang="ko-KR"/>
+          </a:p>
+          <a:p>
+            <a:pPr fontAlgn="base"/>
+            <a:r>
+              <a:rPr lang="en-US" altLang="ko-KR" b="1" smtClean="0"/>
+              <a:t>        jsonData </a:t>
+            </a:r>
+            <a:r>
+              <a:rPr lang="en-US" altLang="ko-KR" b="1"/>
+              <a:t>= json.loads(response.content)</a:t>
+            </a:r>
+            <a:endParaRPr lang="en-US" altLang="ko-KR"/>
+          </a:p>
+          <a:p>
+            <a:pPr fontAlgn="base"/>
+            <a:r>
+              <a:rPr lang="en-US" altLang="ko-KR" b="1" smtClean="0"/>
+              <a:t>        print(jsonData</a:t>
+            </a:r>
+            <a:r>
+              <a:rPr lang="en-US" altLang="ko-KR" b="1"/>
+              <a:t>['total'])</a:t>
+            </a:r>
+            <a:endParaRPr lang="en-US" altLang="ko-KR"/>
+          </a:p>
+          <a:p>
+            <a:pPr fontAlgn="base"/>
+            <a:r>
+              <a:rPr lang="en-US" altLang="ko-KR" b="1" smtClean="0"/>
+              <a:t>        print(jsonData</a:t>
+            </a:r>
+            <a:r>
+              <a:rPr lang="en-US" altLang="ko-KR" b="1"/>
+              <a:t>['display'])</a:t>
+            </a:r>
+            <a:endParaRPr lang="en-US" altLang="ko-KR"/>
+          </a:p>
+          <a:p>
+            <a:pPr fontAlgn="base"/>
+            <a:endParaRPr lang="ko-KR" altLang="en-US"/>
+          </a:p>
+          <a:p>
+            <a:pPr marL="0" indent="0">
+              <a:buNone/>
+            </a:pPr>
+            <a:endParaRPr lang="en-US" altLang="ko-KR"/>
+          </a:p>
+          <a:p>
+            <a:pPr marL="0" indent="0">
+              <a:buNone/>
+            </a:pPr>
+            <a:endParaRPr lang="en-US" altLang="ko-KR" smtClean="0"/>
+          </a:p>
+          <a:p>
+            <a:pPr marL="0" indent="0">
+              <a:buNone/>
+            </a:pPr>
+            <a:endParaRPr lang="ko-KR" altLang="en-US" dirty="0"/>
+          </a:p>
+        </p:txBody>
+      </p:sp>
+      <p:sp>
+        <p:nvSpPr>
+          <p:cNvPr id="4" name="TextBox 3"/>
+          <p:cNvSpPr txBox="1"/>
+          <p:nvPr/>
+        </p:nvSpPr>
+        <p:spPr>
+          <a:xfrm>
+            <a:off x="10504631" y="618517"/>
+            <a:ext cx="772969" cy="369332"/>
+          </a:xfrm>
+          <a:prstGeom prst="rect">
+            <a:avLst/>
+          </a:prstGeom>
+          <a:noFill/>
+        </p:spPr>
+        <p:txBody>
+          <a:bodyPr wrap="none" rtlCol="0">
+            <a:spAutoFit/>
+          </a:bodyPr>
+          <a:lstStyle/>
+          <a:p>
+            <a:r>
+              <a:rPr lang="en-US" altLang="ko-KR" smtClean="0"/>
+              <a:t>3</a:t>
+            </a:r>
+            <a:r>
+              <a:rPr lang="ko-KR" altLang="en-US" smtClean="0"/>
+              <a:t>차시</a:t>
+            </a:r>
+            <a:endParaRPr lang="ko-KR" altLang="en-US"/>
+          </a:p>
+        </p:txBody>
+      </p:sp>
+    </p:spTree>
+    <p:extLst>
+      <p:ext uri="{BB962C8B-B14F-4D97-AF65-F5344CB8AC3E}">
+        <p14:creationId xmlns:p14="http://schemas.microsoft.com/office/powerpoint/2010/main" val="1673379198"/>
+      </p:ext>
+    </p:extLst>
+  </p:cSld>
+  <p:clrMapOvr>
+    <a:masterClrMapping/>
+  </p:clrMapOvr>
+  <p:timing>
+    <p:tnLst>
+      <p:par>
+        <p:cTn id="1" dur="indefinite" restart="never" nodeType="tmRoot"/>
+      </p:par>
+    </p:tnLst>
+  </p:timing>
+</p:sld>
+</file>
+
+<file path=ppt/slides/slide23.xml><?xml version="1.0" encoding="utf-8"?>
+<p:sld xmlns:a="http://schemas.openxmlformats.org/drawingml/2006/main" xmlns:r="http://schemas.openxmlformats.org/officeDocument/2006/relationships" xmlns:p="http://schemas.openxmlformats.org/presentationml/2006/main">
+  <p:cSld>
+    <p:spTree>
+      <p:nvGrpSpPr>
+        <p:cNvPr id="1" name=""/>
+        <p:cNvGrpSpPr/>
+        <p:nvPr/>
+      </p:nvGrpSpPr>
+      <p:grpSpPr>
+        <a:xfrm>
+          <a:off x="0" y="0"/>
+          <a:ext cx="0" cy="0"/>
+          <a:chOff x="0" y="0"/>
+          <a:chExt cx="0" cy="0"/>
+        </a:xfrm>
+      </p:grpSpPr>
+      <p:sp>
+        <p:nvSpPr>
+          <p:cNvPr id="2" name="제목 1"/>
+          <p:cNvSpPr>
+            <a:spLocks noGrp="1"/>
+          </p:cNvSpPr>
+          <p:nvPr>
+            <p:ph type="title"/>
+          </p:nvPr>
+        </p:nvSpPr>
+        <p:spPr/>
+        <p:txBody>
+          <a:bodyPr/>
+          <a:lstStyle/>
+          <a:p>
+            <a:r>
+              <a:rPr lang="ko-KR" altLang="en-US" b="1" smtClean="0"/>
+              <a:t>이미지 가져오기</a:t>
+            </a:r>
+            <a:r>
+              <a:rPr lang="en-US" altLang="ko-KR" b="1" smtClean="0"/>
+              <a:t>!!</a:t>
+            </a:r>
+            <a:endParaRPr lang="ko-KR" altLang="en-US" b="1" dirty="0"/>
+          </a:p>
+        </p:txBody>
+      </p:sp>
+      <p:sp>
+        <p:nvSpPr>
+          <p:cNvPr id="3" name="내용 개체 틀 2"/>
+          <p:cNvSpPr>
+            <a:spLocks noGrp="1"/>
+          </p:cNvSpPr>
+          <p:nvPr>
+            <p:ph sz="quarter" idx="13"/>
+          </p:nvPr>
+        </p:nvSpPr>
+        <p:spPr/>
+        <p:txBody>
+          <a:bodyPr>
+            <a:normAutofit fontScale="77500" lnSpcReduction="20000"/>
+          </a:bodyPr>
+          <a:lstStyle/>
+          <a:p>
+            <a:pPr fontAlgn="base"/>
+            <a:r>
+              <a:rPr lang="en-US" altLang="ko-KR" b="1" smtClean="0"/>
+              <a:t>… get </a:t>
+            </a:r>
+            <a:r>
+              <a:rPr lang="ko-KR" altLang="en-US" b="1" smtClean="0"/>
+              <a:t>메소드 </a:t>
+            </a:r>
+            <a:r>
+              <a:rPr lang="en-US" altLang="ko-KR" b="1" smtClean="0"/>
+              <a:t>…</a:t>
+            </a:r>
+          </a:p>
+          <a:p>
+            <a:pPr fontAlgn="base"/>
+            <a:r>
+              <a:rPr lang="en-US" altLang="ko-KR" b="1"/>
+              <a:t>jsonData = </a:t>
+            </a:r>
+            <a:r>
+              <a:rPr lang="en-US" altLang="ko-KR" b="1"/>
+              <a:t>json.loads(response.content</a:t>
+            </a:r>
+            <a:r>
+              <a:rPr lang="en-US" altLang="ko-KR" b="1" smtClean="0"/>
+              <a:t>)</a:t>
+            </a:r>
+            <a:endParaRPr lang="ko-KR" altLang="en-US"/>
+          </a:p>
+          <a:p>
+            <a:pPr fontAlgn="base"/>
+            <a:r>
+              <a:rPr lang="en-US" altLang="ko-KR" b="1"/>
+              <a:t>for imgdata in jsonData['items</a:t>
+            </a:r>
+            <a:r>
+              <a:rPr lang="en-US" altLang="ko-KR" b="1"/>
+              <a:t>']: </a:t>
+            </a:r>
+            <a:endParaRPr lang="en-US" altLang="ko-KR" b="1" smtClean="0"/>
+          </a:p>
+          <a:p>
+            <a:pPr fontAlgn="base"/>
+            <a:r>
+              <a:rPr lang="en-US" altLang="ko-KR" b="1"/>
+              <a:t> </a:t>
+            </a:r>
+            <a:r>
+              <a:rPr lang="en-US" altLang="ko-KR" b="1" smtClean="0"/>
+              <a:t>   imgurl </a:t>
+            </a:r>
+            <a:r>
+              <a:rPr lang="en-US" altLang="ko-KR" b="1"/>
+              <a:t>= imgdata['link'] # </a:t>
+            </a:r>
+            <a:r>
+              <a:rPr lang="ko-KR" altLang="en-US" b="1"/>
+              <a:t>실제 </a:t>
+            </a:r>
+            <a:r>
+              <a:rPr lang="en-US" altLang="ko-KR" b="1"/>
+              <a:t>link</a:t>
+            </a:r>
+            <a:r>
+              <a:rPr lang="ko-KR" altLang="en-US" b="1"/>
+              <a:t>에 이미지</a:t>
+            </a:r>
+            <a:r>
+              <a:rPr lang="en-US" altLang="ko-KR" b="1"/>
+              <a:t>url</a:t>
+            </a:r>
+            <a:r>
+              <a:rPr lang="ko-KR" altLang="en-US" b="1"/>
+              <a:t>이 있음</a:t>
+            </a:r>
+            <a:r>
+              <a:rPr lang="en-US" altLang="ko-KR" b="1"/>
+              <a:t>..</a:t>
+            </a:r>
+            <a:endParaRPr lang="ko-KR" altLang="en-US"/>
+          </a:p>
+          <a:p>
+            <a:pPr fontAlgn="base"/>
+            <a:r>
+              <a:rPr lang="en-US" altLang="ko-KR" b="1" smtClean="0"/>
+              <a:t>    img </a:t>
+            </a:r>
+            <a:r>
+              <a:rPr lang="en-US" altLang="ko-KR" b="1"/>
+              <a:t>= requests.get(imgurl) # </a:t>
+            </a:r>
+            <a:r>
+              <a:rPr lang="ko-KR" altLang="en-US" b="1"/>
+              <a:t>이미지 </a:t>
+            </a:r>
+            <a:r>
+              <a:rPr lang="en-US" altLang="ko-KR" b="1"/>
+              <a:t>url</a:t>
+            </a:r>
+            <a:r>
+              <a:rPr lang="ko-KR" altLang="en-US" b="1"/>
+              <a:t>도 </a:t>
+            </a:r>
+            <a:r>
+              <a:rPr lang="en-US" altLang="ko-KR" b="1"/>
+              <a:t>requests</a:t>
+            </a:r>
+            <a:r>
+              <a:rPr lang="ko-KR" altLang="en-US" b="1"/>
+              <a:t>로 받아옴</a:t>
+            </a:r>
+            <a:r>
+              <a:rPr lang="en-US" altLang="ko-KR" b="1"/>
+              <a:t>..</a:t>
+            </a:r>
+            <a:endParaRPr lang="ko-KR" altLang="en-US"/>
+          </a:p>
+          <a:p>
+            <a:pPr fontAlgn="base"/>
+            <a:r>
+              <a:rPr lang="en-US" altLang="ko-KR" b="1" smtClean="0"/>
+              <a:t>    if </a:t>
+            </a:r>
+            <a:r>
+              <a:rPr lang="en-US" altLang="ko-KR" b="1"/>
+              <a:t>img.ok:</a:t>
+            </a:r>
+            <a:endParaRPr lang="en-US" altLang="ko-KR"/>
+          </a:p>
+          <a:p>
+            <a:pPr fontAlgn="base"/>
+            <a:r>
+              <a:rPr lang="en-US" altLang="ko-KR" b="1" smtClean="0"/>
+              <a:t>        with </a:t>
+            </a:r>
+            <a:r>
+              <a:rPr lang="en-US" altLang="ko-KR" b="1"/>
+              <a:t>open(self.query+str(self.start)+'.jpg', 'wb') as f: # </a:t>
+            </a:r>
+            <a:r>
+              <a:rPr lang="ko-KR" altLang="en-US" b="1"/>
+              <a:t>파일저장</a:t>
+            </a:r>
+            <a:endParaRPr lang="ko-KR" altLang="en-US"/>
+          </a:p>
+          <a:p>
+            <a:pPr fontAlgn="base"/>
+            <a:r>
+              <a:rPr lang="en-US" altLang="ko-KR" b="1" smtClean="0"/>
+              <a:t>            f.write(img.content</a:t>
+            </a:r>
+            <a:r>
+              <a:rPr lang="en-US" altLang="ko-KR" b="1"/>
+              <a:t>)</a:t>
+            </a:r>
+            <a:endParaRPr lang="en-US" altLang="ko-KR"/>
+          </a:p>
+          <a:p>
+            <a:pPr fontAlgn="base"/>
+            <a:r>
+              <a:rPr lang="en-US" altLang="ko-KR" b="1" smtClean="0"/>
+              <a:t>            print</a:t>
+            </a:r>
+            <a:r>
+              <a:rPr lang="en-US" altLang="ko-KR" b="1"/>
+              <a:t>('.', end='') # </a:t>
+            </a:r>
+            <a:r>
+              <a:rPr lang="ko-KR" altLang="en-US" b="1"/>
+              <a:t>그냥 기다리기 지루하므로 </a:t>
+            </a:r>
+            <a:r>
+              <a:rPr lang="en-US" altLang="ko-KR" b="1"/>
+              <a:t>.</a:t>
+            </a:r>
+            <a:r>
+              <a:rPr lang="ko-KR" altLang="en-US" b="1"/>
+              <a:t>출력</a:t>
+            </a:r>
+            <a:r>
+              <a:rPr lang="en-US" altLang="ko-KR" b="1"/>
+              <a:t>...</a:t>
+            </a:r>
+            <a:endParaRPr lang="ko-KR" altLang="en-US"/>
+          </a:p>
+          <a:p>
+            <a:pPr marL="0" indent="0">
+              <a:buNone/>
+            </a:pPr>
+            <a:endParaRPr lang="en-US" altLang="ko-KR"/>
+          </a:p>
+          <a:p>
+            <a:pPr marL="0" indent="0">
+              <a:buNone/>
+            </a:pPr>
+            <a:endParaRPr lang="en-US" altLang="ko-KR" smtClean="0"/>
+          </a:p>
+          <a:p>
+            <a:pPr marL="0" indent="0">
+              <a:buNone/>
+            </a:pPr>
+            <a:endParaRPr lang="ko-KR" altLang="en-US" dirty="0"/>
+          </a:p>
+        </p:txBody>
+      </p:sp>
+      <p:sp>
+        <p:nvSpPr>
+          <p:cNvPr id="4" name="TextBox 3"/>
+          <p:cNvSpPr txBox="1"/>
+          <p:nvPr/>
+        </p:nvSpPr>
+        <p:spPr>
+          <a:xfrm>
+            <a:off x="10504631" y="618517"/>
+            <a:ext cx="772969" cy="369332"/>
+          </a:xfrm>
+          <a:prstGeom prst="rect">
+            <a:avLst/>
+          </a:prstGeom>
+          <a:noFill/>
+        </p:spPr>
+        <p:txBody>
+          <a:bodyPr wrap="none" rtlCol="0">
+            <a:spAutoFit/>
+          </a:bodyPr>
+          <a:lstStyle/>
+          <a:p>
+            <a:r>
+              <a:rPr lang="en-US" altLang="ko-KR" smtClean="0"/>
+              <a:t>3</a:t>
+            </a:r>
+            <a:r>
+              <a:rPr lang="ko-KR" altLang="en-US" smtClean="0"/>
+              <a:t>차시</a:t>
+            </a:r>
+            <a:endParaRPr lang="ko-KR" altLang="en-US"/>
+          </a:p>
+        </p:txBody>
+      </p:sp>
+    </p:spTree>
+    <p:extLst>
+      <p:ext uri="{BB962C8B-B14F-4D97-AF65-F5344CB8AC3E}">
+        <p14:creationId xmlns:p14="http://schemas.microsoft.com/office/powerpoint/2010/main" val="1443965166"/>
+      </p:ext>
+    </p:extLst>
+  </p:cSld>
+  <p:clrMapOvr>
+    <a:masterClrMapping/>
+  </p:clrMapOvr>
+  <p:timing>
+    <p:tnLst>
+      <p:par>
+        <p:cTn id="1" dur="indefinite" restart="never" nodeType="tmRoot"/>
+      </p:par>
+    </p:tnLst>
+  </p:timing>
+</p:sld>
+</file>
+
+<file path=ppt/slides/slide24.xml><?xml version="1.0" encoding="utf-8"?>
+<p:sld xmlns:a="http://schemas.openxmlformats.org/drawingml/2006/main" xmlns:r="http://schemas.openxmlformats.org/officeDocument/2006/relationships" xmlns:p="http://schemas.openxmlformats.org/presentationml/2006/main">
+  <p:cSld>
+    <p:spTree>
+      <p:nvGrpSpPr>
+        <p:cNvPr id="1" name=""/>
+        <p:cNvGrpSpPr/>
+        <p:nvPr/>
+      </p:nvGrpSpPr>
+      <p:grpSpPr>
+        <a:xfrm>
+          <a:off x="0" y="0"/>
+          <a:ext cx="0" cy="0"/>
+          <a:chOff x="0" y="0"/>
+          <a:chExt cx="0" cy="0"/>
+        </a:xfrm>
+      </p:grpSpPr>
+      <p:sp>
+        <p:nvSpPr>
+          <p:cNvPr id="2" name="제목 1"/>
+          <p:cNvSpPr>
+            <a:spLocks noGrp="1"/>
+          </p:cNvSpPr>
+          <p:nvPr>
+            <p:ph type="title"/>
+          </p:nvPr>
+        </p:nvSpPr>
+        <p:spPr/>
+        <p:txBody>
+          <a:bodyPr/>
+          <a:lstStyle/>
+          <a:p>
+            <a:r>
+              <a:rPr lang="ko-KR" altLang="en-US" b="1" smtClean="0"/>
+              <a:t>가져온 이미지 학습시키기</a:t>
+            </a:r>
+            <a:r>
+              <a:rPr lang="en-US" altLang="ko-KR" b="1" smtClean="0"/>
+              <a:t>(withgoogle)</a:t>
+            </a:r>
+            <a:endParaRPr lang="ko-KR" altLang="en-US" b="1" dirty="0"/>
+          </a:p>
+        </p:txBody>
+      </p:sp>
+      <p:sp>
+        <p:nvSpPr>
+          <p:cNvPr id="3" name="내용 개체 틀 2"/>
+          <p:cNvSpPr>
+            <a:spLocks noGrp="1"/>
+          </p:cNvSpPr>
+          <p:nvPr>
+            <p:ph sz="quarter" idx="13"/>
+          </p:nvPr>
+        </p:nvSpPr>
+        <p:spPr/>
+        <p:txBody>
+          <a:bodyPr>
+            <a:normAutofit/>
+          </a:bodyPr>
+          <a:lstStyle/>
+          <a:p>
+            <a:pPr marL="0" indent="0">
+              <a:buNone/>
+            </a:pPr>
+            <a:endParaRPr lang="en-US" altLang="ko-KR" smtClean="0"/>
+          </a:p>
+          <a:p>
+            <a:pPr marL="0" indent="0">
+              <a:buNone/>
+            </a:pPr>
+            <a:r>
+              <a:rPr lang="en-US" altLang="ko-KR">
+                <a:hlinkClick r:id="rId2"/>
+              </a:rPr>
+              <a:t>https://</a:t>
+            </a:r>
+            <a:r>
+              <a:rPr lang="en-US" altLang="ko-KR">
+                <a:hlinkClick r:id="rId2"/>
+              </a:rPr>
+              <a:t>teachablemachine.withgoogle.com</a:t>
+            </a:r>
+            <a:r>
+              <a:rPr lang="en-US" altLang="ko-KR" smtClean="0">
+                <a:hlinkClick r:id="rId2"/>
+              </a:rPr>
+              <a:t>/</a:t>
+            </a:r>
+            <a:endParaRPr lang="en-US" altLang="ko-KR" smtClean="0"/>
+          </a:p>
+          <a:p>
+            <a:pPr marL="0" indent="0">
+              <a:buNone/>
+            </a:pPr>
+            <a:endParaRPr lang="en-US" altLang="ko-KR"/>
+          </a:p>
+          <a:p>
+            <a:pPr marL="0" indent="0">
+              <a:buNone/>
+            </a:pPr>
+            <a:r>
+              <a:rPr lang="ko-KR" altLang="en-US" smtClean="0"/>
+              <a:t>닮은꼴연예인</a:t>
+            </a:r>
+            <a:endParaRPr lang="en-US" altLang="ko-KR"/>
+          </a:p>
+          <a:p>
+            <a:pPr marL="0" indent="0">
+              <a:buNone/>
+            </a:pPr>
+            <a:endParaRPr lang="en-US" altLang="ko-KR" smtClean="0"/>
+          </a:p>
+          <a:p>
+            <a:pPr marL="0" indent="0">
+              <a:buNone/>
+            </a:pPr>
+            <a:endParaRPr lang="ko-KR" altLang="en-US" dirty="0"/>
+          </a:p>
+        </p:txBody>
+      </p:sp>
+      <p:sp>
+        <p:nvSpPr>
+          <p:cNvPr id="4" name="TextBox 3"/>
+          <p:cNvSpPr txBox="1"/>
+          <p:nvPr/>
+        </p:nvSpPr>
+        <p:spPr>
+          <a:xfrm>
+            <a:off x="10504631" y="618517"/>
+            <a:ext cx="772969" cy="369332"/>
+          </a:xfrm>
+          <a:prstGeom prst="rect">
+            <a:avLst/>
+          </a:prstGeom>
+          <a:noFill/>
+        </p:spPr>
+        <p:txBody>
+          <a:bodyPr wrap="none" rtlCol="0">
+            <a:spAutoFit/>
+          </a:bodyPr>
+          <a:lstStyle/>
+          <a:p>
+            <a:r>
+              <a:rPr lang="en-US" altLang="ko-KR" smtClean="0"/>
+              <a:t>3</a:t>
+            </a:r>
+            <a:r>
+              <a:rPr lang="ko-KR" altLang="en-US" smtClean="0"/>
+              <a:t>차시</a:t>
+            </a:r>
+            <a:endParaRPr lang="ko-KR" altLang="en-US"/>
+          </a:p>
+        </p:txBody>
+      </p:sp>
+    </p:spTree>
+    <p:extLst>
+      <p:ext uri="{BB962C8B-B14F-4D97-AF65-F5344CB8AC3E}">
+        <p14:creationId xmlns:p14="http://schemas.microsoft.com/office/powerpoint/2010/main" val="3617588222"/>
+      </p:ext>
+    </p:extLst>
+  </p:cSld>
+  <p:clrMapOvr>
+    <a:masterClrMapping/>
+  </p:clrMapOvr>
+  <p:timing>
+    <p:tnLst>
+      <p:par>
+        <p:cTn id="1" dur="indefinite" restart="never" nodeType="tmRoot"/>
+      </p:par>
+    </p:tnLst>
+  </p:timing>
+</p:sld>
+</file>
+
+<file path=ppt/slides/slide25.xml><?xml version="1.0" encoding="utf-8"?>
+<p:sld xmlns:a="http://schemas.openxmlformats.org/drawingml/2006/main" xmlns:r="http://schemas.openxmlformats.org/officeDocument/2006/relationships" xmlns:p="http://schemas.openxmlformats.org/presentationml/2006/main">
+  <p:cSld>
+    <p:spTree>
+      <p:nvGrpSpPr>
+        <p:cNvPr id="1" name=""/>
+        <p:cNvGrpSpPr/>
+        <p:nvPr/>
+      </p:nvGrpSpPr>
+      <p:grpSpPr>
+        <a:xfrm>
+          <a:off x="0" y="0"/>
+          <a:ext cx="0" cy="0"/>
+          <a:chOff x="0" y="0"/>
+          <a:chExt cx="0" cy="0"/>
+        </a:xfrm>
+      </p:grpSpPr>
+      <p:sp>
+        <p:nvSpPr>
+          <p:cNvPr id="2" name="제목 1"/>
+          <p:cNvSpPr>
+            <a:spLocks noGrp="1"/>
+          </p:cNvSpPr>
+          <p:nvPr>
+            <p:ph type="title"/>
+          </p:nvPr>
+        </p:nvSpPr>
+        <p:spPr/>
+        <p:txBody>
+          <a:bodyPr/>
+          <a:lstStyle/>
+          <a:p>
+            <a:r>
+              <a:rPr lang="en-US" altLang="ko-KR" b="1" smtClean="0"/>
+              <a:t>git hub</a:t>
+            </a:r>
+            <a:r>
+              <a:rPr lang="ko-KR" altLang="en-US" b="1" smtClean="0"/>
+              <a:t>에서 쓸만한 </a:t>
+            </a:r>
+            <a:r>
+              <a:rPr lang="en-US" altLang="ko-KR" b="1" smtClean="0"/>
+              <a:t>python</a:t>
+            </a:r>
+            <a:r>
+              <a:rPr lang="ko-KR" altLang="en-US" b="1" smtClean="0"/>
+              <a:t>모듈 찾기</a:t>
+            </a:r>
+            <a:endParaRPr lang="ko-KR" altLang="en-US" b="1" dirty="0"/>
+          </a:p>
+        </p:txBody>
+      </p:sp>
+      <p:sp>
+        <p:nvSpPr>
+          <p:cNvPr id="3" name="내용 개체 틀 2"/>
+          <p:cNvSpPr>
+            <a:spLocks noGrp="1"/>
+          </p:cNvSpPr>
+          <p:nvPr>
+            <p:ph sz="quarter" idx="13"/>
+          </p:nvPr>
+        </p:nvSpPr>
+        <p:spPr/>
+        <p:txBody>
+          <a:bodyPr>
+            <a:normAutofit/>
+          </a:bodyPr>
+          <a:lstStyle/>
+          <a:p>
+            <a:pPr fontAlgn="base"/>
+            <a:r>
+              <a:rPr lang="en-US" altLang="ko-KR" smtClean="0"/>
+              <a:t>awesome python</a:t>
+            </a:r>
+            <a:endParaRPr lang="en-US" altLang="ko-KR"/>
+          </a:p>
+          <a:p>
+            <a:pPr marL="0" indent="0">
+              <a:buNone/>
+            </a:pPr>
+            <a:endParaRPr lang="en-US" altLang="ko-KR" smtClean="0"/>
+          </a:p>
+          <a:p>
+            <a:pPr marL="0" indent="0">
+              <a:buNone/>
+            </a:pPr>
+            <a:endParaRPr lang="ko-KR" altLang="en-US" dirty="0"/>
+          </a:p>
+        </p:txBody>
+      </p:sp>
+      <p:sp>
+        <p:nvSpPr>
+          <p:cNvPr id="4" name="TextBox 3"/>
+          <p:cNvSpPr txBox="1"/>
+          <p:nvPr/>
+        </p:nvSpPr>
+        <p:spPr>
+          <a:xfrm>
+            <a:off x="10504631" y="618517"/>
+            <a:ext cx="772969" cy="369332"/>
+          </a:xfrm>
+          <a:prstGeom prst="rect">
+            <a:avLst/>
+          </a:prstGeom>
+          <a:noFill/>
+        </p:spPr>
+        <p:txBody>
+          <a:bodyPr wrap="none" rtlCol="0">
+            <a:spAutoFit/>
+          </a:bodyPr>
+          <a:lstStyle/>
+          <a:p>
+            <a:r>
+              <a:rPr lang="en-US" altLang="ko-KR" smtClean="0"/>
+              <a:t>3</a:t>
+            </a:r>
+            <a:r>
+              <a:rPr lang="ko-KR" altLang="en-US" smtClean="0"/>
+              <a:t>차시</a:t>
+            </a:r>
+            <a:endParaRPr lang="ko-KR" altLang="en-US"/>
+          </a:p>
+        </p:txBody>
+      </p:sp>
+    </p:spTree>
+    <p:extLst>
+      <p:ext uri="{BB962C8B-B14F-4D97-AF65-F5344CB8AC3E}">
+        <p14:creationId xmlns:p14="http://schemas.microsoft.com/office/powerpoint/2010/main" val="547182600"/>
+      </p:ext>
+    </p:extLst>
+  </p:cSld>
+  <p:clrMapOvr>
+    <a:masterClrMapping/>
+  </p:clrMapOvr>
+  <p:timing>
+    <p:tnLst>
+      <p:par>
+        <p:cTn id="1" dur="indefinite" restart="never" nodeType="tmRoot"/>
+      </p:par>
+    </p:tnLst>
+  </p:timing>
 </p:sld>
 </file>
 
@@ -7693,6 +10384,40 @@
           </a:p>
         </p:txBody>
       </p:sp>
+      <p:sp>
+        <p:nvSpPr>
+          <p:cNvPr id="4" name="TextBox 3"/>
+          <p:cNvSpPr txBox="1"/>
+          <p:nvPr/>
+        </p:nvSpPr>
+        <p:spPr>
+          <a:xfrm>
+            <a:off x="10504631" y="618517"/>
+            <a:ext cx="772969" cy="369332"/>
+          </a:xfrm>
+          <a:prstGeom prst="rect">
+            <a:avLst/>
+          </a:prstGeom>
+          <a:noFill/>
+        </p:spPr>
+        <p:txBody>
+          <a:bodyPr wrap="none" rtlCol="0">
+            <a:spAutoFit/>
+          </a:bodyPr>
+          <a:lstStyle/>
+          <a:p>
+            <a:r>
+              <a:rPr lang="en-US" altLang="ko-KR" smtClean="0"/>
+              <a:t>1</a:t>
+            </a:r>
+            <a:r>
+              <a:rPr lang="ko-KR" altLang="en-US" smtClean="0"/>
+              <a:t>차시</a:t>
+            </a:r>
+            <a:endParaRPr lang="ko-KR" altLang="en-US"/>
+          </a:p>
+        </p:txBody>
+      </p:sp>
     </p:spTree>
     <p:extLst>
       <p:ext uri="{BB962C8B-B14F-4D97-AF65-F5344CB8AC3E}">
@@ -7889,6 +10614,40 @@
           </a:p>
         </p:txBody>
       </p:sp>
+      <p:sp>
+        <p:nvSpPr>
+          <p:cNvPr id="4" name="TextBox 3"/>
+          <p:cNvSpPr txBox="1"/>
+          <p:nvPr/>
+        </p:nvSpPr>
+        <p:spPr>
+          <a:xfrm>
+            <a:off x="10504631" y="618517"/>
+            <a:ext cx="772969" cy="369332"/>
+          </a:xfrm>
+          <a:prstGeom prst="rect">
+            <a:avLst/>
+          </a:prstGeom>
+          <a:noFill/>
+        </p:spPr>
+        <p:txBody>
+          <a:bodyPr wrap="none" rtlCol="0">
+            <a:spAutoFit/>
+          </a:bodyPr>
+          <a:lstStyle/>
+          <a:p>
+            <a:r>
+              <a:rPr lang="en-US" altLang="ko-KR" smtClean="0"/>
+              <a:t>1</a:t>
+            </a:r>
+            <a:r>
+              <a:rPr lang="ko-KR" altLang="en-US" smtClean="0"/>
+              <a:t>차시</a:t>
+            </a:r>
+            <a:endParaRPr lang="ko-KR" altLang="en-US"/>
+          </a:p>
+        </p:txBody>
+      </p:sp>
     </p:spTree>
     <p:extLst>
       <p:ext uri="{BB962C8B-B14F-4D97-AF65-F5344CB8AC3E}">
@@ -7966,6 +10725,40 @@
           </a:prstGeom>
         </p:spPr>
       </p:pic>
+      <p:sp>
+        <p:nvSpPr>
+          <p:cNvPr id="5" name="TextBox 4"/>
+          <p:cNvSpPr txBox="1"/>
+          <p:nvPr/>
+        </p:nvSpPr>
+        <p:spPr>
+          <a:xfrm>
+            <a:off x="10504631" y="618517"/>
+            <a:ext cx="772969" cy="369332"/>
+          </a:xfrm>
+          <a:prstGeom prst="rect">
+            <a:avLst/>
+          </a:prstGeom>
+          <a:noFill/>
+        </p:spPr>
+        <p:txBody>
+          <a:bodyPr wrap="none" rtlCol="0">
+            <a:spAutoFit/>
+          </a:bodyPr>
+          <a:lstStyle/>
+          <a:p>
+            <a:r>
+              <a:rPr lang="en-US" altLang="ko-KR" smtClean="0"/>
+              <a:t>1</a:t>
+            </a:r>
+            <a:r>
+              <a:rPr lang="ko-KR" altLang="en-US" smtClean="0"/>
+              <a:t>차시</a:t>
+            </a:r>
+            <a:endParaRPr lang="ko-KR" altLang="en-US"/>
+          </a:p>
+        </p:txBody>
+      </p:sp>
     </p:spTree>
     <p:extLst>
       <p:ext uri="{BB962C8B-B14F-4D97-AF65-F5344CB8AC3E}">
@@ -8195,6 +10988,40 @@
           </a:p>
         </p:txBody>
       </p:sp>
+      <p:sp>
+        <p:nvSpPr>
+          <p:cNvPr id="4" name="TextBox 3"/>
+          <p:cNvSpPr txBox="1"/>
+          <p:nvPr/>
+        </p:nvSpPr>
+        <p:spPr>
+          <a:xfrm>
+            <a:off x="10504631" y="618517"/>
+            <a:ext cx="772969" cy="369332"/>
+          </a:xfrm>
+          <a:prstGeom prst="rect">
+            <a:avLst/>
+          </a:prstGeom>
+          <a:noFill/>
+        </p:spPr>
+        <p:txBody>
+          <a:bodyPr wrap="none" rtlCol="0">
+            <a:spAutoFit/>
+          </a:bodyPr>
+          <a:lstStyle/>
+          <a:p>
+            <a:r>
+              <a:rPr lang="en-US" altLang="ko-KR" smtClean="0"/>
+              <a:t>1</a:t>
+            </a:r>
+            <a:r>
+              <a:rPr lang="ko-KR" altLang="en-US" smtClean="0"/>
+              <a:t>차시</a:t>
+            </a:r>
+            <a:endParaRPr lang="ko-KR" altLang="en-US"/>
+          </a:p>
+        </p:txBody>
+      </p:sp>
     </p:spTree>
     <p:extLst>
       <p:ext uri="{BB962C8B-B14F-4D97-AF65-F5344CB8AC3E}">
@@ -8366,6 +11193,40 @@
           </a:p>
           <a:p>
             <a:endParaRPr lang="ko-KR" altLang="en-US" dirty="0"/>
+          </a:p>
+        </p:txBody>
+      </p:sp>
+      <p:sp>
+        <p:nvSpPr>
+          <p:cNvPr id="4" name="TextBox 3"/>
+          <p:cNvSpPr txBox="1"/>
+          <p:nvPr/>
+        </p:nvSpPr>
+        <p:spPr>
+          <a:xfrm>
+            <a:off x="10504631" y="618517"/>
+            <a:ext cx="772969" cy="369332"/>
+          </a:xfrm>
+          <a:prstGeom prst="rect">
+            <a:avLst/>
+          </a:prstGeom>
+          <a:noFill/>
+        </p:spPr>
+        <p:txBody>
+          <a:bodyPr wrap="none" rtlCol="0">
+            <a:spAutoFit/>
+          </a:bodyPr>
+          <a:lstStyle/>
+          <a:p>
+            <a:r>
+              <a:rPr lang="en-US" altLang="ko-KR" smtClean="0"/>
+              <a:t>1</a:t>
+            </a:r>
+            <a:r>
+              <a:rPr lang="ko-KR" altLang="en-US" smtClean="0"/>
+              <a:t>차시</a:t>
+            </a:r>
+            <a:endParaRPr lang="ko-KR" altLang="en-US"/>
           </a:p>
         </p:txBody>
       </p:sp>

--- a/SW선도교원 연수.pptx
+++ b/SW선도교원 연수.pptx
@@ -12,13 +12,13 @@
     <p:sldId id="260" r:id="rId6"/>
     <p:sldId id="261" r:id="rId7"/>
     <p:sldId id="263" r:id="rId8"/>
-    <p:sldId id="264" r:id="rId9"/>
-    <p:sldId id="265" r:id="rId10"/>
-    <p:sldId id="266" r:id="rId11"/>
-    <p:sldId id="267" r:id="rId12"/>
-    <p:sldId id="268" r:id="rId13"/>
-    <p:sldId id="269" r:id="rId14"/>
-    <p:sldId id="270" r:id="rId15"/>
+    <p:sldId id="283" r:id="rId9"/>
+    <p:sldId id="264" r:id="rId10"/>
+    <p:sldId id="265" r:id="rId11"/>
+    <p:sldId id="266" r:id="rId12"/>
+    <p:sldId id="267" r:id="rId13"/>
+    <p:sldId id="268" r:id="rId14"/>
+    <p:sldId id="269" r:id="rId15"/>
     <p:sldId id="271" r:id="rId16"/>
     <p:sldId id="272" r:id="rId17"/>
     <p:sldId id="273" r:id="rId18"/>
@@ -30,6 +30,7 @@
     <p:sldId id="279" r:id="rId24"/>
     <p:sldId id="281" r:id="rId25"/>
     <p:sldId id="280" r:id="rId26"/>
+    <p:sldId id="282" r:id="rId27"/>
   </p:sldIdLst>
   <p:sldSz cx="12192000" cy="6858000"/>
   <p:notesSz cx="6858000" cy="9144000"/>
@@ -307,7 +308,7 @@
           <a:p>
             <a:fld id="{48A87A34-81AB-432B-8DAE-1953F412C126}" type="datetimeFigureOut">
               <a:rPr lang="en-US" dirty="0"/>
-              <a:t>10/12/2020</a:t>
+              <a:t>10/24/2020</a:t>
             </a:fld>
             <a:endParaRPr lang="en-US" dirty="0"/>
           </a:p>
@@ -614,7 +615,7 @@
           <a:p>
             <a:fld id="{48A87A34-81AB-432B-8DAE-1953F412C126}" type="datetimeFigureOut">
               <a:rPr lang="en-US" dirty="0"/>
-              <a:t>10/12/2020</a:t>
+              <a:t>10/24/2020</a:t>
             </a:fld>
             <a:endParaRPr lang="en-US" dirty="0"/>
           </a:p>
@@ -831,7 +832,7 @@
           <a:p>
             <a:fld id="{48A87A34-81AB-432B-8DAE-1953F412C126}" type="datetimeFigureOut">
               <a:rPr lang="en-US" dirty="0"/>
-              <a:t>10/12/2020</a:t>
+              <a:t>10/24/2020</a:t>
             </a:fld>
             <a:endParaRPr lang="en-US" dirty="0"/>
           </a:p>
@@ -1117,7 +1118,7 @@
           <a:p>
             <a:fld id="{48A87A34-81AB-432B-8DAE-1953F412C126}" type="datetimeFigureOut">
               <a:rPr lang="en-US" dirty="0"/>
-              <a:t>10/12/2020</a:t>
+              <a:t>10/24/2020</a:t>
             </a:fld>
             <a:endParaRPr lang="en-US" dirty="0"/>
           </a:p>
@@ -1566,7 +1567,7 @@
           <a:p>
             <a:fld id="{48A87A34-81AB-432B-8DAE-1953F412C126}" type="datetimeFigureOut">
               <a:rPr lang="en-US" dirty="0"/>
-              <a:t>10/12/2020</a:t>
+              <a:t>10/24/2020</a:t>
             </a:fld>
             <a:endParaRPr lang="en-US" dirty="0"/>
           </a:p>
@@ -2137,7 +2138,7 @@
           <a:p>
             <a:fld id="{48A87A34-81AB-432B-8DAE-1953F412C126}" type="datetimeFigureOut">
               <a:rPr lang="en-US" dirty="0"/>
-              <a:t>10/12/2020</a:t>
+              <a:t>10/24/2020</a:t>
             </a:fld>
             <a:endParaRPr lang="en-US" dirty="0"/>
           </a:p>
@@ -2984,7 +2985,7 @@
           <a:p>
             <a:fld id="{48A87A34-81AB-432B-8DAE-1953F412C126}" type="datetimeFigureOut">
               <a:rPr lang="en-US" dirty="0"/>
-              <a:t>10/12/2020</a:t>
+              <a:t>10/24/2020</a:t>
             </a:fld>
             <a:endParaRPr lang="en-US" dirty="0"/>
           </a:p>
@@ -3184,7 +3185,7 @@
           <a:p>
             <a:fld id="{48A87A34-81AB-432B-8DAE-1953F412C126}" type="datetimeFigureOut">
               <a:rPr lang="en-US" dirty="0"/>
-              <a:t>10/12/2020</a:t>
+              <a:t>10/24/2020</a:t>
             </a:fld>
             <a:endParaRPr lang="en-US" dirty="0"/>
           </a:p>
@@ -3393,7 +3394,7 @@
           <a:p>
             <a:fld id="{48A87A34-81AB-432B-8DAE-1953F412C126}" type="datetimeFigureOut">
               <a:rPr lang="en-US" dirty="0"/>
-              <a:t>10/12/2020</a:t>
+              <a:t>10/24/2020</a:t>
             </a:fld>
             <a:endParaRPr lang="en-US" dirty="0"/>
           </a:p>
@@ -3593,7 +3594,7 @@
           <a:p>
             <a:fld id="{48A87A34-81AB-432B-8DAE-1953F412C126}" type="datetimeFigureOut">
               <a:rPr lang="en-US" dirty="0"/>
-              <a:t>10/12/2020</a:t>
+              <a:t>10/24/2020</a:t>
             </a:fld>
             <a:endParaRPr lang="en-US" dirty="0"/>
           </a:p>
@@ -3868,7 +3869,7 @@
           <a:p>
             <a:fld id="{48A87A34-81AB-432B-8DAE-1953F412C126}" type="datetimeFigureOut">
               <a:rPr lang="en-US" dirty="0"/>
-              <a:t>10/12/2020</a:t>
+              <a:t>10/24/2020</a:t>
             </a:fld>
             <a:endParaRPr lang="en-US" dirty="0"/>
           </a:p>
@@ -4130,7 +4131,7 @@
           <a:p>
             <a:fld id="{48A87A34-81AB-432B-8DAE-1953F412C126}" type="datetimeFigureOut">
               <a:rPr lang="en-US" dirty="0"/>
-              <a:t>10/12/2020</a:t>
+              <a:t>10/24/2020</a:t>
             </a:fld>
             <a:endParaRPr lang="en-US" dirty="0"/>
           </a:p>
@@ -4540,7 +4541,7 @@
           <a:p>
             <a:fld id="{48A87A34-81AB-432B-8DAE-1953F412C126}" type="datetimeFigureOut">
               <a:rPr lang="en-US" dirty="0"/>
-              <a:t>10/12/2020</a:t>
+              <a:t>10/24/2020</a:t>
             </a:fld>
             <a:endParaRPr lang="en-US" dirty="0"/>
           </a:p>
@@ -4683,7 +4684,7 @@
           <a:p>
             <a:fld id="{48A87A34-81AB-432B-8DAE-1953F412C126}" type="datetimeFigureOut">
               <a:rPr lang="en-US" dirty="0"/>
-              <a:t>10/12/2020</a:t>
+              <a:t>10/24/2020</a:t>
             </a:fld>
             <a:endParaRPr lang="en-US" dirty="0"/>
           </a:p>
@@ -4803,7 +4804,7 @@
           <a:p>
             <a:fld id="{48A87A34-81AB-432B-8DAE-1953F412C126}" type="datetimeFigureOut">
               <a:rPr lang="en-US" dirty="0"/>
-              <a:t>10/12/2020</a:t>
+              <a:t>10/24/2020</a:t>
             </a:fld>
             <a:endParaRPr lang="en-US" dirty="0"/>
           </a:p>
@@ -5077,7 +5078,7 @@
           <a:p>
             <a:fld id="{48A87A34-81AB-432B-8DAE-1953F412C126}" type="datetimeFigureOut">
               <a:rPr lang="en-US" dirty="0"/>
-              <a:t>10/12/2020</a:t>
+              <a:t>10/24/2020</a:t>
             </a:fld>
             <a:endParaRPr lang="en-US" dirty="0"/>
           </a:p>
@@ -5384,7 +5385,7 @@
           <a:p>
             <a:fld id="{48A87A34-81AB-432B-8DAE-1953F412C126}" type="datetimeFigureOut">
               <a:rPr lang="en-US" dirty="0"/>
-              <a:t>10/12/2020</a:t>
+              <a:t>10/24/2020</a:t>
             </a:fld>
             <a:endParaRPr lang="en-US" dirty="0"/>
           </a:p>
@@ -5633,7 +5634,7 @@
             <a:fld id="{48A87A34-81AB-432B-8DAE-1953F412C126}" type="datetimeFigureOut">
               <a:rPr lang="en-US" dirty="0"/>
               <a:pPr/>
-              <a:t>10/12/2020</a:t>
+              <a:t>10/24/2020</a:t>
             </a:fld>
             <a:endParaRPr lang="en-US" dirty="0"/>
           </a:p>
@@ -6181,7 +6182,7 @@
           <a:p>
             <a:r>
               <a:rPr lang="en-US" altLang="ko-KR" b="1" dirty="0" smtClean="0"/>
-              <a:t>requests</a:t>
+              <a:t>Use Point Class</a:t>
             </a:r>
             <a:endParaRPr lang="ko-KR" altLang="en-US" b="1" dirty="0"/>
           </a:p>
@@ -6204,46 +6205,106 @@
           </a:bodyPr>
           <a:lstStyle/>
           <a:p>
-            <a:pPr marL="0" indent="0">
-              <a:buNone/>
-            </a:pPr>
-            <a:r>
-              <a:rPr lang="en-US" altLang="ko-KR" smtClean="0"/>
-              <a:t>% pip requests</a:t>
-            </a:r>
-          </a:p>
-          <a:p>
-            <a:pPr marL="0" indent="0">
-              <a:buNone/>
-            </a:pPr>
-            <a:endParaRPr lang="en-US" altLang="ko-KR"/>
-          </a:p>
-          <a:p>
-            <a:pPr marL="0" indent="0">
-              <a:buNone/>
-            </a:pPr>
-            <a:r>
-              <a:rPr lang="en-US" altLang="ko-KR" smtClean="0"/>
-              <a:t>import requests</a:t>
-            </a:r>
-          </a:p>
-          <a:p>
-            <a:pPr marL="0" indent="0">
-              <a:buNone/>
-            </a:pPr>
-            <a:r>
-              <a:rPr lang="en-US" altLang="ko-KR" smtClean="0"/>
-              <a:t>resp = requests.get(‘http://www.google.com’)</a:t>
-            </a:r>
-          </a:p>
-          <a:p>
-            <a:pPr marL="0" indent="0">
-              <a:buNone/>
-            </a:pPr>
-            <a:r>
-              <a:rPr lang="en-US" altLang="ko-KR" smtClean="0"/>
-              <a:t>print(resp.text)</a:t>
-            </a:r>
+            <a:r>
+              <a:rPr lang="en-US" altLang="ko-KR" dirty="0" smtClean="0"/>
+              <a:t>From </a:t>
+            </a:r>
+            <a:r>
+              <a:rPr lang="en-US" altLang="ko-KR" dirty="0" err="1" smtClean="0"/>
+              <a:t>pointclass</a:t>
+            </a:r>
+            <a:r>
+              <a:rPr lang="en-US" altLang="ko-KR" dirty="0" smtClean="0"/>
+              <a:t> import </a:t>
+            </a:r>
+            <a:r>
+              <a:rPr lang="en-US" altLang="ko-KR" dirty="0" err="1" smtClean="0"/>
+              <a:t>pipoint</a:t>
+            </a:r>
+            <a:endParaRPr lang="en-US" altLang="ko-KR" dirty="0" smtClean="0"/>
+          </a:p>
+          <a:p>
+            <a:r>
+              <a:rPr lang="en-US" altLang="ko-KR" dirty="0" smtClean="0"/>
+              <a:t>Origin = </a:t>
+            </a:r>
+            <a:r>
+              <a:rPr lang="en-US" altLang="ko-KR" dirty="0" err="1" smtClean="0"/>
+              <a:t>pipoint</a:t>
+            </a:r>
+            <a:r>
+              <a:rPr lang="en-US" altLang="ko-KR" dirty="0" smtClean="0"/>
+              <a:t>()</a:t>
+            </a:r>
+          </a:p>
+          <a:p>
+            <a:r>
+              <a:rPr lang="en-US" altLang="ko-KR" dirty="0" smtClean="0"/>
+              <a:t>P = </a:t>
+            </a:r>
+            <a:r>
+              <a:rPr lang="en-US" altLang="ko-KR" dirty="0" err="1" smtClean="0"/>
+              <a:t>pipoint</a:t>
+            </a:r>
+            <a:r>
+              <a:rPr lang="en-US" altLang="ko-KR" dirty="0" smtClean="0"/>
+              <a:t>(</a:t>
+            </a:r>
+            <a:r>
+              <a:rPr lang="en-US" altLang="ko-KR" dirty="0" err="1" smtClean="0"/>
+              <a:t>random.random</a:t>
+            </a:r>
+            <a:r>
+              <a:rPr lang="en-US" altLang="ko-KR" dirty="0" smtClean="0"/>
+              <a:t>()*100, </a:t>
+            </a:r>
+            <a:r>
+              <a:rPr lang="en-US" altLang="ko-KR" dirty="0" err="1" smtClean="0"/>
+              <a:t>random.random</a:t>
+            </a:r>
+            <a:r>
+              <a:rPr lang="en-US" altLang="ko-KR" dirty="0" smtClean="0"/>
+              <a:t>()*100)</a:t>
+            </a:r>
+          </a:p>
+          <a:p>
+            <a:r>
+              <a:rPr lang="en-US" altLang="ko-KR" dirty="0" smtClean="0"/>
+              <a:t>For I in range(100):</a:t>
+            </a:r>
+          </a:p>
+          <a:p>
+            <a:r>
+              <a:rPr lang="en-US" altLang="ko-KR" dirty="0"/>
+              <a:t> </a:t>
+            </a:r>
+            <a:r>
+              <a:rPr lang="en-US" altLang="ko-KR" dirty="0" smtClean="0"/>
+              <a:t>   print(</a:t>
+            </a:r>
+            <a:r>
+              <a:rPr lang="en-US" altLang="ko-KR" dirty="0" err="1" smtClean="0"/>
+              <a:t>p.dist</a:t>
+            </a:r>
+            <a:r>
+              <a:rPr lang="en-US" altLang="ko-KR" dirty="0" smtClean="0"/>
+              <a:t>(origin))</a:t>
+            </a:r>
+          </a:p>
+          <a:p>
+            <a:endParaRPr lang="en-US" altLang="ko-KR" dirty="0"/>
+          </a:p>
+          <a:p>
+            <a:r>
+              <a:rPr lang="en-US" altLang="ko-KR" dirty="0" smtClean="0"/>
+              <a:t>----</a:t>
+            </a:r>
+            <a:endParaRPr lang="en-US" altLang="ko-KR" dirty="0"/>
+          </a:p>
+          <a:p>
+            <a:endParaRPr lang="en-US" altLang="ko-KR" dirty="0"/>
+          </a:p>
+          <a:p>
             <a:endParaRPr lang="ko-KR" altLang="en-US" dirty="0"/>
           </a:p>
         </p:txBody>
@@ -6272,7 +6333,7 @@
           <a:p>
             <a:r>
               <a:rPr lang="en-US" altLang="ko-KR" smtClean="0"/>
-              <a:t>2</a:t>
+              <a:t>1</a:t>
             </a:r>
             <a:r>
               <a:rPr lang="ko-KR" altLang="en-US" smtClean="0"/>
@@ -6285,7 +6346,7 @@
     </p:spTree>
     <p:extLst>
       <p:ext uri="{BB962C8B-B14F-4D97-AF65-F5344CB8AC3E}">
-        <p14:creationId xmlns:p14="http://schemas.microsoft.com/office/powerpoint/2010/main" val="3302144318"/>
+        <p14:creationId xmlns:p14="http://schemas.microsoft.com/office/powerpoint/2010/main" val="1404406894"/>
       </p:ext>
     </p:extLst>
   </p:cSld>
@@ -6328,8 +6389,8 @@
           <a:lstStyle/>
           <a:p>
             <a:r>
-              <a:rPr lang="en-US" altLang="ko-KR" b="1" smtClean="0"/>
-              <a:t>rest api</a:t>
+              <a:rPr lang="en-US" altLang="ko-KR" b="1" dirty="0" smtClean="0"/>
+              <a:t>requests</a:t>
             </a:r>
             <a:endParaRPr lang="ko-KR" altLang="en-US" b="1" dirty="0"/>
           </a:p>
@@ -6348,7 +6409,7 @@
         <p:spPr/>
         <p:txBody>
           <a:bodyPr>
-            <a:normAutofit fontScale="92500" lnSpcReduction="10000"/>
+            <a:normAutofit/>
           </a:bodyPr>
           <a:lstStyle/>
           <a:p>
@@ -6356,134 +6417,61 @@
               <a:buNone/>
             </a:pPr>
             <a:r>
-              <a:rPr lang="en-US" altLang="ko-KR" smtClean="0"/>
-              <a:t>representational state transfer</a:t>
+              <a:rPr lang="en-US" altLang="ko-KR" dirty="0" smtClean="0"/>
+              <a:t>% pip install requests</a:t>
             </a:r>
           </a:p>
           <a:p>
             <a:pPr marL="0" indent="0">
               <a:buNone/>
             </a:pPr>
-            <a:r>
-              <a:rPr lang="en-US" altLang="ko-KR" smtClean="0"/>
-              <a:t>Application programming interface</a:t>
-            </a:r>
+            <a:endParaRPr lang="en-US" altLang="ko-KR" dirty="0"/>
           </a:p>
           <a:p>
             <a:pPr marL="0" indent="0">
               <a:buNone/>
             </a:pPr>
-            <a:endParaRPr lang="en-US" altLang="ko-KR"/>
+            <a:r>
+              <a:rPr lang="en-US" altLang="ko-KR" dirty="0" smtClean="0"/>
+              <a:t>import requests</a:t>
+            </a:r>
           </a:p>
           <a:p>
             <a:pPr marL="0" indent="0">
               <a:buNone/>
             </a:pPr>
             <a:r>
-              <a:rPr lang="en-US" altLang="ko-KR" smtClean="0"/>
-              <a:t>data.go.kr </a:t>
-            </a:r>
-            <a:r>
-              <a:rPr lang="ko-KR" altLang="en-US" smtClean="0"/>
-              <a:t>공공데이터포털</a:t>
-            </a:r>
-            <a:r>
-              <a:rPr lang="en-US" altLang="ko-KR" smtClean="0"/>
-              <a:t>, </a:t>
-            </a:r>
-            <a:r>
-              <a:rPr lang="ko-KR" altLang="en-US" smtClean="0"/>
-              <a:t>네이버</a:t>
-            </a:r>
-            <a:r>
-              <a:rPr lang="en-US" altLang="ko-KR" smtClean="0"/>
-              <a:t>, </a:t>
-            </a:r>
-            <a:r>
-              <a:rPr lang="ko-KR" altLang="en-US" smtClean="0"/>
-              <a:t>카카오</a:t>
-            </a:r>
-            <a:r>
-              <a:rPr lang="en-US" altLang="ko-KR" smtClean="0"/>
-              <a:t>, </a:t>
-            </a:r>
-            <a:r>
-              <a:rPr lang="ko-KR" altLang="en-US" smtClean="0"/>
-              <a:t>구글</a:t>
-            </a:r>
-            <a:r>
-              <a:rPr lang="en-US" altLang="ko-KR" smtClean="0"/>
-              <a:t>, </a:t>
-            </a:r>
-            <a:r>
-              <a:rPr lang="ko-KR" altLang="en-US" smtClean="0"/>
-              <a:t>주식업체 등 </a:t>
-            </a:r>
-            <a:r>
-              <a:rPr lang="en-US" altLang="ko-KR" smtClean="0"/>
-              <a:t>bigdata</a:t>
-            </a:r>
-            <a:r>
-              <a:rPr lang="ko-KR" altLang="en-US" smtClean="0"/>
-              <a:t>를 처리하는 단체에서 공개할 가치가 있는 데이터를 제공함</a:t>
-            </a:r>
-            <a:endParaRPr lang="en-US" altLang="ko-KR" smtClean="0"/>
+              <a:rPr lang="en-US" altLang="ko-KR" dirty="0" err="1" smtClean="0"/>
+              <a:t>resp</a:t>
+            </a:r>
+            <a:r>
+              <a:rPr lang="en-US" altLang="ko-KR" dirty="0" smtClean="0"/>
+              <a:t> = </a:t>
+            </a:r>
+            <a:r>
+              <a:rPr lang="en-US" altLang="ko-KR" dirty="0" err="1" smtClean="0"/>
+              <a:t>requests.get</a:t>
+            </a:r>
+            <a:r>
+              <a:rPr lang="en-US" altLang="ko-KR" dirty="0" smtClean="0"/>
+              <a:t>(‘http://www.google.com’)</a:t>
+            </a:r>
           </a:p>
           <a:p>
             <a:pPr marL="0" indent="0">
               <a:buNone/>
             </a:pPr>
-            <a:endParaRPr lang="en-US" altLang="ko-KR"/>
-          </a:p>
-          <a:p>
-            <a:pPr marL="0" indent="0">
-              <a:buNone/>
-            </a:pPr>
-            <a:r>
-              <a:rPr lang="ko-KR" altLang="en-US" smtClean="0"/>
-              <a:t>아무나 가져다쓰지 않도록 </a:t>
-            </a:r>
-            <a:r>
-              <a:rPr lang="en-US" altLang="ko-KR" smtClean="0"/>
-              <a:t>key</a:t>
-            </a:r>
-            <a:r>
-              <a:rPr lang="ko-KR" altLang="en-US" smtClean="0"/>
-              <a:t>값을 제공하는데</a:t>
-            </a:r>
-            <a:r>
-              <a:rPr lang="en-US" altLang="ko-KR" smtClean="0"/>
-              <a:t>…</a:t>
-            </a:r>
-            <a:endParaRPr lang="en-US" altLang="ko-KR"/>
-          </a:p>
-          <a:p>
-            <a:pPr marL="0" indent="0">
-              <a:buNone/>
-            </a:pPr>
-            <a:r>
-              <a:rPr lang="ko-KR" altLang="en-US" smtClean="0"/>
-              <a:t>일단 </a:t>
-            </a:r>
-            <a:r>
-              <a:rPr lang="en-US" altLang="ko-KR" smtClean="0"/>
-              <a:t>key</a:t>
-            </a:r>
-            <a:r>
-              <a:rPr lang="ko-KR" altLang="en-US" smtClean="0"/>
-              <a:t>값 없이도 쓸 수 있는 </a:t>
-            </a:r>
-            <a:r>
-              <a:rPr lang="en-US" altLang="ko-KR" smtClean="0"/>
-              <a:t>manana</a:t>
-            </a:r>
-            <a:r>
-              <a:rPr lang="ko-KR" altLang="en-US" smtClean="0"/>
-              <a:t>부터 시작하자</a:t>
-            </a:r>
-            <a:r>
-              <a:rPr lang="en-US" altLang="ko-KR" smtClean="0"/>
-              <a:t>!!</a:t>
+            <a:r>
+              <a:rPr lang="en-US" altLang="ko-KR" dirty="0" smtClean="0"/>
+              <a:t>print(</a:t>
+            </a:r>
+            <a:r>
+              <a:rPr lang="en-US" altLang="ko-KR" dirty="0" err="1" smtClean="0"/>
+              <a:t>resp.text</a:t>
+            </a:r>
+            <a:r>
+              <a:rPr lang="en-US" altLang="ko-KR" dirty="0" smtClean="0"/>
+              <a:t>)</a:t>
             </a:r>
             <a:endParaRPr lang="ko-KR" altLang="en-US" dirty="0"/>
           </a:p>
@@ -6526,7 +6514,7 @@
     </p:spTree>
     <p:extLst>
       <p:ext uri="{BB962C8B-B14F-4D97-AF65-F5344CB8AC3E}">
-        <p14:creationId xmlns:p14="http://schemas.microsoft.com/office/powerpoint/2010/main" val="1942419634"/>
+        <p14:creationId xmlns:p14="http://schemas.microsoft.com/office/powerpoint/2010/main" val="3302144318"/>
       </p:ext>
     </p:extLst>
   </p:cSld>
@@ -6570,73 +6558,169 @@
           <a:p>
             <a:r>
               <a:rPr lang="en-US" altLang="ko-KR" b="1" smtClean="0"/>
-              <a:t>api.manana.kr</a:t>
+              <a:t>rest api</a:t>
             </a:r>
             <a:endParaRPr lang="ko-KR" altLang="en-US" b="1" dirty="0"/>
           </a:p>
         </p:txBody>
       </p:sp>
-      <p:pic>
-        <p:nvPicPr>
-          <p:cNvPr id="4" name="내용 개체 틀 3"/>
-          <p:cNvPicPr>
-            <a:picLocks noGrp="1" noChangeAspect="1"/>
-          </p:cNvPicPr>
+      <p:sp>
+        <p:nvSpPr>
+          <p:cNvPr id="3" name="내용 개체 틀 2"/>
+          <p:cNvSpPr>
+            <a:spLocks noGrp="1"/>
+          </p:cNvSpPr>
           <p:nvPr>
             <p:ph sz="quarter" idx="13"/>
           </p:nvPr>
-        </p:nvPicPr>
-        <p:blipFill rotWithShape="1">
-          <a:blip r:embed="rId2">
-            <a:extLst>
-              <a:ext uri="{28A0092B-C50C-407E-A947-70E740481C1C}">
-                <a14:useLocalDpi xmlns:a14="http://schemas.microsoft.com/office/drawing/2010/main" val="0"/>
-              </a:ext>
-            </a:extLst>
-          </a:blip>
-          <a:srcRect b="30470"/>
-          <a:stretch/>
-        </p:blipFill>
-        <p:spPr>
-          <a:xfrm>
-            <a:off x="1572959" y="2366963"/>
-            <a:ext cx="8731626" cy="3724347"/>
-          </a:xfrm>
-        </p:spPr>
-      </p:pic>
-      <p:sp>
-        <p:nvSpPr>
-          <p:cNvPr id="5" name="TextBox 4"/>
-          <p:cNvSpPr txBox="1"/>
-          <p:nvPr/>
-        </p:nvSpPr>
-        <p:spPr>
-          <a:xfrm>
-            <a:off x="1572959" y="1905298"/>
-            <a:ext cx="2984278" cy="461665"/>
-          </a:xfrm>
-          <a:prstGeom prst="rect">
-            <a:avLst/>
-          </a:prstGeom>
-          <a:noFill/>
-        </p:spPr>
-        <p:txBody>
-          <a:bodyPr wrap="none" rtlCol="0">
-            <a:spAutoFit/>
+        </p:nvSpPr>
+        <p:spPr/>
+        <p:txBody>
+          <a:bodyPr>
+            <a:normAutofit fontScale="92500" lnSpcReduction="10000"/>
           </a:bodyPr>
           <a:lstStyle/>
           <a:p>
-            <a:r>
-              <a:rPr lang="en-US" altLang="ko-KR" sz="2400" smtClean="0"/>
-              <a:t>http://www.manana.kr</a:t>
-            </a:r>
-            <a:endParaRPr lang="ko-KR" altLang="en-US" sz="2400"/>
-          </a:p>
-        </p:txBody>
-      </p:sp>
-      <p:sp>
-        <p:nvSpPr>
-          <p:cNvPr id="6" name="TextBox 5"/>
+            <a:pPr marL="0" indent="0">
+              <a:buNone/>
+            </a:pPr>
+            <a:r>
+              <a:rPr lang="en-US" altLang="ko-KR" smtClean="0"/>
+              <a:t>representational state transfer</a:t>
+            </a:r>
+          </a:p>
+          <a:p>
+            <a:pPr marL="0" indent="0">
+              <a:buNone/>
+            </a:pPr>
+            <a:r>
+              <a:rPr lang="en-US" altLang="ko-KR" smtClean="0"/>
+              <a:t>Application programming interface</a:t>
+            </a:r>
+          </a:p>
+          <a:p>
+            <a:pPr marL="0" indent="0">
+              <a:buNone/>
+            </a:pPr>
+            <a:endParaRPr lang="en-US" altLang="ko-KR"/>
+          </a:p>
+          <a:p>
+            <a:pPr marL="0" indent="0">
+              <a:buNone/>
+            </a:pPr>
+            <a:r>
+              <a:rPr lang="en-US" altLang="ko-KR" smtClean="0"/>
+              <a:t>data.go.kr </a:t>
+            </a:r>
+            <a:r>
+              <a:rPr lang="ko-KR" altLang="en-US" smtClean="0"/>
+              <a:t>공공데이터포털</a:t>
+            </a:r>
+            <a:r>
+              <a:rPr lang="en-US" altLang="ko-KR" smtClean="0"/>
+              <a:t>, </a:t>
+            </a:r>
+            <a:r>
+              <a:rPr lang="ko-KR" altLang="en-US" smtClean="0"/>
+              <a:t>네이버</a:t>
+            </a:r>
+            <a:r>
+              <a:rPr lang="en-US" altLang="ko-KR" smtClean="0"/>
+              <a:t>, </a:t>
+            </a:r>
+            <a:r>
+              <a:rPr lang="ko-KR" altLang="en-US" smtClean="0"/>
+              <a:t>카카오</a:t>
+            </a:r>
+            <a:r>
+              <a:rPr lang="en-US" altLang="ko-KR" smtClean="0"/>
+              <a:t>, </a:t>
+            </a:r>
+            <a:r>
+              <a:rPr lang="ko-KR" altLang="en-US" smtClean="0"/>
+              <a:t>구글</a:t>
+            </a:r>
+            <a:r>
+              <a:rPr lang="en-US" altLang="ko-KR" smtClean="0"/>
+              <a:t>, </a:t>
+            </a:r>
+            <a:r>
+              <a:rPr lang="ko-KR" altLang="en-US" smtClean="0"/>
+              <a:t>주식업체 등 </a:t>
+            </a:r>
+            <a:r>
+              <a:rPr lang="en-US" altLang="ko-KR" smtClean="0"/>
+              <a:t>bigdata</a:t>
+            </a:r>
+            <a:r>
+              <a:rPr lang="ko-KR" altLang="en-US" smtClean="0"/>
+              <a:t>를 처리하는 단체에서 공개할 가치가 있는 데이터를 제공함</a:t>
+            </a:r>
+            <a:endParaRPr lang="en-US" altLang="ko-KR" smtClean="0"/>
+          </a:p>
+          <a:p>
+            <a:pPr marL="0" indent="0">
+              <a:buNone/>
+            </a:pPr>
+            <a:endParaRPr lang="en-US" altLang="ko-KR"/>
+          </a:p>
+          <a:p>
+            <a:pPr marL="0" indent="0">
+              <a:buNone/>
+            </a:pPr>
+            <a:r>
+              <a:rPr lang="ko-KR" altLang="en-US" smtClean="0"/>
+              <a:t>아무나 가져다쓰지 않도록 </a:t>
+            </a:r>
+            <a:r>
+              <a:rPr lang="en-US" altLang="ko-KR" smtClean="0"/>
+              <a:t>key</a:t>
+            </a:r>
+            <a:r>
+              <a:rPr lang="ko-KR" altLang="en-US" smtClean="0"/>
+              <a:t>값을 제공하는데</a:t>
+            </a:r>
+            <a:r>
+              <a:rPr lang="en-US" altLang="ko-KR" smtClean="0"/>
+              <a:t>…</a:t>
+            </a:r>
+            <a:endParaRPr lang="en-US" altLang="ko-KR"/>
+          </a:p>
+          <a:p>
+            <a:pPr marL="0" indent="0">
+              <a:buNone/>
+            </a:pPr>
+            <a:r>
+              <a:rPr lang="ko-KR" altLang="en-US" smtClean="0"/>
+              <a:t>일단 </a:t>
+            </a:r>
+            <a:r>
+              <a:rPr lang="en-US" altLang="ko-KR" smtClean="0"/>
+              <a:t>key</a:t>
+            </a:r>
+            <a:r>
+              <a:rPr lang="ko-KR" altLang="en-US" smtClean="0"/>
+              <a:t>값 없이도 쓸 수 있는 </a:t>
+            </a:r>
+            <a:r>
+              <a:rPr lang="en-US" altLang="ko-KR" smtClean="0"/>
+              <a:t>manana</a:t>
+            </a:r>
+            <a:r>
+              <a:rPr lang="ko-KR" altLang="en-US" smtClean="0"/>
+              <a:t>부터 시작하자</a:t>
+            </a:r>
+            <a:r>
+              <a:rPr lang="en-US" altLang="ko-KR" smtClean="0"/>
+              <a:t>!!</a:t>
+            </a:r>
+            <a:endParaRPr lang="ko-KR" altLang="en-US" dirty="0"/>
+          </a:p>
+        </p:txBody>
+      </p:sp>
+      <p:sp>
+        <p:nvSpPr>
+          <p:cNvPr id="4" name="TextBox 3"/>
           <p:cNvSpPr txBox="1"/>
           <p:nvPr/>
         </p:nvSpPr>
@@ -6671,7 +6755,7 @@
     </p:spTree>
     <p:extLst>
       <p:ext uri="{BB962C8B-B14F-4D97-AF65-F5344CB8AC3E}">
-        <p14:creationId xmlns:p14="http://schemas.microsoft.com/office/powerpoint/2010/main" val="3837311588"/>
+        <p14:creationId xmlns:p14="http://schemas.microsoft.com/office/powerpoint/2010/main" val="1942419634"/>
       </p:ext>
     </p:extLst>
   </p:cSld>
@@ -6715,227 +6799,73 @@
           <a:p>
             <a:r>
               <a:rPr lang="en-US" altLang="ko-KR" b="1" smtClean="0"/>
-              <a:t>json</a:t>
+              <a:t>api.manana.kr</a:t>
             </a:r>
             <a:endParaRPr lang="ko-KR" altLang="en-US" b="1" dirty="0"/>
           </a:p>
         </p:txBody>
       </p:sp>
-      <p:sp>
-        <p:nvSpPr>
-          <p:cNvPr id="3" name="내용 개체 틀 2"/>
-          <p:cNvSpPr>
-            <a:spLocks noGrp="1"/>
-          </p:cNvSpPr>
+      <p:pic>
+        <p:nvPicPr>
+          <p:cNvPr id="4" name="내용 개체 틀 3"/>
+          <p:cNvPicPr>
+            <a:picLocks noGrp="1" noChangeAspect="1"/>
+          </p:cNvPicPr>
           <p:nvPr>
             <p:ph sz="quarter" idx="13"/>
           </p:nvPr>
-        </p:nvSpPr>
-        <p:spPr/>
-        <p:txBody>
-          <a:bodyPr>
-            <a:normAutofit fontScale="62500" lnSpcReduction="20000"/>
+        </p:nvPicPr>
+        <p:blipFill rotWithShape="1">
+          <a:blip r:embed="rId2">
+            <a:extLst>
+              <a:ext uri="{28A0092B-C50C-407E-A947-70E740481C1C}">
+                <a14:useLocalDpi xmlns:a14="http://schemas.microsoft.com/office/drawing/2010/main" val="0"/>
+              </a:ext>
+            </a:extLst>
+          </a:blip>
+          <a:srcRect b="30470"/>
+          <a:stretch/>
+        </p:blipFill>
+        <p:spPr>
+          <a:xfrm>
+            <a:off x="1572959" y="2366963"/>
+            <a:ext cx="8731626" cy="3724347"/>
+          </a:xfrm>
+        </p:spPr>
+      </p:pic>
+      <p:sp>
+        <p:nvSpPr>
+          <p:cNvPr id="5" name="TextBox 4"/>
+          <p:cNvSpPr txBox="1"/>
+          <p:nvPr/>
+        </p:nvSpPr>
+        <p:spPr>
+          <a:xfrm>
+            <a:off x="1572959" y="1905298"/>
+            <a:ext cx="2984278" cy="461665"/>
+          </a:xfrm>
+          <a:prstGeom prst="rect">
+            <a:avLst/>
+          </a:prstGeom>
+          <a:noFill/>
+        </p:spPr>
+        <p:txBody>
+          <a:bodyPr wrap="none" rtlCol="0">
+            <a:spAutoFit/>
           </a:bodyPr>
           <a:lstStyle/>
           <a:p>
-            <a:pPr marL="0" indent="0">
-              <a:buNone/>
-            </a:pPr>
-            <a:r>
-              <a:rPr lang="en-US" altLang="ko-KR" smtClean="0"/>
-              <a:t>javascript object notation </a:t>
-            </a:r>
-          </a:p>
-          <a:p>
-            <a:pPr marL="0" indent="0">
-              <a:buNone/>
-            </a:pPr>
-            <a:r>
-              <a:rPr lang="ko-KR" altLang="en-US" smtClean="0"/>
-              <a:t>인터넷 상에서 자료를 전송하는 표준포맷으로 </a:t>
-            </a:r>
-            <a:r>
-              <a:rPr lang="en-US" altLang="ko-KR" smtClean="0"/>
-              <a:t>xml</a:t>
-            </a:r>
-            <a:r>
-              <a:rPr lang="ko-KR" altLang="en-US" smtClean="0"/>
-              <a:t>과 더불어 가장 많이 사용된다</a:t>
-            </a:r>
-            <a:r>
-              <a:rPr lang="en-US" altLang="ko-KR" smtClean="0"/>
-              <a:t>.</a:t>
-            </a:r>
-            <a:endParaRPr lang="en-US" altLang="ko-KR"/>
-          </a:p>
-          <a:p>
-            <a:pPr marL="0" indent="0">
-              <a:buNone/>
-            </a:pPr>
-            <a:r>
-              <a:rPr lang="en-US" altLang="ko-KR" smtClean="0"/>
-              <a:t>key</a:t>
-            </a:r>
-            <a:r>
-              <a:rPr lang="ko-KR" altLang="en-US" smtClean="0"/>
-              <a:t>와 </a:t>
-            </a:r>
-            <a:r>
-              <a:rPr lang="en-US" altLang="ko-KR" smtClean="0"/>
-              <a:t>value</a:t>
-            </a:r>
-            <a:r>
-              <a:rPr lang="ko-KR" altLang="en-US" smtClean="0"/>
-              <a:t>의 쌍으로 이루어져 있어 </a:t>
-            </a:r>
-            <a:r>
-              <a:rPr lang="en-US" altLang="ko-KR" smtClean="0"/>
-              <a:t>pytho</a:t>
-            </a:r>
-            <a:r>
-              <a:rPr lang="ko-KR" altLang="en-US" smtClean="0"/>
-              <a:t>의 </a:t>
-            </a:r>
-            <a:r>
-              <a:rPr lang="en-US" altLang="ko-KR" smtClean="0"/>
-              <a:t>dict</a:t>
-            </a:r>
-            <a:r>
-              <a:rPr lang="ko-KR" altLang="en-US" smtClean="0"/>
-              <a:t>형과 일맥상통한다</a:t>
-            </a:r>
-            <a:r>
-              <a:rPr lang="en-US" altLang="ko-KR" smtClean="0"/>
-              <a:t>.</a:t>
-            </a:r>
-          </a:p>
-          <a:p>
-            <a:pPr marL="0" indent="0">
-              <a:buNone/>
-            </a:pPr>
-            <a:endParaRPr lang="en-US" altLang="ko-KR"/>
-          </a:p>
-          <a:p>
-            <a:pPr marL="0" indent="0">
-              <a:buNone/>
-            </a:pPr>
-            <a:r>
-              <a:rPr lang="en-US" altLang="ko-KR" i="1" smtClean="0"/>
-              <a:t>import</a:t>
-            </a:r>
-            <a:r>
-              <a:rPr lang="en-US" altLang="ko-KR" smtClean="0"/>
-              <a:t> requests</a:t>
-            </a:r>
-            <a:br>
-              <a:rPr lang="en-US" altLang="ko-KR" smtClean="0"/>
-            </a:br>
-            <a:r>
-              <a:rPr lang="en-US" altLang="ko-KR" smtClean="0"/>
-              <a:t>reurl = 'https://api.manana.kr/exchange.json‘</a:t>
-            </a:r>
-          </a:p>
-          <a:p>
-            <a:pPr marL="0" indent="0">
-              <a:buNone/>
-            </a:pPr>
-            <a:r>
-              <a:rPr lang="en-US" altLang="ko-KR"/>
-              <a:t>jresp = requests.get(reurl)</a:t>
-            </a:r>
-          </a:p>
-          <a:p>
-            <a:pPr marL="0" indent="0">
-              <a:buNone/>
-            </a:pPr>
-            <a:r>
-              <a:rPr lang="en-US" altLang="ko-KR"/>
-              <a:t>jdata = jresp.json</a:t>
-            </a:r>
-            <a:r>
-              <a:rPr lang="en-US" altLang="ko-KR" smtClean="0"/>
-              <a:t>()</a:t>
-            </a:r>
-          </a:p>
-          <a:p>
-            <a:pPr marL="0" indent="0">
-              <a:buNone/>
-            </a:pPr>
-            <a:r>
-              <a:rPr lang="en-US" altLang="ko-KR"/>
-              <a:t>print(type(jdata</a:t>
-            </a:r>
-            <a:r>
-              <a:rPr lang="en-US" altLang="ko-KR" smtClean="0"/>
-              <a:t>))</a:t>
-            </a:r>
-          </a:p>
-          <a:p>
-            <a:pPr marL="0" indent="0">
-              <a:buNone/>
-            </a:pPr>
-            <a:r>
-              <a:rPr lang="en-US" altLang="ko-KR" smtClean="0"/>
-              <a:t>print(type(jdata[0]))</a:t>
-            </a:r>
-          </a:p>
-          <a:p>
-            <a:pPr marL="0" indent="0">
-              <a:buNone/>
-            </a:pPr>
-            <a:r>
-              <a:rPr lang="en-US" altLang="ko-KR"/>
-              <a:t>print(jdata[0</a:t>
-            </a:r>
-            <a:r>
-              <a:rPr lang="en-US" altLang="ko-KR" smtClean="0"/>
-              <a:t>])          # dict</a:t>
-            </a:r>
-            <a:r>
-              <a:rPr lang="ko-KR" altLang="en-US" smtClean="0"/>
-              <a:t>형 이므로 사용하면됨</a:t>
-            </a:r>
-            <a:r>
-              <a:rPr lang="en-US" altLang="ko-KR" smtClean="0"/>
-              <a:t>…</a:t>
-            </a:r>
-            <a:endParaRPr lang="en-US" altLang="ko-KR"/>
-          </a:p>
-          <a:p>
-            <a:pPr marL="0" indent="0">
-              <a:buNone/>
-            </a:pPr>
-            <a:endParaRPr lang="en-US" altLang="ko-KR"/>
-          </a:p>
-          <a:p>
-            <a:pPr marL="0" indent="0">
-              <a:buNone/>
-            </a:pPr>
-            <a:endParaRPr lang="en-US" altLang="ko-KR" smtClean="0"/>
-          </a:p>
-          <a:p>
-            <a:pPr marL="0" indent="0">
-              <a:buNone/>
-            </a:pPr>
-            <a:endParaRPr lang="en-US" altLang="ko-KR"/>
-          </a:p>
-          <a:p>
-            <a:pPr marL="0" indent="0">
-              <a:buNone/>
-            </a:pPr>
-            <a:endParaRPr lang="en-US" altLang="ko-KR" smtClean="0"/>
-          </a:p>
-          <a:p>
-            <a:pPr marL="0" indent="0">
-              <a:buNone/>
-            </a:pPr>
-            <a:endParaRPr lang="ko-KR" altLang="en-US" dirty="0"/>
-          </a:p>
-        </p:txBody>
-      </p:sp>
-      <p:sp>
-        <p:nvSpPr>
-          <p:cNvPr id="4" name="TextBox 3"/>
+            <a:r>
+              <a:rPr lang="en-US" altLang="ko-KR" sz="2400" smtClean="0"/>
+              <a:t>http://www.manana.kr</a:t>
+            </a:r>
+            <a:endParaRPr lang="ko-KR" altLang="en-US" sz="2400"/>
+          </a:p>
+        </p:txBody>
+      </p:sp>
+      <p:sp>
+        <p:nvSpPr>
+          <p:cNvPr id="6" name="TextBox 5"/>
           <p:cNvSpPr txBox="1"/>
           <p:nvPr/>
         </p:nvSpPr>
@@ -6970,7 +6900,7 @@
     </p:spTree>
     <p:extLst>
       <p:ext uri="{BB962C8B-B14F-4D97-AF65-F5344CB8AC3E}">
-        <p14:creationId xmlns:p14="http://schemas.microsoft.com/office/powerpoint/2010/main" val="625063641"/>
+        <p14:creationId xmlns:p14="http://schemas.microsoft.com/office/powerpoint/2010/main" val="3837311588"/>
       </p:ext>
     </p:extLst>
   </p:cSld>
@@ -7269,7 +7199,7 @@
     </p:spTree>
     <p:extLst>
       <p:ext uri="{BB962C8B-B14F-4D97-AF65-F5344CB8AC3E}">
-        <p14:creationId xmlns:p14="http://schemas.microsoft.com/office/powerpoint/2010/main" val="140297757"/>
+        <p14:creationId xmlns:p14="http://schemas.microsoft.com/office/powerpoint/2010/main" val="625063641"/>
       </p:ext>
     </p:extLst>
   </p:cSld>
@@ -7384,15 +7314,7 @@
             </a:br>
             <a:r>
               <a:rPr lang="en-US" altLang="ko-KR" smtClean="0"/>
-              <a:t>reurl = </a:t>
-            </a:r>
-            <a:r>
-              <a:rPr lang="en-US" altLang="ko-KR" smtClean="0"/>
-              <a:t>’</a:t>
-            </a:r>
-            <a:r>
-              <a:rPr lang="en-US" altLang="ko-KR" smtClean="0"/>
-              <a:t>https</a:t>
+              <a:t>reurl = ’https</a:t>
             </a:r>
             <a:r>
               <a:rPr lang="en-US" altLang="ko-KR"/>
@@ -7400,11 +7322,7 @@
             </a:r>
             <a:r>
               <a:rPr lang="en-US" altLang="ko-KR" smtClean="0"/>
-              <a:t>api.manana.kr/exchange/rate/KRW/KRW,USD,JPY.xml</a:t>
-            </a:r>
-            <a:r>
-              <a:rPr lang="en-US" altLang="ko-KR" smtClean="0"/>
-              <a:t>’</a:t>
+              <a:t>api.manana.kr/exchange/rate/KRW/KRW,USD,JPY.xml’</a:t>
             </a:r>
           </a:p>
           <a:p>
@@ -7979,7 +7897,6 @@
               <a:rPr lang="en-US" altLang="ko-KR" smtClean="0"/>
               <a:t>!!</a:t>
             </a:r>
-            <a:endParaRPr lang="en-US" altLang="ko-KR" smtClean="0"/>
           </a:p>
           <a:p>
             <a:pPr marL="0" indent="0">
@@ -8213,11 +8130,7 @@
             </a:r>
             <a:r>
               <a:rPr lang="ko-KR" altLang="en-US" b="1"/>
-              <a:t>딴거하면 머 </a:t>
-            </a:r>
-            <a:r>
-              <a:rPr lang="ko-KR" altLang="en-US" b="1"/>
-              <a:t>설정이 </a:t>
+              <a:t>딴거하면 머 설정이 </a:t>
             </a:r>
             <a:r>
               <a:rPr lang="ko-KR" altLang="en-US" b="1" smtClean="0"/>
@@ -8409,7 +8322,39 @@
             </a:r>
             <a:r>
               <a:rPr lang="en-US" altLang="ko-KR" b="1"/>
-              <a:t>__init__(self, naverid </a:t>
+              <a:t>__init__(self, naverid = </a:t>
+            </a:r>
+            <a:r>
+              <a:rPr lang="en-US" altLang="ko-KR" b="1" smtClean="0"/>
+              <a:t>‘c_id', </a:t>
+            </a:r>
+            <a:r>
+              <a:rPr lang="en-US" altLang="ko-KR" b="1"/>
+              <a:t>naverpass = </a:t>
+            </a:r>
+            <a:r>
+              <a:rPr lang="en-US" altLang="ko-KR" b="1" smtClean="0"/>
+              <a:t>'c_Secret'):</a:t>
+            </a:r>
+            <a:endParaRPr lang="en-US" altLang="ko-KR"/>
+          </a:p>
+          <a:p>
+            <a:pPr fontAlgn="base"/>
+            <a:r>
+              <a:rPr lang="en-US" altLang="ko-KR" b="1" smtClean="0"/>
+              <a:t>        self.naverid </a:t>
+            </a:r>
+            <a:r>
+              <a:rPr lang="en-US" altLang="ko-KR" b="1"/>
+              <a:t>= naverid</a:t>
+            </a:r>
+            <a:endParaRPr lang="en-US" altLang="ko-KR"/>
+          </a:p>
+          <a:p>
+            <a:pPr fontAlgn="base"/>
+            <a:r>
+              <a:rPr lang="en-US" altLang="ko-KR" b="1" smtClean="0"/>
+              <a:t>        self.naverpass </a:t>
             </a:r>
             <a:r>
               <a:rPr lang="en-US" altLang="ko-KR" b="1"/>
@@ -8417,46 +8362,6 @@
             </a:r>
             <a:r>
               <a:rPr lang="en-US" altLang="ko-KR" b="1" smtClean="0"/>
-              <a:t>‘c_id', </a:t>
-            </a:r>
-            <a:r>
-              <a:rPr lang="en-US" altLang="ko-KR" b="1"/>
-              <a:t>naverpass </a:t>
-            </a:r>
-            <a:r>
-              <a:rPr lang="en-US" altLang="ko-KR" b="1"/>
-              <a:t>= </a:t>
-            </a:r>
-            <a:r>
-              <a:rPr lang="en-US" altLang="ko-KR" b="1" smtClean="0"/>
-              <a:t>'c_Secret'):</a:t>
-            </a:r>
-            <a:endParaRPr lang="en-US" altLang="ko-KR"/>
-          </a:p>
-          <a:p>
-            <a:pPr fontAlgn="base"/>
-            <a:r>
-              <a:rPr lang="en-US" altLang="ko-KR" b="1" smtClean="0"/>
-              <a:t>        self.naverid </a:t>
-            </a:r>
-            <a:r>
-              <a:rPr lang="en-US" altLang="ko-KR" b="1"/>
-              <a:t>= naverid</a:t>
-            </a:r>
-            <a:endParaRPr lang="en-US" altLang="ko-KR"/>
-          </a:p>
-          <a:p>
-            <a:pPr fontAlgn="base"/>
-            <a:r>
-              <a:rPr lang="en-US" altLang="ko-KR" b="1" smtClean="0"/>
-              <a:t>        self.naverpass </a:t>
-            </a:r>
-            <a:r>
-              <a:rPr lang="en-US" altLang="ko-KR" b="1"/>
-              <a:t>= </a:t>
-            </a:r>
-            <a:r>
-              <a:rPr lang="en-US" altLang="ko-KR" b="1" smtClean="0"/>
               <a:t>naverpass</a:t>
             </a:r>
           </a:p>
@@ -8472,11 +8377,7 @@
             </a:r>
             <a:r>
               <a:rPr lang="en-US" altLang="ko-KR" b="1"/>
-              <a:t>https</a:t>
-            </a:r>
-            <a:r>
-              <a:rPr lang="en-US" altLang="ko-KR" b="1"/>
-              <a:t>://</a:t>
+              <a:t>https://</a:t>
             </a:r>
             <a:r>
               <a:rPr lang="en-US" altLang="ko-KR" b="1" smtClean="0"/>
@@ -8942,11 +8843,7 @@
             <a:pPr fontAlgn="base"/>
             <a:r>
               <a:rPr lang="en-US" altLang="ko-KR" b="1"/>
-              <a:t>   </a:t>
-            </a:r>
-            <a:r>
-              <a:rPr lang="en-US" altLang="ko-KR" b="1"/>
-              <a:t> </a:t>
+              <a:t>    </a:t>
             </a:r>
             <a:r>
               <a:rPr lang="en-US" altLang="ko-KR" b="1" smtClean="0"/>
@@ -9159,11 +9056,7 @@
             </a:r>
             <a:r>
               <a:rPr lang="en-US" altLang="ko-KR" b="1"/>
-              <a:t>= {'X-Naver-Client-Id':self.naverid</a:t>
-            </a:r>
-            <a:r>
-              <a:rPr lang="en-US" altLang="ko-KR" b="1"/>
-              <a:t>, </a:t>
+              <a:t>= {'X-Naver-Client-Id':self.naverid, </a:t>
             </a:r>
             <a:r>
               <a:rPr lang="en-US" altLang="ko-KR" b="1" smtClean="0"/>
@@ -9392,11 +9285,7 @@
             <a:pPr fontAlgn="base"/>
             <a:r>
               <a:rPr lang="en-US" altLang="ko-KR" b="1"/>
-              <a:t>jsonData = </a:t>
-            </a:r>
-            <a:r>
-              <a:rPr lang="en-US" altLang="ko-KR" b="1"/>
-              <a:t>json.loads(response.content</a:t>
+              <a:t>jsonData = json.loads(response.content</a:t>
             </a:r>
             <a:r>
               <a:rPr lang="en-US" altLang="ko-KR" b="1" smtClean="0"/>
@@ -9408,11 +9297,7 @@
             <a:pPr fontAlgn="base"/>
             <a:r>
               <a:rPr lang="en-US" altLang="ko-KR" b="1"/>
-              <a:t>for imgdata in jsonData['items</a:t>
-            </a:r>
-            <a:r>
-              <a:rPr lang="en-US" altLang="ko-KR" b="1"/>
-              <a:t>']: </a:t>
+              <a:t>for imgdata in jsonData['items']: </a:t>
             </a:r>
             <a:endParaRPr lang="en-US" altLang="ko-KR" b="1" smtClean="0"/>
           </a:p>
@@ -9708,13 +9593,7 @@
               <a:rPr lang="en-US" altLang="ko-KR">
                 <a:hlinkClick r:id="rId2"/>
               </a:rPr>
-              <a:t>https://</a:t>
-            </a:r>
-            <a:r>
-              <a:rPr lang="en-US" altLang="ko-KR">
-                <a:hlinkClick r:id="rId2"/>
-              </a:rPr>
-              <a:t>teachablemachine.withgoogle.com</a:t>
+              <a:t>https://teachablemachine.withgoogle.com</a:t>
             </a:r>
             <a:r>
               <a:rPr lang="en-US" altLang="ko-KR" smtClean="0">
@@ -9879,16 +9758,74 @@
           <a:p>
             <a:pPr fontAlgn="base"/>
             <a:r>
-              <a:rPr lang="en-US" altLang="ko-KR" smtClean="0"/>
+              <a:rPr lang="en-US" altLang="ko-KR" dirty="0" smtClean="0"/>
               <a:t>awesome python</a:t>
             </a:r>
-            <a:endParaRPr lang="en-US" altLang="ko-KR"/>
+          </a:p>
+          <a:p>
+            <a:pPr fontAlgn="base"/>
+            <a:endParaRPr lang="en-US" altLang="ko-KR" dirty="0"/>
+          </a:p>
+          <a:p>
+            <a:pPr fontAlgn="base"/>
+            <a:r>
+              <a:rPr lang="en-US" altLang="ko-KR" dirty="0" err="1" smtClean="0"/>
+              <a:t>Git</a:t>
+            </a:r>
+            <a:r>
+              <a:rPr lang="en-US" altLang="ko-KR" dirty="0" smtClean="0"/>
+              <a:t> repository</a:t>
+            </a:r>
+            <a:r>
+              <a:rPr lang="ko-KR" altLang="en-US" dirty="0" smtClean="0"/>
+              <a:t>만들기</a:t>
+            </a:r>
+            <a:r>
+              <a:rPr lang="en-US" altLang="ko-KR" dirty="0" smtClean="0"/>
+              <a:t>(local)</a:t>
+            </a:r>
+          </a:p>
+          <a:p>
+            <a:pPr fontAlgn="base"/>
+            <a:endParaRPr lang="en-US" altLang="ko-KR" dirty="0"/>
+          </a:p>
+          <a:p>
+            <a:pPr fontAlgn="base"/>
+            <a:r>
+              <a:rPr lang="en-US" altLang="ko-KR" dirty="0" err="1" smtClean="0"/>
+              <a:t>Git</a:t>
+            </a:r>
+            <a:r>
+              <a:rPr lang="en-US" altLang="ko-KR" dirty="0" smtClean="0"/>
+              <a:t> </a:t>
+            </a:r>
+            <a:r>
+              <a:rPr lang="en-US" altLang="ko-KR" dirty="0" err="1" smtClean="0"/>
+              <a:t>init</a:t>
+            </a:r>
+            <a:endParaRPr lang="en-US" altLang="ko-KR" dirty="0" smtClean="0"/>
+          </a:p>
+          <a:p>
+            <a:pPr fontAlgn="base"/>
+            <a:endParaRPr lang="en-US" altLang="ko-KR" dirty="0"/>
+          </a:p>
+          <a:p>
+            <a:pPr fontAlgn="base"/>
+            <a:r>
+              <a:rPr lang="en-US" altLang="ko-KR" dirty="0" err="1" smtClean="0"/>
+              <a:t>Git</a:t>
+            </a:r>
+            <a:r>
+              <a:rPr lang="en-US" altLang="ko-KR" dirty="0" smtClean="0"/>
+              <a:t> clone</a:t>
+            </a:r>
+            <a:endParaRPr lang="en-US" altLang="ko-KR" dirty="0"/>
           </a:p>
           <a:p>
             <a:pPr marL="0" indent="0">
               <a:buNone/>
             </a:pPr>
-            <a:endParaRPr lang="en-US" altLang="ko-KR" smtClean="0"/>
+            <a:endParaRPr lang="en-US" altLang="ko-KR" dirty="0" smtClean="0"/>
           </a:p>
           <a:p>
             <a:pPr marL="0" indent="0">
@@ -9949,6 +9886,65 @@
       </p:par>
     </p:tnLst>
   </p:timing>
+</p:sld>
+</file>
+
+<file path=ppt/slides/slide26.xml><?xml version="1.0" encoding="utf-8"?>
+<p:sld xmlns:a="http://schemas.openxmlformats.org/drawingml/2006/main" xmlns:r="http://schemas.openxmlformats.org/officeDocument/2006/relationships" xmlns:p="http://schemas.openxmlformats.org/presentationml/2006/main">
+  <p:cSld>
+    <p:spTree>
+      <p:nvGrpSpPr>
+        <p:cNvPr id="1" name=""/>
+        <p:cNvGrpSpPr/>
+        <p:nvPr/>
+      </p:nvGrpSpPr>
+      <p:grpSpPr>
+        <a:xfrm>
+          <a:off x="0" y="0"/>
+          <a:ext cx="0" cy="0"/>
+          <a:chOff x="0" y="0"/>
+          <a:chExt cx="0" cy="0"/>
+        </a:xfrm>
+      </p:grpSpPr>
+      <p:sp>
+        <p:nvSpPr>
+          <p:cNvPr id="4" name="TextBox 3"/>
+          <p:cNvSpPr txBox="1"/>
+          <p:nvPr/>
+        </p:nvSpPr>
+        <p:spPr>
+          <a:xfrm>
+            <a:off x="3204519" y="832021"/>
+            <a:ext cx="4596130" cy="5386090"/>
+          </a:xfrm>
+          <a:prstGeom prst="rect">
+            <a:avLst/>
+          </a:prstGeom>
+          <a:noFill/>
+        </p:spPr>
+        <p:txBody>
+          <a:bodyPr wrap="none" rtlCol="0">
+            <a:spAutoFit/>
+          </a:bodyPr>
+          <a:lstStyle/>
+          <a:p>
+            <a:r>
+              <a:rPr lang="ko-KR" altLang="en-US" sz="34400"/>
+              <a:t>끝</a:t>
+            </a:r>
+          </a:p>
+        </p:txBody>
+      </p:sp>
+    </p:spTree>
+    <p:extLst>
+      <p:ext uri="{BB962C8B-B14F-4D97-AF65-F5344CB8AC3E}">
+        <p14:creationId xmlns:p14="http://schemas.microsoft.com/office/powerpoint/2010/main" val="2602581489"/>
+      </p:ext>
+    </p:extLst>
+  </p:cSld>
+  <p:clrMapOvr>
+    <a:masterClrMapping/>
+  </p:clrMapOvr>
 </p:sld>
 </file>
 
@@ -10806,7 +10802,7 @@
           <a:p>
             <a:r>
               <a:rPr lang="en-US" altLang="ko-KR" b="1" dirty="0" smtClean="0"/>
-              <a:t>Point Class</a:t>
+              <a:t>Functional Module</a:t>
             </a:r>
             <a:endParaRPr lang="ko-KR" altLang="en-US" b="1" dirty="0"/>
           </a:p>
@@ -10824,167 +10820,59 @@
         </p:nvSpPr>
         <p:spPr/>
         <p:txBody>
-          <a:bodyPr>
-            <a:normAutofit fontScale="92500" lnSpcReduction="20000"/>
-          </a:bodyPr>
-          <a:lstStyle/>
-          <a:p>
-            <a:r>
-              <a:rPr lang="en-US" altLang="ko-KR" dirty="0"/>
-              <a:t>class </a:t>
-            </a:r>
-            <a:r>
-              <a:rPr lang="en-US" altLang="ko-KR" dirty="0" err="1"/>
-              <a:t>piPoint</a:t>
-            </a:r>
-            <a:r>
-              <a:rPr lang="en-US" altLang="ko-KR" dirty="0"/>
-              <a:t>:</a:t>
-            </a:r>
-          </a:p>
-          <a:p>
-            <a:r>
-              <a:rPr lang="en-US" altLang="ko-KR" dirty="0"/>
-              <a:t>    </a:t>
-            </a:r>
-            <a:r>
-              <a:rPr lang="en-US" altLang="ko-KR" dirty="0" err="1"/>
-              <a:t>def</a:t>
-            </a:r>
-            <a:r>
-              <a:rPr lang="en-US" altLang="ko-KR" dirty="0"/>
-              <a:t> __</a:t>
-            </a:r>
-            <a:r>
-              <a:rPr lang="en-US" altLang="ko-KR" dirty="0" err="1"/>
-              <a:t>init</a:t>
-            </a:r>
-            <a:r>
-              <a:rPr lang="en-US" altLang="ko-KR" dirty="0"/>
-              <a:t>__(self, x=0.0, y=0.0):</a:t>
-            </a:r>
-          </a:p>
-          <a:p>
-            <a:r>
-              <a:rPr lang="en-US" altLang="ko-KR" dirty="0"/>
-              <a:t>        </a:t>
-            </a:r>
-            <a:r>
-              <a:rPr lang="en-US" altLang="ko-KR" dirty="0" err="1"/>
-              <a:t>self.x</a:t>
-            </a:r>
-            <a:r>
-              <a:rPr lang="en-US" altLang="ko-KR" dirty="0"/>
-              <a:t> = float(x)</a:t>
-            </a:r>
-          </a:p>
-          <a:p>
-            <a:r>
-              <a:rPr lang="en-US" altLang="ko-KR" dirty="0"/>
-              <a:t>        </a:t>
-            </a:r>
-            <a:r>
-              <a:rPr lang="en-US" altLang="ko-KR" dirty="0" err="1"/>
-              <a:t>self.y</a:t>
-            </a:r>
-            <a:r>
-              <a:rPr lang="en-US" altLang="ko-KR" dirty="0"/>
-              <a:t> = float(y)</a:t>
-            </a:r>
-          </a:p>
-          <a:p>
-            <a:r>
-              <a:rPr lang="en-US" altLang="ko-KR" dirty="0"/>
-              <a:t>    </a:t>
-            </a:r>
-            <a:r>
-              <a:rPr lang="en-US" altLang="ko-KR" dirty="0" err="1"/>
-              <a:t>def</a:t>
-            </a:r>
-            <a:r>
-              <a:rPr lang="en-US" altLang="ko-KR" dirty="0"/>
-              <a:t> __</a:t>
-            </a:r>
-            <a:r>
-              <a:rPr lang="en-US" altLang="ko-KR" dirty="0" err="1"/>
-              <a:t>str</a:t>
-            </a:r>
-            <a:r>
-              <a:rPr lang="en-US" altLang="ko-KR" dirty="0"/>
-              <a:t>__(self):</a:t>
-            </a:r>
-          </a:p>
-          <a:p>
-            <a:r>
-              <a:rPr lang="en-US" altLang="ko-KR" dirty="0"/>
-              <a:t>        return f'[{</a:t>
-            </a:r>
-            <a:r>
-              <a:rPr lang="en-US" altLang="ko-KR" dirty="0" err="1"/>
-              <a:t>self.x</a:t>
-            </a:r>
-            <a:r>
-              <a:rPr lang="en-US" altLang="ko-KR" dirty="0"/>
-              <a:t>}, {</a:t>
-            </a:r>
-            <a:r>
-              <a:rPr lang="en-US" altLang="ko-KR" dirty="0" err="1"/>
-              <a:t>self.y</a:t>
-            </a:r>
-            <a:r>
-              <a:rPr lang="en-US" altLang="ko-KR" dirty="0"/>
-              <a:t>}]'</a:t>
-            </a:r>
-          </a:p>
-          <a:p>
-            <a:r>
-              <a:rPr lang="en-US" altLang="ko-KR" dirty="0"/>
-              <a:t>    </a:t>
-            </a:r>
-            <a:r>
-              <a:rPr lang="en-US" altLang="ko-KR" dirty="0" err="1"/>
-              <a:t>def</a:t>
-            </a:r>
-            <a:r>
-              <a:rPr lang="en-US" altLang="ko-KR" dirty="0"/>
-              <a:t> </a:t>
-            </a:r>
-            <a:r>
-              <a:rPr lang="en-US" altLang="ko-KR" dirty="0" err="1"/>
-              <a:t>dist</a:t>
-            </a:r>
-            <a:r>
-              <a:rPr lang="en-US" altLang="ko-KR" dirty="0"/>
-              <a:t>(self, other):</a:t>
-            </a:r>
-          </a:p>
-          <a:p>
-            <a:r>
-              <a:rPr lang="en-US" altLang="ko-KR" dirty="0"/>
-              <a:t>        return ((</a:t>
-            </a:r>
-            <a:r>
-              <a:rPr lang="en-US" altLang="ko-KR" dirty="0" err="1"/>
-              <a:t>other.x-self.x</a:t>
-            </a:r>
-            <a:r>
-              <a:rPr lang="en-US" altLang="ko-KR" dirty="0"/>
-              <a:t>)**2+(</a:t>
-            </a:r>
-            <a:r>
-              <a:rPr lang="en-US" altLang="ko-KR" dirty="0" err="1"/>
-              <a:t>other.y-self.y</a:t>
-            </a:r>
-            <a:r>
-              <a:rPr lang="en-US" altLang="ko-KR" dirty="0"/>
-              <a:t>)**2)**0.5</a:t>
-            </a:r>
-          </a:p>
-          <a:p>
+          <a:bodyPr/>
+          <a:lstStyle/>
+          <a:p>
+            <a:r>
+              <a:rPr lang="ko-KR" altLang="en-US" dirty="0" smtClean="0"/>
+              <a:t>파일로 만들어 사용함</a:t>
+            </a:r>
+            <a:r>
+              <a:rPr lang="en-US" altLang="ko-KR" dirty="0" smtClean="0"/>
+              <a:t>..</a:t>
+            </a:r>
             <a:endParaRPr lang="en-US" altLang="ko-KR" dirty="0"/>
           </a:p>
           <a:p>
-            <a:endParaRPr lang="ko-KR" altLang="en-US" dirty="0"/>
+            <a:r>
+              <a:rPr lang="en-US" altLang="ko-KR" dirty="0" smtClean="0"/>
+              <a:t>Gwedu.py</a:t>
+            </a:r>
+          </a:p>
+          <a:p>
+            <a:endParaRPr lang="en-US" altLang="ko-KR" dirty="0"/>
+          </a:p>
+          <a:p>
+            <a:r>
+              <a:rPr lang="ko-KR" altLang="en-US" dirty="0" smtClean="0"/>
+              <a:t>파일로 만든 </a:t>
+            </a:r>
+            <a:r>
+              <a:rPr lang="en-US" altLang="ko-KR" dirty="0" err="1" smtClean="0"/>
+              <a:t>gwedu</a:t>
+            </a:r>
+            <a:r>
+              <a:rPr lang="ko-KR" altLang="en-US" dirty="0" smtClean="0"/>
+              <a:t>를 </a:t>
+            </a:r>
+            <a:r>
+              <a:rPr lang="en-US" altLang="ko-KR" dirty="0" smtClean="0"/>
+              <a:t>import</a:t>
+            </a:r>
+            <a:r>
+              <a:rPr lang="ko-KR" altLang="en-US" dirty="0" smtClean="0"/>
+              <a:t>해서 사용한다</a:t>
+            </a:r>
+            <a:r>
+              <a:rPr lang="en-US" altLang="ko-KR" dirty="0" smtClean="0"/>
+              <a:t>.</a:t>
+            </a:r>
+          </a:p>
+          <a:p>
+            <a:r>
+              <a:rPr lang="en-US" altLang="ko-KR" smtClean="0"/>
+              <a:t>Usergwedu.py</a:t>
+            </a:r>
           </a:p>
         </p:txBody>
       </p:sp>
@@ -11025,7 +10913,7 @@
     </p:spTree>
     <p:extLst>
       <p:ext uri="{BB962C8B-B14F-4D97-AF65-F5344CB8AC3E}">
-        <p14:creationId xmlns:p14="http://schemas.microsoft.com/office/powerpoint/2010/main" val="438572382"/>
+        <p14:creationId xmlns:p14="http://schemas.microsoft.com/office/powerpoint/2010/main" val="529348030"/>
       </p:ext>
     </p:extLst>
   </p:cSld>
@@ -11069,7 +10957,7 @@
           <a:p>
             <a:r>
               <a:rPr lang="en-US" altLang="ko-KR" b="1" dirty="0" smtClean="0"/>
-              <a:t>Use Point Class</a:t>
+              <a:t>Point Class</a:t>
             </a:r>
             <a:endParaRPr lang="ko-KR" altLang="en-US" b="1" dirty="0"/>
           </a:p>
@@ -11088,105 +10976,160 @@
         <p:spPr/>
         <p:txBody>
           <a:bodyPr>
-            <a:normAutofit/>
+            <a:normAutofit fontScale="92500" lnSpcReduction="20000"/>
           </a:bodyPr>
           <a:lstStyle/>
           <a:p>
             <a:r>
-              <a:rPr lang="en-US" altLang="ko-KR" dirty="0" smtClean="0"/>
-              <a:t>From </a:t>
-            </a:r>
-            <a:r>
-              <a:rPr lang="en-US" altLang="ko-KR" dirty="0" err="1" smtClean="0"/>
-              <a:t>pointclass</a:t>
-            </a:r>
-            <a:r>
-              <a:rPr lang="en-US" altLang="ko-KR" dirty="0" smtClean="0"/>
-              <a:t> import </a:t>
-            </a:r>
-            <a:r>
-              <a:rPr lang="en-US" altLang="ko-KR" dirty="0" err="1" smtClean="0"/>
-              <a:t>pipoint</a:t>
-            </a:r>
-            <a:endParaRPr lang="en-US" altLang="ko-KR" dirty="0" smtClean="0"/>
-          </a:p>
-          <a:p>
-            <a:r>
-              <a:rPr lang="en-US" altLang="ko-KR" dirty="0" smtClean="0"/>
-              <a:t>Origin = </a:t>
-            </a:r>
-            <a:r>
-              <a:rPr lang="en-US" altLang="ko-KR" dirty="0" err="1" smtClean="0"/>
-              <a:t>pipoint</a:t>
-            </a:r>
-            <a:r>
-              <a:rPr lang="en-US" altLang="ko-KR" dirty="0" smtClean="0"/>
-              <a:t>()</a:t>
-            </a:r>
-          </a:p>
-          <a:p>
-            <a:r>
-              <a:rPr lang="en-US" altLang="ko-KR" dirty="0" smtClean="0"/>
-              <a:t>P = </a:t>
-            </a:r>
-            <a:r>
-              <a:rPr lang="en-US" altLang="ko-KR" dirty="0" err="1" smtClean="0"/>
-              <a:t>pipoint</a:t>
-            </a:r>
-            <a:r>
-              <a:rPr lang="en-US" altLang="ko-KR" dirty="0" smtClean="0"/>
-              <a:t>(</a:t>
-            </a:r>
-            <a:r>
-              <a:rPr lang="en-US" altLang="ko-KR" dirty="0" err="1" smtClean="0"/>
-              <a:t>random.random</a:t>
-            </a:r>
-            <a:r>
-              <a:rPr lang="en-US" altLang="ko-KR" dirty="0" smtClean="0"/>
-              <a:t>()*100, </a:t>
-            </a:r>
-            <a:r>
-              <a:rPr lang="en-US" altLang="ko-KR" dirty="0" err="1" smtClean="0"/>
-              <a:t>random.random</a:t>
-            </a:r>
-            <a:r>
-              <a:rPr lang="en-US" altLang="ko-KR" dirty="0" smtClean="0"/>
-              <a:t>()*100)</a:t>
-            </a:r>
-          </a:p>
-          <a:p>
-            <a:r>
-              <a:rPr lang="en-US" altLang="ko-KR" dirty="0" smtClean="0"/>
-              <a:t>For I in range(100):</a:t>
-            </a:r>
-          </a:p>
-          <a:p>
-            <a:r>
               <a:rPr lang="en-US" altLang="ko-KR" dirty="0"/>
-              <a:t> </a:t>
-            </a:r>
-            <a:r>
-              <a:rPr lang="en-US" altLang="ko-KR" dirty="0" smtClean="0"/>
-              <a:t>   print(</a:t>
-            </a:r>
-            <a:r>
-              <a:rPr lang="en-US" altLang="ko-KR" dirty="0" err="1" smtClean="0"/>
-              <a:t>p.dist</a:t>
-            </a:r>
-            <a:r>
-              <a:rPr lang="en-US" altLang="ko-KR" dirty="0" smtClean="0"/>
-              <a:t>(origin))</a:t>
-            </a:r>
-          </a:p>
-          <a:p>
-            <a:endParaRPr lang="en-US" altLang="ko-KR" dirty="0"/>
-          </a:p>
-          <a:p>
-            <a:r>
-              <a:rPr lang="en-US" altLang="ko-KR" dirty="0" smtClean="0"/>
-              <a:t>----</a:t>
-            </a:r>
-            <a:endParaRPr lang="en-US" altLang="ko-KR" dirty="0"/>
+              <a:t>class </a:t>
+            </a:r>
+            <a:r>
+              <a:rPr lang="en-US" altLang="ko-KR" dirty="0" err="1"/>
+              <a:t>piPoint</a:t>
+            </a:r>
+            <a:r>
+              <a:rPr lang="en-US" altLang="ko-KR" dirty="0"/>
+              <a:t>:</a:t>
+            </a:r>
+          </a:p>
+          <a:p>
+            <a:r>
+              <a:rPr lang="en-US" altLang="ko-KR" dirty="0"/>
+              <a:t>    </a:t>
+            </a:r>
+            <a:r>
+              <a:rPr lang="en-US" altLang="ko-KR" dirty="0" err="1"/>
+              <a:t>def</a:t>
+            </a:r>
+            <a:r>
+              <a:rPr lang="en-US" altLang="ko-KR" dirty="0"/>
+              <a:t> __</a:t>
+            </a:r>
+            <a:r>
+              <a:rPr lang="en-US" altLang="ko-KR" dirty="0" err="1"/>
+              <a:t>init</a:t>
+            </a:r>
+            <a:r>
+              <a:rPr lang="en-US" altLang="ko-KR" dirty="0"/>
+              <a:t>__(self, x=0.0, y=0.0):</a:t>
+            </a:r>
+          </a:p>
+          <a:p>
+            <a:r>
+              <a:rPr lang="en-US" altLang="ko-KR" dirty="0"/>
+              <a:t>        </a:t>
+            </a:r>
+            <a:r>
+              <a:rPr lang="en-US" altLang="ko-KR" dirty="0" err="1"/>
+              <a:t>self.x</a:t>
+            </a:r>
+            <a:r>
+              <a:rPr lang="en-US" altLang="ko-KR" dirty="0"/>
+              <a:t> = float(x)</a:t>
+            </a:r>
+          </a:p>
+          <a:p>
+            <a:r>
+              <a:rPr lang="en-US" altLang="ko-KR" dirty="0"/>
+              <a:t>        </a:t>
+            </a:r>
+            <a:r>
+              <a:rPr lang="en-US" altLang="ko-KR" dirty="0" err="1"/>
+              <a:t>self.y</a:t>
+            </a:r>
+            <a:r>
+              <a:rPr lang="en-US" altLang="ko-KR" dirty="0"/>
+              <a:t> = float(y)</a:t>
+            </a:r>
+          </a:p>
+          <a:p>
+            <a:r>
+              <a:rPr lang="en-US" altLang="ko-KR" dirty="0"/>
+              <a:t>    </a:t>
+            </a:r>
+            <a:r>
+              <a:rPr lang="en-US" altLang="ko-KR" dirty="0" err="1"/>
+              <a:t>def</a:t>
+            </a:r>
+            <a:r>
+              <a:rPr lang="en-US" altLang="ko-KR" dirty="0"/>
+              <a:t> __</a:t>
+            </a:r>
+            <a:r>
+              <a:rPr lang="en-US" altLang="ko-KR" dirty="0" err="1"/>
+              <a:t>str</a:t>
+            </a:r>
+            <a:r>
+              <a:rPr lang="en-US" altLang="ko-KR" dirty="0"/>
+              <a:t>__(self):</a:t>
+            </a:r>
+          </a:p>
+          <a:p>
+            <a:r>
+              <a:rPr lang="en-US" altLang="ko-KR" dirty="0"/>
+              <a:t>        return f'[{</a:t>
+            </a:r>
+            <a:r>
+              <a:rPr lang="en-US" altLang="ko-KR" dirty="0" err="1"/>
+              <a:t>self.x</a:t>
+            </a:r>
+            <a:r>
+              <a:rPr lang="en-US" altLang="ko-KR" dirty="0"/>
+              <a:t>}, {</a:t>
+            </a:r>
+            <a:r>
+              <a:rPr lang="en-US" altLang="ko-KR" dirty="0" err="1"/>
+              <a:t>self.y</a:t>
+            </a:r>
+            <a:r>
+              <a:rPr lang="en-US" altLang="ko-KR" dirty="0"/>
+              <a:t>}]'</a:t>
+            </a:r>
+          </a:p>
+          <a:p>
+            <a:r>
+              <a:rPr lang="en-US" altLang="ko-KR" dirty="0"/>
+              <a:t>    </a:t>
+            </a:r>
+            <a:r>
+              <a:rPr lang="en-US" altLang="ko-KR" dirty="0" err="1"/>
+              <a:t>def</a:t>
+            </a:r>
+            <a:r>
+              <a:rPr lang="en-US" altLang="ko-KR" dirty="0"/>
+              <a:t> </a:t>
+            </a:r>
+            <a:r>
+              <a:rPr lang="en-US" altLang="ko-KR" dirty="0" err="1"/>
+              <a:t>dist</a:t>
+            </a:r>
+            <a:r>
+              <a:rPr lang="en-US" altLang="ko-KR" dirty="0"/>
+              <a:t>(self, other):</a:t>
+            </a:r>
+          </a:p>
+          <a:p>
+            <a:r>
+              <a:rPr lang="en-US" altLang="ko-KR" dirty="0"/>
+              <a:t>        return ((</a:t>
+            </a:r>
+            <a:r>
+              <a:rPr lang="en-US" altLang="ko-KR" dirty="0" err="1"/>
+              <a:t>other.x-self.x</a:t>
+            </a:r>
+            <a:r>
+              <a:rPr lang="en-US" altLang="ko-KR" dirty="0"/>
+              <a:t>)**2+(</a:t>
+            </a:r>
+            <a:r>
+              <a:rPr lang="en-US" altLang="ko-KR" dirty="0" err="1"/>
+              <a:t>other.y-self.y</a:t>
+            </a:r>
+            <a:r>
+              <a:rPr lang="en-US" altLang="ko-KR" dirty="0"/>
+              <a:t>)**2)**0.5</a:t>
+            </a:r>
           </a:p>
           <a:p>
             <a:endParaRPr lang="en-US" altLang="ko-KR" dirty="0"/>
@@ -11233,7 +11176,7 @@
     </p:spTree>
     <p:extLst>
       <p:ext uri="{BB962C8B-B14F-4D97-AF65-F5344CB8AC3E}">
-        <p14:creationId xmlns:p14="http://schemas.microsoft.com/office/powerpoint/2010/main" val="1404406894"/>
+        <p14:creationId xmlns:p14="http://schemas.microsoft.com/office/powerpoint/2010/main" val="438572382"/>
       </p:ext>
     </p:extLst>
   </p:cSld>
